--- a/project/Design.pptx
+++ b/project/Design.pptx
@@ -251,7 +251,7 @@
           <a:p>
             <a:fld id="{77257F9A-95E0-45A8-A66F-07C2ED2FD12A}" type="datetimeFigureOut">
               <a:rPr lang="he-IL" smtClean="0"/>
-              <a:t>א'/חשון/תש"פ</a:t>
+              <a:t>כ"ח/כסלו/תש"פ</a:t>
             </a:fld>
             <a:endParaRPr lang="he-IL"/>
           </a:p>
@@ -421,7 +421,7 @@
           <a:p>
             <a:fld id="{77257F9A-95E0-45A8-A66F-07C2ED2FD12A}" type="datetimeFigureOut">
               <a:rPr lang="he-IL" smtClean="0"/>
-              <a:t>א'/חשון/תש"פ</a:t>
+              <a:t>כ"ח/כסלו/תש"פ</a:t>
             </a:fld>
             <a:endParaRPr lang="he-IL"/>
           </a:p>
@@ -601,7 +601,7 @@
           <a:p>
             <a:fld id="{77257F9A-95E0-45A8-A66F-07C2ED2FD12A}" type="datetimeFigureOut">
               <a:rPr lang="he-IL" smtClean="0"/>
-              <a:t>א'/חשון/תש"פ</a:t>
+              <a:t>כ"ח/כסלו/תש"פ</a:t>
             </a:fld>
             <a:endParaRPr lang="he-IL"/>
           </a:p>
@@ -771,7 +771,7 @@
           <a:p>
             <a:fld id="{77257F9A-95E0-45A8-A66F-07C2ED2FD12A}" type="datetimeFigureOut">
               <a:rPr lang="he-IL" smtClean="0"/>
-              <a:t>א'/חשון/תש"פ</a:t>
+              <a:t>כ"ח/כסלו/תש"פ</a:t>
             </a:fld>
             <a:endParaRPr lang="he-IL"/>
           </a:p>
@@ -1017,7 +1017,7 @@
           <a:p>
             <a:fld id="{77257F9A-95E0-45A8-A66F-07C2ED2FD12A}" type="datetimeFigureOut">
               <a:rPr lang="he-IL" smtClean="0"/>
-              <a:t>א'/חשון/תש"פ</a:t>
+              <a:t>כ"ח/כסלו/תש"פ</a:t>
             </a:fld>
             <a:endParaRPr lang="he-IL"/>
           </a:p>
@@ -1249,7 +1249,7 @@
           <a:p>
             <a:fld id="{77257F9A-95E0-45A8-A66F-07C2ED2FD12A}" type="datetimeFigureOut">
               <a:rPr lang="he-IL" smtClean="0"/>
-              <a:t>א'/חשון/תש"פ</a:t>
+              <a:t>כ"ח/כסלו/תש"פ</a:t>
             </a:fld>
             <a:endParaRPr lang="he-IL"/>
           </a:p>
@@ -1616,7 +1616,7 @@
           <a:p>
             <a:fld id="{77257F9A-95E0-45A8-A66F-07C2ED2FD12A}" type="datetimeFigureOut">
               <a:rPr lang="he-IL" smtClean="0"/>
-              <a:t>א'/חשון/תש"פ</a:t>
+              <a:t>כ"ח/כסלו/תש"פ</a:t>
             </a:fld>
             <a:endParaRPr lang="he-IL"/>
           </a:p>
@@ -1734,7 +1734,7 @@
           <a:p>
             <a:fld id="{77257F9A-95E0-45A8-A66F-07C2ED2FD12A}" type="datetimeFigureOut">
               <a:rPr lang="he-IL" smtClean="0"/>
-              <a:t>א'/חשון/תש"פ</a:t>
+              <a:t>כ"ח/כסלו/תש"פ</a:t>
             </a:fld>
             <a:endParaRPr lang="he-IL"/>
           </a:p>
@@ -1829,7 +1829,7 @@
           <a:p>
             <a:fld id="{77257F9A-95E0-45A8-A66F-07C2ED2FD12A}" type="datetimeFigureOut">
               <a:rPr lang="he-IL" smtClean="0"/>
-              <a:t>א'/חשון/תש"פ</a:t>
+              <a:t>כ"ח/כסלו/תש"פ</a:t>
             </a:fld>
             <a:endParaRPr lang="he-IL"/>
           </a:p>
@@ -2106,7 +2106,7 @@
           <a:p>
             <a:fld id="{77257F9A-95E0-45A8-A66F-07C2ED2FD12A}" type="datetimeFigureOut">
               <a:rPr lang="he-IL" smtClean="0"/>
-              <a:t>א'/חשון/תש"פ</a:t>
+              <a:t>כ"ח/כסלו/תש"פ</a:t>
             </a:fld>
             <a:endParaRPr lang="he-IL"/>
           </a:p>
@@ -2363,7 +2363,7 @@
           <a:p>
             <a:fld id="{77257F9A-95E0-45A8-A66F-07C2ED2FD12A}" type="datetimeFigureOut">
               <a:rPr lang="he-IL" smtClean="0"/>
-              <a:t>א'/חשון/תש"פ</a:t>
+              <a:t>כ"ח/כסלו/תש"פ</a:t>
             </a:fld>
             <a:endParaRPr lang="he-IL"/>
           </a:p>
@@ -2576,7 +2576,7 @@
           <a:p>
             <a:fld id="{77257F9A-95E0-45A8-A66F-07C2ED2FD12A}" type="datetimeFigureOut">
               <a:rPr lang="he-IL" smtClean="0"/>
-              <a:t>א'/חשון/תש"פ</a:t>
+              <a:t>כ"ח/כסלו/תש"פ</a:t>
             </a:fld>
             <a:endParaRPr lang="he-IL"/>
           </a:p>
@@ -3072,6 +3072,10 @@
               <a:rPr lang="en-US" b="1" u="sng" dirty="0"/>
               <a:t>Missions - Tomer</a:t>
             </a:r>
+            <a:r>
+              <a:rPr lang="en-US" u="sng" dirty="0"/>
+              <a:t/>
+            </a:r>
             <a:br>
               <a:rPr lang="en-US" u="sng" dirty="0"/>
             </a:br>
@@ -7235,8 +7239,8 @@
         </p:nvSpPr>
         <p:spPr>
           <a:xfrm>
-            <a:off x="1104900" y="3571425"/>
-            <a:ext cx="30556200" cy="13979525"/>
+            <a:off x="891540" y="3571425"/>
+            <a:ext cx="30769560" cy="14282235"/>
           </a:xfrm>
         </p:spPr>
         <p:txBody>
@@ -7277,9 +7281,36 @@
               </a:lnSpc>
             </a:pPr>
             <a:r>
-              <a:rPr lang="en-GB" dirty="0"/>
-              <a:t>Implementation</a:t>
-            </a:r>
+              <a:rPr lang="en-GB" strike="sngStrike" dirty="0" smtClean="0"/>
+              <a:t>Implementation </a:t>
+            </a:r>
+            <a:r>
+              <a:rPr lang="en-GB" dirty="0" smtClean="0"/>
+              <a:t> </a:t>
+            </a:r>
+            <a:endParaRPr lang="en-GB" dirty="0">
+              <a:sym typeface="Wingdings" panose="05000000000000000000" pitchFamily="2" charset="2"/>
+            </a:endParaRPr>
+          </a:p>
+          <a:p>
+            <a:pPr lvl="2" algn="l" rtl="0">
+              <a:lnSpc>
+                <a:spcPct val="160000"/>
+              </a:lnSpc>
+            </a:pPr>
+            <a:r>
+              <a:rPr lang="en-GB" dirty="0" smtClean="0">
+                <a:sym typeface="Wingdings" panose="05000000000000000000" pitchFamily="2" charset="2"/>
+              </a:rPr>
+              <a:t>decision is still needed bu</a:t>
+            </a:r>
+            <a:r>
+              <a:rPr lang="en-GB" dirty="0" smtClean="0">
+                <a:sym typeface="Wingdings" panose="05000000000000000000" pitchFamily="2" charset="2"/>
+              </a:rPr>
+              <a:t>t implementation is automatic</a:t>
+            </a:r>
+            <a:endParaRPr lang="en-GB" strike="sngStrike" dirty="0"/>
           </a:p>
           <a:p>
             <a:pPr lvl="1" algn="l" rtl="0">
@@ -7288,12 +7319,12 @@
               </a:lnSpc>
             </a:pPr>
             <a:r>
-              <a:rPr lang="en-GB" dirty="0" err="1"/>
-              <a:t>Dct</a:t>
-            </a:r>
-            <a:r>
-              <a:rPr lang="en-GB" dirty="0"/>
-              <a:t>-replacement task - decision</a:t>
+              <a:rPr lang="en-GB" smtClean="0"/>
+              <a:t>Emotional </a:t>
+            </a:r>
+            <a:r>
+              <a:rPr lang="en-GB" dirty="0" smtClean="0"/>
+              <a:t>reactivity development</a:t>
             </a:r>
           </a:p>
           <a:p>
@@ -7303,8 +7334,8 @@
               </a:lnSpc>
             </a:pPr>
             <a:r>
-              <a:rPr lang="en-GB" dirty="0"/>
-              <a:t>implementation</a:t>
+              <a:rPr lang="en-GB" dirty="0" smtClean="0"/>
+              <a:t>Data saving</a:t>
             </a:r>
           </a:p>
           <a:p>
@@ -7314,8 +7345,16 @@
               </a:lnSpc>
             </a:pPr>
             <a:r>
+              <a:rPr lang="en-GB" dirty="0" err="1" smtClean="0"/>
+              <a:t>Dct</a:t>
+            </a:r>
+            <a:r>
+              <a:rPr lang="en-GB" dirty="0" smtClean="0"/>
+              <a:t>-replacement </a:t>
+            </a:r>
+            <a:r>
               <a:rPr lang="en-GB" dirty="0"/>
-              <a:t>Tasks fine details, randomisation and sentence amount</a:t>
+              <a:t>task - decision</a:t>
             </a:r>
           </a:p>
           <a:p>
@@ -7326,7 +7365,18 @@
             </a:pPr>
             <a:r>
               <a:rPr lang="en-GB" dirty="0"/>
-              <a:t>Implementation</a:t>
+              <a:t>implementation</a:t>
+            </a:r>
+          </a:p>
+          <a:p>
+            <a:pPr lvl="1" algn="l" rtl="0">
+              <a:lnSpc>
+                <a:spcPct val="160000"/>
+              </a:lnSpc>
+            </a:pPr>
+            <a:r>
+              <a:rPr lang="en-GB" dirty="0"/>
+              <a:t>Tasks fine details, randomisation and sentence amount</a:t>
             </a:r>
           </a:p>
           <a:p>
@@ -7337,6 +7387,17 @@
             </a:pPr>
             <a:r>
               <a:rPr lang="en-GB" dirty="0"/>
+              <a:t>Implementation</a:t>
+            </a:r>
+          </a:p>
+          <a:p>
+            <a:pPr lvl="2" algn="l" rtl="0">
+              <a:lnSpc>
+                <a:spcPct val="160000"/>
+              </a:lnSpc>
+            </a:pPr>
+            <a:r>
+              <a:rPr lang="en-GB" strike="sngStrike" dirty="0"/>
               <a:t>Make code flexible to accepting varying amount of sentences, blocks, trials and repetition</a:t>
             </a:r>
           </a:p>

--- a/project/Design.pptx
+++ b/project/Design.pptx
@@ -7,13 +7,12 @@
   <p:sldIdLst>
     <p:sldId id="256" r:id="rId2"/>
     <p:sldId id="261" r:id="rId3"/>
-    <p:sldId id="262" r:id="rId4"/>
-    <p:sldId id="258" r:id="rId5"/>
-    <p:sldId id="264" r:id="rId6"/>
-    <p:sldId id="268" r:id="rId7"/>
-    <p:sldId id="265" r:id="rId8"/>
-    <p:sldId id="266" r:id="rId9"/>
-    <p:sldId id="267" r:id="rId10"/>
+    <p:sldId id="258" r:id="rId4"/>
+    <p:sldId id="264" r:id="rId5"/>
+    <p:sldId id="268" r:id="rId6"/>
+    <p:sldId id="265" r:id="rId7"/>
+    <p:sldId id="266" r:id="rId8"/>
+    <p:sldId id="267" r:id="rId9"/>
   </p:sldIdLst>
   <p:sldSz cx="32032575" cy="18018125"/>
   <p:notesSz cx="6858000" cy="9144000"/>
@@ -3421,170 +3420,6 @@
       </p:grpSpPr>
       <p:sp>
         <p:nvSpPr>
-          <p:cNvPr id="2" name="כותרת 1">
-            <a:extLst>
-              <a:ext uri="{FF2B5EF4-FFF2-40B4-BE49-F238E27FC236}">
-                <a16:creationId xmlns:a16="http://schemas.microsoft.com/office/drawing/2014/main" id="{F1B54238-C4A9-4068-81C8-90394242A959}"/>
-              </a:ext>
-            </a:extLst>
-          </p:cNvPr>
-          <p:cNvSpPr>
-            <a:spLocks noGrp="1"/>
-          </p:cNvSpPr>
-          <p:nvPr>
-            <p:ph type="title"/>
-          </p:nvPr>
-        </p:nvSpPr>
-        <p:spPr/>
-        <p:txBody>
-          <a:bodyPr/>
-          <a:lstStyle/>
-          <a:p>
-            <a:endParaRPr lang="he-IL"/>
-          </a:p>
-        </p:txBody>
-      </p:sp>
-      <p:sp>
-        <p:nvSpPr>
-          <p:cNvPr id="3" name="מציין מיקום תוכן 2">
-            <a:extLst>
-              <a:ext uri="{FF2B5EF4-FFF2-40B4-BE49-F238E27FC236}">
-                <a16:creationId xmlns:a16="http://schemas.microsoft.com/office/drawing/2014/main" id="{01B53377-BF4F-48A2-B577-6EA7767E2E9E}"/>
-              </a:ext>
-            </a:extLst>
-          </p:cNvPr>
-          <p:cNvSpPr>
-            <a:spLocks noGrp="1"/>
-          </p:cNvSpPr>
-          <p:nvPr>
-            <p:ph idx="1"/>
-          </p:nvPr>
-        </p:nvSpPr>
-        <p:spPr/>
-        <p:txBody>
-          <a:bodyPr>
-            <a:normAutofit/>
-          </a:bodyPr>
-          <a:lstStyle/>
-          <a:p>
-            <a:r>
-              <a:rPr lang="en-US" dirty="0"/>
-              <a:t>Recordings – C:\Lifti1-Experiment</a:t>
-            </a:r>
-          </a:p>
-          <a:p>
-            <a:r>
-              <a:rPr lang="en-US" dirty="0"/>
-              <a:t>Put recordings in participant folder (see </a:t>
-            </a:r>
-            <a:r>
-              <a:rPr lang="en-US" dirty="0" err="1"/>
-              <a:t>Iftach’s</a:t>
-            </a:r>
-            <a:r>
-              <a:rPr lang="en-US" dirty="0"/>
-              <a:t> protocol)</a:t>
-            </a:r>
-          </a:p>
-          <a:p>
-            <a:r>
-              <a:rPr lang="en-US" dirty="0"/>
-              <a:t>DCT-STP baseline – step2 that will be found in the participant folder.</a:t>
-            </a:r>
-          </a:p>
-          <a:p>
-            <a:r>
-              <a:rPr lang="en-US" dirty="0"/>
-              <a:t>Talk to </a:t>
-            </a:r>
-            <a:r>
-              <a:rPr lang="en-US" dirty="0" err="1"/>
-              <a:t>Liad</a:t>
-            </a:r>
-            <a:r>
-              <a:rPr lang="en-US" dirty="0"/>
-              <a:t> about AFACT code.</a:t>
-            </a:r>
-          </a:p>
-          <a:p>
-            <a:pPr lvl="1"/>
-            <a:r>
-              <a:rPr lang="en-US" b="1" dirty="0"/>
-              <a:t>Tomer</a:t>
-            </a:r>
-            <a:r>
-              <a:rPr lang="en-US" dirty="0"/>
-              <a:t> – </a:t>
-            </a:r>
-            <a:r>
-              <a:rPr lang="en-US" dirty="0" err="1"/>
-              <a:t>reiview</a:t>
-            </a:r>
-            <a:r>
-              <a:rPr lang="en-US" dirty="0"/>
-              <a:t> AFACT code and try to incorporate it in flow</a:t>
-            </a:r>
-          </a:p>
-          <a:p>
-            <a:pPr lvl="1"/>
-            <a:r>
-              <a:rPr lang="en-US" b="1" dirty="0"/>
-              <a:t>Decide on self\probe caught </a:t>
-            </a:r>
-          </a:p>
-          <a:p>
-            <a:endParaRPr lang="en-US" dirty="0"/>
-          </a:p>
-          <a:p>
-            <a:r>
-              <a:rPr lang="en-US" dirty="0"/>
-              <a:t>Comments:</a:t>
-            </a:r>
-          </a:p>
-          <a:p>
-            <a:pPr lvl="1"/>
-            <a:r>
-              <a:rPr lang="en-US" dirty="0"/>
-              <a:t>Delete WM task from step 2.</a:t>
-            </a:r>
-          </a:p>
-          <a:p>
-            <a:endParaRPr lang="he-IL" dirty="0"/>
-          </a:p>
-        </p:txBody>
-      </p:sp>
-    </p:spTree>
-    <p:extLst>
-      <p:ext uri="{BB962C8B-B14F-4D97-AF65-F5344CB8AC3E}">
-        <p14:creationId xmlns:p14="http://schemas.microsoft.com/office/powerpoint/2010/main" val="3786276844"/>
-      </p:ext>
-    </p:extLst>
-  </p:cSld>
-  <p:clrMapOvr>
-    <a:masterClrMapping/>
-  </p:clrMapOvr>
-</p:sld>
-</file>
-
-<file path=ppt/slides/slide4.xml><?xml version="1.0" encoding="utf-8"?>
-<p:sld xmlns:a="http://schemas.openxmlformats.org/drawingml/2006/main" xmlns:r="http://schemas.openxmlformats.org/officeDocument/2006/relationships" xmlns:p="http://schemas.openxmlformats.org/presentationml/2006/main">
-  <p:cSld>
-    <p:spTree>
-      <p:nvGrpSpPr>
-        <p:cNvPr id="1" name=""/>
-        <p:cNvGrpSpPr/>
-        <p:nvPr/>
-      </p:nvGrpSpPr>
-      <p:grpSpPr>
-        <a:xfrm>
-          <a:off x="0" y="0"/>
-          <a:ext cx="0" cy="0"/>
-          <a:chOff x="0" y="0"/>
-          <a:chExt cx="0" cy="0"/>
-        </a:xfrm>
-      </p:grpSpPr>
-      <p:sp>
-        <p:nvSpPr>
           <p:cNvPr id="8" name="Rectangle 7">
             <a:extLst>
               <a:ext uri="{FF2B5EF4-FFF2-40B4-BE49-F238E27FC236}">
@@ -4432,7 +4267,7 @@
 </p:sld>
 </file>
 
-<file path=ppt/slides/slide5.xml><?xml version="1.0" encoding="utf-8"?>
+<file path=ppt/slides/slide4.xml><?xml version="1.0" encoding="utf-8"?>
 <p:sld xmlns:a="http://schemas.openxmlformats.org/drawingml/2006/main" xmlns:r="http://schemas.openxmlformats.org/officeDocument/2006/relationships" xmlns:p="http://schemas.openxmlformats.org/presentationml/2006/main">
   <p:cSld>
     <p:spTree>
@@ -7175,6 +7010,497 @@
 </p:sld>
 </file>
 
+<file path=ppt/slides/slide5.xml><?xml version="1.0" encoding="utf-8"?>
+<p:sld xmlns:a="http://schemas.openxmlformats.org/drawingml/2006/main" xmlns:r="http://schemas.openxmlformats.org/officeDocument/2006/relationships" xmlns:p="http://schemas.openxmlformats.org/presentationml/2006/main">
+  <p:cSld>
+    <p:spTree>
+      <p:nvGrpSpPr>
+        <p:cNvPr id="1" name=""/>
+        <p:cNvGrpSpPr/>
+        <p:nvPr/>
+      </p:nvGrpSpPr>
+      <p:grpSpPr>
+        <a:xfrm>
+          <a:off x="0" y="0"/>
+          <a:ext cx="0" cy="0"/>
+          <a:chOff x="0" y="0"/>
+          <a:chExt cx="0" cy="0"/>
+        </a:xfrm>
+      </p:grpSpPr>
+      <p:sp>
+        <p:nvSpPr>
+          <p:cNvPr id="2" name="Title 1">
+            <a:extLst>
+              <a:ext uri="{FF2B5EF4-FFF2-40B4-BE49-F238E27FC236}">
+                <a16:creationId xmlns:a16="http://schemas.microsoft.com/office/drawing/2014/main" id="{D0F41334-1BD6-4312-A9EA-922DA2BF740D}"/>
+              </a:ext>
+            </a:extLst>
+          </p:cNvPr>
+          <p:cNvSpPr>
+            <a:spLocks noGrp="1"/>
+          </p:cNvSpPr>
+          <p:nvPr>
+            <p:ph type="title"/>
+          </p:nvPr>
+        </p:nvSpPr>
+        <p:spPr/>
+        <p:txBody>
+          <a:bodyPr/>
+          <a:lstStyle/>
+          <a:p>
+            <a:r>
+              <a:rPr lang="en-GB" dirty="0"/>
+              <a:t>Progress plan</a:t>
+            </a:r>
+            <a:endParaRPr lang="en-IL" dirty="0"/>
+          </a:p>
+        </p:txBody>
+      </p:sp>
+      <p:sp>
+        <p:nvSpPr>
+          <p:cNvPr id="3" name="Content Placeholder 2">
+            <a:extLst>
+              <a:ext uri="{FF2B5EF4-FFF2-40B4-BE49-F238E27FC236}">
+                <a16:creationId xmlns:a16="http://schemas.microsoft.com/office/drawing/2014/main" id="{6CB916DA-96AD-47BA-BFC3-A3D1DB8CFBF3}"/>
+              </a:ext>
+            </a:extLst>
+          </p:cNvPr>
+          <p:cNvSpPr>
+            <a:spLocks noGrp="1"/>
+          </p:cNvSpPr>
+          <p:nvPr>
+            <p:ph idx="1"/>
+          </p:nvPr>
+        </p:nvSpPr>
+        <p:spPr>
+          <a:xfrm>
+            <a:off x="891540" y="3571425"/>
+            <a:ext cx="30769560" cy="14282235"/>
+          </a:xfrm>
+        </p:spPr>
+        <p:txBody>
+          <a:bodyPr numCol="2">
+            <a:normAutofit fontScale="55000" lnSpcReduction="20000"/>
+          </a:bodyPr>
+          <a:lstStyle/>
+          <a:p>
+            <a:pPr algn="l" rtl="0">
+              <a:lnSpc>
+                <a:spcPct val="160000"/>
+              </a:lnSpc>
+            </a:pPr>
+            <a:r>
+              <a:rPr lang="en-GB" b="1" dirty="0"/>
+              <a:t>Development</a:t>
+            </a:r>
+            <a:r>
+              <a:rPr lang="en-GB" dirty="0"/>
+              <a:t> </a:t>
+            </a:r>
+          </a:p>
+          <a:p>
+            <a:pPr lvl="1" algn="l" rtl="0">
+              <a:lnSpc>
+                <a:spcPct val="160000"/>
+              </a:lnSpc>
+            </a:pPr>
+            <a:r>
+              <a:rPr lang="en-GB" dirty="0"/>
+              <a:t>Trials-sentences repetition - decision</a:t>
+            </a:r>
+          </a:p>
+          <a:p>
+            <a:pPr lvl="2" algn="l" rtl="0">
+              <a:lnSpc>
+                <a:spcPct val="160000"/>
+              </a:lnSpc>
+            </a:pPr>
+            <a:r>
+              <a:rPr lang="en-GB" strike="sngStrike" dirty="0" smtClean="0"/>
+              <a:t>Implementation </a:t>
+            </a:r>
+            <a:r>
+              <a:rPr lang="en-GB" dirty="0" smtClean="0"/>
+              <a:t> </a:t>
+            </a:r>
+            <a:endParaRPr lang="en-GB" dirty="0">
+              <a:sym typeface="Wingdings" panose="05000000000000000000" pitchFamily="2" charset="2"/>
+            </a:endParaRPr>
+          </a:p>
+          <a:p>
+            <a:pPr lvl="2" algn="l" rtl="0">
+              <a:lnSpc>
+                <a:spcPct val="160000"/>
+              </a:lnSpc>
+            </a:pPr>
+            <a:r>
+              <a:rPr lang="en-GB" dirty="0" smtClean="0">
+                <a:sym typeface="Wingdings" panose="05000000000000000000" pitchFamily="2" charset="2"/>
+              </a:rPr>
+              <a:t>decision is still needed bu</a:t>
+            </a:r>
+            <a:r>
+              <a:rPr lang="en-GB" dirty="0" smtClean="0">
+                <a:sym typeface="Wingdings" panose="05000000000000000000" pitchFamily="2" charset="2"/>
+              </a:rPr>
+              <a:t>t implementation is automatic</a:t>
+            </a:r>
+            <a:endParaRPr lang="en-GB" strike="sngStrike" dirty="0"/>
+          </a:p>
+          <a:p>
+            <a:pPr lvl="1" algn="l" rtl="0">
+              <a:lnSpc>
+                <a:spcPct val="160000"/>
+              </a:lnSpc>
+            </a:pPr>
+            <a:r>
+              <a:rPr lang="en-GB" dirty="0" smtClean="0"/>
+              <a:t>Emotional reactivity development</a:t>
+            </a:r>
+          </a:p>
+          <a:p>
+            <a:pPr lvl="2" algn="l" rtl="0">
+              <a:lnSpc>
+                <a:spcPct val="160000"/>
+              </a:lnSpc>
+            </a:pPr>
+            <a:r>
+              <a:rPr lang="en-GB" dirty="0" smtClean="0"/>
+              <a:t>Data saving</a:t>
+            </a:r>
+          </a:p>
+          <a:p>
+            <a:pPr lvl="1" algn="l" rtl="0">
+              <a:lnSpc>
+                <a:spcPct val="160000"/>
+              </a:lnSpc>
+            </a:pPr>
+            <a:r>
+              <a:rPr lang="en-GB" dirty="0" err="1" smtClean="0"/>
+              <a:t>Dct</a:t>
+            </a:r>
+            <a:r>
+              <a:rPr lang="en-GB" dirty="0" smtClean="0"/>
+              <a:t>-replacement </a:t>
+            </a:r>
+            <a:r>
+              <a:rPr lang="en-GB" dirty="0"/>
+              <a:t>task - decision</a:t>
+            </a:r>
+          </a:p>
+          <a:p>
+            <a:pPr lvl="2" algn="l" rtl="0">
+              <a:lnSpc>
+                <a:spcPct val="160000"/>
+              </a:lnSpc>
+            </a:pPr>
+            <a:r>
+              <a:rPr lang="en-GB" dirty="0"/>
+              <a:t>implementation</a:t>
+            </a:r>
+          </a:p>
+          <a:p>
+            <a:pPr lvl="1" algn="l" rtl="0">
+              <a:lnSpc>
+                <a:spcPct val="160000"/>
+              </a:lnSpc>
+            </a:pPr>
+            <a:r>
+              <a:rPr lang="en-GB" dirty="0"/>
+              <a:t>Tasks fine details, randomisation and sentence amount</a:t>
+            </a:r>
+          </a:p>
+          <a:p>
+            <a:pPr lvl="2" algn="l" rtl="0">
+              <a:lnSpc>
+                <a:spcPct val="160000"/>
+              </a:lnSpc>
+            </a:pPr>
+            <a:r>
+              <a:rPr lang="en-GB" dirty="0"/>
+              <a:t>Implementation</a:t>
+            </a:r>
+          </a:p>
+          <a:p>
+            <a:pPr lvl="2" algn="l" rtl="0">
+              <a:lnSpc>
+                <a:spcPct val="160000"/>
+              </a:lnSpc>
+            </a:pPr>
+            <a:r>
+              <a:rPr lang="en-GB" strike="sngStrike" dirty="0"/>
+              <a:t>Make code flexible to accepting varying amount of sentences, blocks, trials and repetition</a:t>
+            </a:r>
+          </a:p>
+          <a:p>
+            <a:pPr lvl="1" algn="l" rtl="0">
+              <a:lnSpc>
+                <a:spcPct val="160000"/>
+              </a:lnSpc>
+            </a:pPr>
+            <a:r>
+              <a:rPr lang="en-GB" dirty="0"/>
+              <a:t>MAB (Self-Caught) development</a:t>
+            </a:r>
+          </a:p>
+          <a:p>
+            <a:pPr lvl="2" algn="l" rtl="0">
+              <a:lnSpc>
+                <a:spcPct val="160000"/>
+              </a:lnSpc>
+            </a:pPr>
+            <a:r>
+              <a:rPr lang="en-GB" dirty="0"/>
+              <a:t>Implementation</a:t>
+            </a:r>
+          </a:p>
+          <a:p>
+            <a:pPr lvl="1" algn="l" rtl="0">
+              <a:lnSpc>
+                <a:spcPct val="160000"/>
+              </a:lnSpc>
+            </a:pPr>
+            <a:r>
+              <a:rPr lang="en-GB" dirty="0"/>
+              <a:t>One-back Dichotic development</a:t>
+            </a:r>
+          </a:p>
+          <a:p>
+            <a:pPr lvl="2" algn="l" rtl="0">
+              <a:lnSpc>
+                <a:spcPct val="160000"/>
+              </a:lnSpc>
+            </a:pPr>
+            <a:r>
+              <a:rPr lang="en-GB" dirty="0"/>
+              <a:t>Implementation</a:t>
+            </a:r>
+          </a:p>
+          <a:p>
+            <a:pPr lvl="1" algn="l" rtl="0">
+              <a:lnSpc>
+                <a:spcPct val="160000"/>
+              </a:lnSpc>
+            </a:pPr>
+            <a:r>
+              <a:rPr lang="en-GB" dirty="0"/>
+              <a:t>BMM measurement – brainstorming, decision (A,Y)</a:t>
+            </a:r>
+          </a:p>
+          <a:p>
+            <a:pPr lvl="2" algn="l" rtl="0">
+              <a:lnSpc>
+                <a:spcPct val="160000"/>
+              </a:lnSpc>
+            </a:pPr>
+            <a:r>
+              <a:rPr lang="en-GB" dirty="0"/>
+              <a:t>Present current ideas</a:t>
+            </a:r>
+          </a:p>
+          <a:p>
+            <a:pPr lvl="2" algn="l" rtl="0">
+              <a:lnSpc>
+                <a:spcPct val="160000"/>
+              </a:lnSpc>
+            </a:pPr>
+            <a:r>
+              <a:rPr lang="en-GB" dirty="0"/>
+              <a:t>Implementation</a:t>
+            </a:r>
+          </a:p>
+          <a:p>
+            <a:pPr lvl="1" algn="l" rtl="0">
+              <a:lnSpc>
+                <a:spcPct val="160000"/>
+              </a:lnSpc>
+            </a:pPr>
+            <a:r>
+              <a:rPr lang="en-GB" dirty="0"/>
+              <a:t>Creating coherent stable flow</a:t>
+            </a:r>
+          </a:p>
+          <a:p>
+            <a:pPr lvl="2" algn="l" rtl="0">
+              <a:lnSpc>
+                <a:spcPct val="160000"/>
+              </a:lnSpc>
+            </a:pPr>
+            <a:r>
+              <a:rPr lang="en-GB" dirty="0"/>
+              <a:t>That is group dependent (placebo, BMM, AFACT) </a:t>
+            </a:r>
+          </a:p>
+          <a:p>
+            <a:pPr lvl="2" algn="l" rtl="0">
+              <a:lnSpc>
+                <a:spcPct val="160000"/>
+              </a:lnSpc>
+            </a:pPr>
+            <a:r>
+              <a:rPr lang="en-GB" dirty="0"/>
+              <a:t>Implementation</a:t>
+            </a:r>
+          </a:p>
+          <a:p>
+            <a:pPr lvl="1" algn="l" rtl="0">
+              <a:lnSpc>
+                <a:spcPct val="160000"/>
+              </a:lnSpc>
+            </a:pPr>
+            <a:r>
+              <a:rPr lang="en-GB" dirty="0"/>
+              <a:t>Cross computers tests</a:t>
+            </a:r>
+          </a:p>
+          <a:p>
+            <a:pPr lvl="2" algn="l" rtl="0">
+              <a:lnSpc>
+                <a:spcPct val="160000"/>
+              </a:lnSpc>
+            </a:pPr>
+            <a:r>
+              <a:rPr lang="en-GB" dirty="0"/>
+              <a:t>Develop easy install process</a:t>
+            </a:r>
+          </a:p>
+          <a:p>
+            <a:pPr lvl="1" algn="l" rtl="0">
+              <a:lnSpc>
+                <a:spcPct val="160000"/>
+              </a:lnSpc>
+            </a:pPr>
+            <a:r>
+              <a:rPr lang="en-GB" dirty="0"/>
+              <a:t>Sentence recording – decision</a:t>
+            </a:r>
+          </a:p>
+          <a:p>
+            <a:pPr lvl="2" algn="l" rtl="0">
+              <a:lnSpc>
+                <a:spcPct val="160000"/>
+              </a:lnSpc>
+            </a:pPr>
+            <a:r>
+              <a:rPr lang="en-GB" dirty="0"/>
+              <a:t>Implement current </a:t>
+            </a:r>
+            <a:r>
+              <a:rPr lang="en-GB" dirty="0" err="1"/>
+              <a:t>iftach’s</a:t>
+            </a:r>
+            <a:r>
+              <a:rPr lang="en-GB" dirty="0"/>
+              <a:t> code for recording</a:t>
+            </a:r>
+          </a:p>
+          <a:p>
+            <a:pPr lvl="2" algn="l" rtl="0">
+              <a:lnSpc>
+                <a:spcPct val="160000"/>
+              </a:lnSpc>
+            </a:pPr>
+            <a:r>
+              <a:rPr lang="en-GB" dirty="0"/>
+              <a:t>Or – sync with website</a:t>
+            </a:r>
+          </a:p>
+          <a:p>
+            <a:pPr lvl="2" algn="l" rtl="0">
+              <a:lnSpc>
+                <a:spcPct val="160000"/>
+              </a:lnSpc>
+            </a:pPr>
+            <a:r>
+              <a:rPr lang="en-GB" dirty="0"/>
+              <a:t>Pay attention to amount of sampled negative and neutral sentences</a:t>
+            </a:r>
+          </a:p>
+          <a:p>
+            <a:pPr lvl="1" algn="l" rtl="0">
+              <a:lnSpc>
+                <a:spcPct val="160000"/>
+              </a:lnSpc>
+            </a:pPr>
+            <a:r>
+              <a:rPr lang="en-GB" dirty="0"/>
+              <a:t>Additional questionnaires - decision (A)</a:t>
+            </a:r>
+          </a:p>
+          <a:p>
+            <a:pPr lvl="2" algn="l" rtl="0">
+              <a:lnSpc>
+                <a:spcPct val="160000"/>
+              </a:lnSpc>
+            </a:pPr>
+            <a:r>
+              <a:rPr lang="en-GB" dirty="0"/>
+              <a:t>Implementation – in </a:t>
+            </a:r>
+            <a:r>
+              <a:rPr lang="en-GB" dirty="0" err="1"/>
+              <a:t>Qualtricks</a:t>
+            </a:r>
+            <a:endParaRPr lang="en-GB" dirty="0"/>
+          </a:p>
+          <a:p>
+            <a:pPr lvl="1" algn="l" rtl="0">
+              <a:lnSpc>
+                <a:spcPct val="160000"/>
+              </a:lnSpc>
+            </a:pPr>
+            <a:r>
+              <a:rPr lang="en-GB" dirty="0"/>
+              <a:t>Create a protocol</a:t>
+            </a:r>
+          </a:p>
+          <a:p>
+            <a:pPr lvl="1" algn="l" rtl="0">
+              <a:lnSpc>
+                <a:spcPct val="160000"/>
+              </a:lnSpc>
+            </a:pPr>
+            <a:endParaRPr lang="en-GB" dirty="0"/>
+          </a:p>
+          <a:p>
+            <a:pPr lvl="2" algn="l" rtl="0">
+              <a:lnSpc>
+                <a:spcPct val="160000"/>
+              </a:lnSpc>
+            </a:pPr>
+            <a:endParaRPr lang="en-GB" dirty="0"/>
+          </a:p>
+          <a:p>
+            <a:pPr lvl="2" algn="l" rtl="0">
+              <a:lnSpc>
+                <a:spcPct val="160000"/>
+              </a:lnSpc>
+            </a:pPr>
+            <a:endParaRPr lang="en-GB" dirty="0"/>
+          </a:p>
+          <a:p>
+            <a:pPr lvl="1" algn="l" rtl="0">
+              <a:lnSpc>
+                <a:spcPct val="160000"/>
+              </a:lnSpc>
+            </a:pPr>
+            <a:endParaRPr lang="en-GB" dirty="0"/>
+          </a:p>
+        </p:txBody>
+      </p:sp>
+    </p:spTree>
+    <p:extLst>
+      <p:ext uri="{BB962C8B-B14F-4D97-AF65-F5344CB8AC3E}">
+        <p14:creationId xmlns:p14="http://schemas.microsoft.com/office/powerpoint/2010/main" val="3888027364"/>
+      </p:ext>
+    </p:extLst>
+  </p:cSld>
+  <p:clrMapOvr>
+    <a:masterClrMapping/>
+  </p:clrMapOvr>
+</p:sld>
+</file>
+
 <file path=ppt/slides/slide6.xml><?xml version="1.0" encoding="utf-8"?>
 <p:sld xmlns:a="http://schemas.openxmlformats.org/drawingml/2006/main" xmlns:r="http://schemas.openxmlformats.org/officeDocument/2006/relationships" xmlns:p="http://schemas.openxmlformats.org/presentationml/2006/main">
   <p:cSld>
@@ -7194,10 +7520,10 @@
       </p:grpSpPr>
       <p:sp>
         <p:nvSpPr>
-          <p:cNvPr id="2" name="Title 1">
+          <p:cNvPr id="2" name="כותרת 1">
             <a:extLst>
               <a:ext uri="{FF2B5EF4-FFF2-40B4-BE49-F238E27FC236}">
-                <a16:creationId xmlns:a16="http://schemas.microsoft.com/office/drawing/2014/main" id="{D0F41334-1BD6-4312-A9EA-922DA2BF740D}"/>
+                <a16:creationId xmlns:a16="http://schemas.microsoft.com/office/drawing/2014/main" id="{7BED6D64-8BA8-4E2F-B6A4-A8C118761E9A}"/>
               </a:ext>
             </a:extLst>
           </p:cNvPr>
@@ -7213,20 +7539,16 @@
           <a:bodyPr/>
           <a:lstStyle/>
           <a:p>
-            <a:r>
-              <a:rPr lang="en-GB" dirty="0"/>
-              <a:t>Progress plan</a:t>
-            </a:r>
-            <a:endParaRPr lang="en-IL" dirty="0"/>
-          </a:p>
-        </p:txBody>
-      </p:sp>
-      <p:sp>
-        <p:nvSpPr>
-          <p:cNvPr id="3" name="Content Placeholder 2">
+            <a:endParaRPr lang="he-IL"/>
+          </a:p>
+        </p:txBody>
+      </p:sp>
+      <p:sp>
+        <p:nvSpPr>
+          <p:cNvPr id="3" name="מציין מיקום תוכן 2">
             <a:extLst>
               <a:ext uri="{FF2B5EF4-FFF2-40B4-BE49-F238E27FC236}">
-                <a16:creationId xmlns:a16="http://schemas.microsoft.com/office/drawing/2014/main" id="{6CB916DA-96AD-47BA-BFC3-A3D1DB8CFBF3}"/>
+                <a16:creationId xmlns:a16="http://schemas.microsoft.com/office/drawing/2014/main" id="{064BDEB7-DFBA-4CFB-9AE2-D44FE6ADE814}"/>
               </a:ext>
             </a:extLst>
           </p:cNvPr>
@@ -7237,430 +7559,178 @@
             <p:ph idx="1"/>
           </p:nvPr>
         </p:nvSpPr>
-        <p:spPr>
-          <a:xfrm>
-            <a:off x="891540" y="3571425"/>
-            <a:ext cx="30769560" cy="14282235"/>
-          </a:xfrm>
-        </p:spPr>
-        <p:txBody>
-          <a:bodyPr numCol="2">
-            <a:normAutofit fontScale="55000" lnSpcReduction="20000"/>
+        <p:spPr/>
+        <p:txBody>
+          <a:bodyPr>
+            <a:normAutofit fontScale="77500" lnSpcReduction="20000"/>
           </a:bodyPr>
           <a:lstStyle/>
           <a:p>
-            <a:pPr algn="l" rtl="0">
-              <a:lnSpc>
-                <a:spcPct val="160000"/>
-              </a:lnSpc>
-            </a:pPr>
-            <a:r>
-              <a:rPr lang="en-GB" b="1" dirty="0"/>
-              <a:t>Development</a:t>
-            </a:r>
-            <a:r>
-              <a:rPr lang="en-GB" dirty="0"/>
-              <a:t> </a:t>
-            </a:r>
-          </a:p>
-          <a:p>
-            <a:pPr lvl="1" algn="l" rtl="0">
-              <a:lnSpc>
-                <a:spcPct val="160000"/>
-              </a:lnSpc>
-            </a:pPr>
-            <a:r>
-              <a:rPr lang="en-GB" dirty="0"/>
-              <a:t>Trials-sentences repetition - decision</a:t>
-            </a:r>
-          </a:p>
-          <a:p>
-            <a:pPr lvl="2" algn="l" rtl="0">
-              <a:lnSpc>
-                <a:spcPct val="160000"/>
-              </a:lnSpc>
-            </a:pPr>
-            <a:r>
-              <a:rPr lang="en-GB" strike="sngStrike" dirty="0" smtClean="0"/>
-              <a:t>Implementation </a:t>
-            </a:r>
-            <a:r>
-              <a:rPr lang="en-GB" dirty="0" smtClean="0"/>
-              <a:t> </a:t>
-            </a:r>
-            <a:endParaRPr lang="en-GB" dirty="0">
-              <a:sym typeface="Wingdings" panose="05000000000000000000" pitchFamily="2" charset="2"/>
-            </a:endParaRPr>
-          </a:p>
-          <a:p>
-            <a:pPr lvl="2" algn="l" rtl="0">
-              <a:lnSpc>
-                <a:spcPct val="160000"/>
-              </a:lnSpc>
-            </a:pPr>
-            <a:r>
-              <a:rPr lang="en-GB" dirty="0" smtClean="0">
-                <a:sym typeface="Wingdings" panose="05000000000000000000" pitchFamily="2" charset="2"/>
-              </a:rPr>
-              <a:t>decision is still needed bu</a:t>
-            </a:r>
-            <a:r>
-              <a:rPr lang="en-GB" dirty="0" smtClean="0">
-                <a:sym typeface="Wingdings" panose="05000000000000000000" pitchFamily="2" charset="2"/>
-              </a:rPr>
-              <a:t>t implementation is automatic</a:t>
-            </a:r>
-            <a:endParaRPr lang="en-GB" strike="sngStrike" dirty="0"/>
-          </a:p>
-          <a:p>
-            <a:pPr lvl="1" algn="l" rtl="0">
-              <a:lnSpc>
-                <a:spcPct val="160000"/>
-              </a:lnSpc>
-            </a:pPr>
-            <a:r>
-              <a:rPr lang="en-GB" smtClean="0"/>
-              <a:t>Emotional </a:t>
-            </a:r>
-            <a:r>
-              <a:rPr lang="en-GB" dirty="0" smtClean="0"/>
-              <a:t>reactivity development</a:t>
-            </a:r>
-          </a:p>
-          <a:p>
-            <a:pPr lvl="2" algn="l" rtl="0">
-              <a:lnSpc>
-                <a:spcPct val="160000"/>
-              </a:lnSpc>
-            </a:pPr>
-            <a:r>
-              <a:rPr lang="en-GB" dirty="0" smtClean="0"/>
-              <a:t>Data saving</a:t>
-            </a:r>
-          </a:p>
-          <a:p>
-            <a:pPr lvl="1" algn="l" rtl="0">
-              <a:lnSpc>
-                <a:spcPct val="160000"/>
-              </a:lnSpc>
-            </a:pPr>
-            <a:r>
-              <a:rPr lang="en-GB" dirty="0" err="1" smtClean="0"/>
-              <a:t>Dct</a:t>
-            </a:r>
-            <a:r>
-              <a:rPr lang="en-GB" dirty="0" smtClean="0"/>
-              <a:t>-replacement </a:t>
-            </a:r>
-            <a:r>
-              <a:rPr lang="en-GB" dirty="0"/>
-              <a:t>task - decision</a:t>
-            </a:r>
-          </a:p>
-          <a:p>
-            <a:pPr lvl="2" algn="l" rtl="0">
-              <a:lnSpc>
-                <a:spcPct val="160000"/>
-              </a:lnSpc>
-            </a:pPr>
-            <a:r>
-              <a:rPr lang="en-GB" dirty="0"/>
-              <a:t>implementation</a:t>
-            </a:r>
-          </a:p>
-          <a:p>
-            <a:pPr lvl="1" algn="l" rtl="0">
-              <a:lnSpc>
-                <a:spcPct val="160000"/>
-              </a:lnSpc>
-            </a:pPr>
-            <a:r>
-              <a:rPr lang="en-GB" dirty="0"/>
-              <a:t>Tasks fine details, randomisation and sentence amount</a:t>
-            </a:r>
-          </a:p>
-          <a:p>
-            <a:pPr lvl="2" algn="l" rtl="0">
-              <a:lnSpc>
-                <a:spcPct val="160000"/>
-              </a:lnSpc>
-            </a:pPr>
-            <a:r>
-              <a:rPr lang="en-GB" dirty="0"/>
-              <a:t>Implementation</a:t>
-            </a:r>
-          </a:p>
-          <a:p>
-            <a:pPr lvl="2" algn="l" rtl="0">
-              <a:lnSpc>
-                <a:spcPct val="160000"/>
-              </a:lnSpc>
-            </a:pPr>
-            <a:r>
-              <a:rPr lang="en-GB" strike="sngStrike" dirty="0"/>
-              <a:t>Make code flexible to accepting varying amount of sentences, blocks, trials and repetition</a:t>
-            </a:r>
-          </a:p>
-          <a:p>
-            <a:pPr lvl="1" algn="l" rtl="0">
-              <a:lnSpc>
-                <a:spcPct val="160000"/>
-              </a:lnSpc>
-            </a:pPr>
-            <a:r>
-              <a:rPr lang="en-GB" dirty="0"/>
-              <a:t>MAB (Self-Caught) development</a:t>
-            </a:r>
-          </a:p>
-          <a:p>
-            <a:pPr lvl="2" algn="l" rtl="0">
-              <a:lnSpc>
-                <a:spcPct val="160000"/>
-              </a:lnSpc>
-            </a:pPr>
-            <a:r>
-              <a:rPr lang="en-GB" dirty="0"/>
-              <a:t>Implementation</a:t>
-            </a:r>
-          </a:p>
-          <a:p>
-            <a:pPr lvl="1" algn="l" rtl="0">
-              <a:lnSpc>
-                <a:spcPct val="160000"/>
-              </a:lnSpc>
-            </a:pPr>
-            <a:r>
-              <a:rPr lang="en-GB" dirty="0"/>
-              <a:t>One-back Dichotic development</a:t>
-            </a:r>
-          </a:p>
-          <a:p>
-            <a:pPr lvl="2" algn="l" rtl="0">
-              <a:lnSpc>
-                <a:spcPct val="160000"/>
-              </a:lnSpc>
-            </a:pPr>
-            <a:r>
-              <a:rPr lang="en-GB" dirty="0"/>
-              <a:t>Implementation</a:t>
-            </a:r>
-          </a:p>
-          <a:p>
-            <a:pPr lvl="1" algn="l" rtl="0">
-              <a:lnSpc>
-                <a:spcPct val="160000"/>
-              </a:lnSpc>
-            </a:pPr>
-            <a:r>
-              <a:rPr lang="en-GB" dirty="0"/>
-              <a:t>BMM measurement – brainstorming, decision (A,Y)</a:t>
-            </a:r>
-          </a:p>
-          <a:p>
-            <a:pPr lvl="2" algn="l" rtl="0">
-              <a:lnSpc>
-                <a:spcPct val="160000"/>
-              </a:lnSpc>
-            </a:pPr>
-            <a:r>
-              <a:rPr lang="en-GB" dirty="0"/>
-              <a:t>Present current ideas</a:t>
-            </a:r>
-          </a:p>
-          <a:p>
-            <a:pPr lvl="2" algn="l" rtl="0">
-              <a:lnSpc>
-                <a:spcPct val="160000"/>
-              </a:lnSpc>
-            </a:pPr>
-            <a:r>
-              <a:rPr lang="en-GB" dirty="0"/>
-              <a:t>Implementation</a:t>
-            </a:r>
-          </a:p>
-          <a:p>
-            <a:pPr lvl="1" algn="l" rtl="0">
-              <a:lnSpc>
-                <a:spcPct val="160000"/>
-              </a:lnSpc>
-            </a:pPr>
-            <a:r>
-              <a:rPr lang="en-GB" dirty="0"/>
-              <a:t>Creating coherent stable flow</a:t>
-            </a:r>
-          </a:p>
-          <a:p>
-            <a:pPr lvl="2" algn="l" rtl="0">
-              <a:lnSpc>
-                <a:spcPct val="160000"/>
-              </a:lnSpc>
-            </a:pPr>
-            <a:r>
-              <a:rPr lang="en-GB" dirty="0"/>
-              <a:t>That is group dependent (placebo, BMM, AFACT) </a:t>
-            </a:r>
-          </a:p>
-          <a:p>
-            <a:pPr lvl="2" algn="l" rtl="0">
-              <a:lnSpc>
-                <a:spcPct val="160000"/>
-              </a:lnSpc>
-            </a:pPr>
-            <a:r>
-              <a:rPr lang="en-GB" dirty="0"/>
-              <a:t>Implementation</a:t>
-            </a:r>
-          </a:p>
-          <a:p>
-            <a:pPr lvl="1" algn="l" rtl="0">
-              <a:lnSpc>
-                <a:spcPct val="160000"/>
-              </a:lnSpc>
-            </a:pPr>
-            <a:r>
-              <a:rPr lang="en-GB" dirty="0"/>
-              <a:t>Cross computers tests</a:t>
-            </a:r>
-          </a:p>
-          <a:p>
-            <a:pPr lvl="2" algn="l" rtl="0">
-              <a:lnSpc>
-                <a:spcPct val="160000"/>
-              </a:lnSpc>
-            </a:pPr>
-            <a:r>
-              <a:rPr lang="en-GB" dirty="0"/>
-              <a:t>Develop easy install process</a:t>
-            </a:r>
-          </a:p>
-          <a:p>
-            <a:pPr lvl="1" algn="l" rtl="0">
-              <a:lnSpc>
-                <a:spcPct val="160000"/>
-              </a:lnSpc>
-            </a:pPr>
-            <a:r>
-              <a:rPr lang="en-GB" dirty="0"/>
-              <a:t>Sentence recording – decision</a:t>
-            </a:r>
-          </a:p>
-          <a:p>
-            <a:pPr lvl="2" algn="l" rtl="0">
-              <a:lnSpc>
-                <a:spcPct val="160000"/>
-              </a:lnSpc>
-            </a:pPr>
-            <a:r>
-              <a:rPr lang="en-GB" dirty="0"/>
-              <a:t>Implement current </a:t>
-            </a:r>
-            <a:r>
-              <a:rPr lang="en-GB" dirty="0" err="1"/>
-              <a:t>iftach’s</a:t>
-            </a:r>
-            <a:r>
-              <a:rPr lang="en-GB" dirty="0"/>
-              <a:t> code for recording</a:t>
-            </a:r>
-          </a:p>
-          <a:p>
-            <a:pPr lvl="2" algn="l" rtl="0">
-              <a:lnSpc>
-                <a:spcPct val="160000"/>
-              </a:lnSpc>
-            </a:pPr>
-            <a:r>
-              <a:rPr lang="en-GB" dirty="0"/>
-              <a:t>Or – sync with website</a:t>
-            </a:r>
-          </a:p>
-          <a:p>
-            <a:pPr lvl="2" algn="l" rtl="0">
-              <a:lnSpc>
-                <a:spcPct val="160000"/>
-              </a:lnSpc>
-            </a:pPr>
-            <a:r>
-              <a:rPr lang="en-GB" dirty="0"/>
-              <a:t>Pay attention to amount of sampled negative and neutral sentences</a:t>
-            </a:r>
-          </a:p>
-          <a:p>
-            <a:pPr lvl="1" algn="l" rtl="0">
-              <a:lnSpc>
-                <a:spcPct val="160000"/>
-              </a:lnSpc>
-            </a:pPr>
-            <a:r>
-              <a:rPr lang="en-GB" dirty="0"/>
-              <a:t>Additional questionnaires - decision (A)</a:t>
-            </a:r>
-          </a:p>
-          <a:p>
-            <a:pPr lvl="2" algn="l" rtl="0">
-              <a:lnSpc>
-                <a:spcPct val="160000"/>
-              </a:lnSpc>
-            </a:pPr>
-            <a:r>
-              <a:rPr lang="en-GB" dirty="0"/>
-              <a:t>Implementation – in </a:t>
-            </a:r>
-            <a:r>
-              <a:rPr lang="en-GB" dirty="0" err="1"/>
-              <a:t>Qualtricks</a:t>
-            </a:r>
-            <a:endParaRPr lang="en-GB" dirty="0"/>
-          </a:p>
-          <a:p>
-            <a:pPr lvl="1" algn="l" rtl="0">
-              <a:lnSpc>
-                <a:spcPct val="160000"/>
-              </a:lnSpc>
-            </a:pPr>
-            <a:r>
-              <a:rPr lang="en-GB" dirty="0"/>
-              <a:t>Create a protocol</a:t>
-            </a:r>
-          </a:p>
-          <a:p>
-            <a:pPr lvl="1" algn="l" rtl="0">
-              <a:lnSpc>
-                <a:spcPct val="160000"/>
-              </a:lnSpc>
-            </a:pPr>
-            <a:endParaRPr lang="en-GB" dirty="0"/>
-          </a:p>
-          <a:p>
-            <a:pPr lvl="2" algn="l" rtl="0">
-              <a:lnSpc>
-                <a:spcPct val="160000"/>
-              </a:lnSpc>
-            </a:pPr>
-            <a:endParaRPr lang="en-GB" dirty="0"/>
-          </a:p>
-          <a:p>
-            <a:pPr lvl="2" algn="l" rtl="0">
-              <a:lnSpc>
-                <a:spcPct val="160000"/>
-              </a:lnSpc>
-            </a:pPr>
-            <a:endParaRPr lang="en-GB" dirty="0"/>
-          </a:p>
-          <a:p>
-            <a:pPr lvl="1" algn="l" rtl="0">
-              <a:lnSpc>
-                <a:spcPct val="160000"/>
-              </a:lnSpc>
-            </a:pPr>
-            <a:endParaRPr lang="en-GB" dirty="0"/>
+            <a:r>
+              <a:rPr lang="he-IL" dirty="0"/>
+              <a:t>איזו מטלה מתאמנים עליה – הפחתת אינטראקציית נבדק-מטלה</a:t>
+            </a:r>
+          </a:p>
+          <a:p>
+            <a:pPr lvl="1"/>
+            <a:r>
+              <a:rPr lang="he-IL" dirty="0"/>
+              <a:t>מה עושים ל</a:t>
+            </a:r>
+            <a:r>
+              <a:rPr lang="en-US" dirty="0"/>
+              <a:t>design</a:t>
+            </a:r>
+            <a:r>
+              <a:rPr lang="he-IL" dirty="0"/>
+              <a:t>:</a:t>
+            </a:r>
+          </a:p>
+          <a:p>
+            <a:pPr lvl="2"/>
+            <a:r>
+              <a:rPr lang="he-IL" dirty="0"/>
+              <a:t>שינוי המטלה עליה מתאמנים</a:t>
+            </a:r>
+          </a:p>
+          <a:p>
+            <a:pPr lvl="3"/>
+            <a:r>
+              <a:rPr lang="he-IL" dirty="0"/>
+              <a:t>מוטורי</a:t>
+            </a:r>
+          </a:p>
+          <a:p>
+            <a:pPr lvl="3"/>
+            <a:r>
+              <a:rPr lang="he-IL" dirty="0"/>
+              <a:t>הגירוי שעליו עושים קטגוריזציה</a:t>
+            </a:r>
+          </a:p>
+          <a:p>
+            <a:pPr lvl="2"/>
+            <a:r>
+              <a:rPr lang="he-IL" dirty="0"/>
+              <a:t>להשתמש ב-</a:t>
+            </a:r>
+            <a:r>
+              <a:rPr lang="en-US" dirty="0" err="1"/>
+              <a:t>oneback</a:t>
+            </a:r>
+            <a:endParaRPr lang="he-IL" dirty="0"/>
+          </a:p>
+          <a:p>
+            <a:pPr lvl="2"/>
+            <a:r>
+              <a:rPr lang="he-IL" dirty="0"/>
+              <a:t>שינוי של להשתמש במטלה אחרת לגמרי- </a:t>
+            </a:r>
+            <a:r>
+              <a:rPr lang="en-US" dirty="0"/>
+              <a:t>go-</a:t>
+            </a:r>
+            <a:r>
+              <a:rPr lang="en-US" dirty="0" err="1"/>
+              <a:t>nogo</a:t>
+            </a:r>
+            <a:r>
+              <a:rPr lang="he-IL" dirty="0"/>
+              <a:t>.</a:t>
+            </a:r>
+          </a:p>
+          <a:p>
+            <a:pPr lvl="2"/>
+            <a:r>
+              <a:rPr lang="he-IL" dirty="0"/>
+              <a:t>אפשרות של שינוי – הגירוי</a:t>
+            </a:r>
+          </a:p>
+          <a:p>
+            <a:pPr lvl="3"/>
+            <a:r>
+              <a:rPr lang="he-IL" dirty="0"/>
+              <a:t>שינוי המטלה</a:t>
+            </a:r>
+          </a:p>
+          <a:p>
+            <a:pPr lvl="3"/>
+            <a:r>
+              <a:rPr lang="he-IL" dirty="0"/>
+              <a:t>שינוי מוטורי</a:t>
+            </a:r>
+            <a:endParaRPr lang="en-US" dirty="0"/>
+          </a:p>
+          <a:p>
+            <a:endParaRPr lang="en-US" dirty="0"/>
+          </a:p>
+          <a:p>
+            <a:r>
+              <a:rPr lang="he-IL" dirty="0" err="1"/>
+              <a:t>רנדומיזציה</a:t>
+            </a:r>
+            <a:r>
+              <a:rPr lang="he-IL" dirty="0"/>
+              <a:t>	</a:t>
+            </a:r>
+          </a:p>
+          <a:p>
+            <a:pPr lvl="1"/>
+            <a:r>
+              <a:rPr lang="he-IL" dirty="0"/>
+              <a:t>שהחלוקה ל</a:t>
+            </a:r>
+            <a:r>
+              <a:rPr lang="en-US" dirty="0"/>
+              <a:t>pre-post</a:t>
+            </a:r>
+            <a:r>
+              <a:rPr lang="he-IL" dirty="0"/>
+              <a:t> משפטים תהיה לפי גם:</a:t>
+            </a:r>
+          </a:p>
+          <a:p>
+            <a:pPr lvl="2"/>
+            <a:r>
+              <a:rPr lang="he-IL" dirty="0"/>
+              <a:t>ודומיין – </a:t>
+            </a:r>
+            <a:r>
+              <a:rPr lang="en-US" dirty="0"/>
+              <a:t>randomization by thought domain</a:t>
+            </a:r>
+            <a:r>
+              <a:rPr lang="he-IL" dirty="0"/>
+              <a:t>.</a:t>
+            </a:r>
+          </a:p>
+          <a:p>
+            <a:pPr lvl="2"/>
+            <a:r>
+              <a:rPr lang="he-IL" dirty="0"/>
+              <a:t>עוצמה – לראות שזה לא מתנגש עם דומיין.</a:t>
+            </a:r>
+            <a:endParaRPr lang="en-US" dirty="0"/>
+          </a:p>
+          <a:p>
+            <a:r>
+              <a:rPr lang="he-IL" b="1" u="sng" dirty="0"/>
+              <a:t>פגישה עם ליעד – איזו מטלה מחליפה את </a:t>
+            </a:r>
+            <a:r>
+              <a:rPr lang="en-US" b="1" u="sng" dirty="0" err="1"/>
+              <a:t>dct</a:t>
+            </a:r>
+            <a:r>
+              <a:rPr lang="he-IL" b="1" u="sng" dirty="0"/>
+              <a:t> בזמן האימון</a:t>
+            </a:r>
           </a:p>
         </p:txBody>
       </p:sp>
     </p:spTree>
     <p:extLst>
       <p:ext uri="{BB962C8B-B14F-4D97-AF65-F5344CB8AC3E}">
-        <p14:creationId xmlns:p14="http://schemas.microsoft.com/office/powerpoint/2010/main" val="3888027364"/>
+        <p14:creationId xmlns:p14="http://schemas.microsoft.com/office/powerpoint/2010/main" val="122274122"/>
       </p:ext>
     </p:extLst>
   </p:cSld>
@@ -7692,245 +7762,6 @@
           <p:cNvPr id="2" name="כותרת 1">
             <a:extLst>
               <a:ext uri="{FF2B5EF4-FFF2-40B4-BE49-F238E27FC236}">
-                <a16:creationId xmlns:a16="http://schemas.microsoft.com/office/drawing/2014/main" id="{7BED6D64-8BA8-4E2F-B6A4-A8C118761E9A}"/>
-              </a:ext>
-            </a:extLst>
-          </p:cNvPr>
-          <p:cNvSpPr>
-            <a:spLocks noGrp="1"/>
-          </p:cNvSpPr>
-          <p:nvPr>
-            <p:ph type="title"/>
-          </p:nvPr>
-        </p:nvSpPr>
-        <p:spPr/>
-        <p:txBody>
-          <a:bodyPr/>
-          <a:lstStyle/>
-          <a:p>
-            <a:endParaRPr lang="he-IL"/>
-          </a:p>
-        </p:txBody>
-      </p:sp>
-      <p:sp>
-        <p:nvSpPr>
-          <p:cNvPr id="3" name="מציין מיקום תוכן 2">
-            <a:extLst>
-              <a:ext uri="{FF2B5EF4-FFF2-40B4-BE49-F238E27FC236}">
-                <a16:creationId xmlns:a16="http://schemas.microsoft.com/office/drawing/2014/main" id="{064BDEB7-DFBA-4CFB-9AE2-D44FE6ADE814}"/>
-              </a:ext>
-            </a:extLst>
-          </p:cNvPr>
-          <p:cNvSpPr>
-            <a:spLocks noGrp="1"/>
-          </p:cNvSpPr>
-          <p:nvPr>
-            <p:ph idx="1"/>
-          </p:nvPr>
-        </p:nvSpPr>
-        <p:spPr/>
-        <p:txBody>
-          <a:bodyPr>
-            <a:normAutofit fontScale="77500" lnSpcReduction="20000"/>
-          </a:bodyPr>
-          <a:lstStyle/>
-          <a:p>
-            <a:r>
-              <a:rPr lang="he-IL" dirty="0"/>
-              <a:t>איזו מטלה מתאמנים עליה – הפחתת אינטראקציית נבדק-מטלה</a:t>
-            </a:r>
-          </a:p>
-          <a:p>
-            <a:pPr lvl="1"/>
-            <a:r>
-              <a:rPr lang="he-IL" dirty="0"/>
-              <a:t>מה עושים ל</a:t>
-            </a:r>
-            <a:r>
-              <a:rPr lang="en-US" dirty="0"/>
-              <a:t>design</a:t>
-            </a:r>
-            <a:r>
-              <a:rPr lang="he-IL" dirty="0"/>
-              <a:t>:</a:t>
-            </a:r>
-          </a:p>
-          <a:p>
-            <a:pPr lvl="2"/>
-            <a:r>
-              <a:rPr lang="he-IL" dirty="0"/>
-              <a:t>שינוי המטלה עליה מתאמנים</a:t>
-            </a:r>
-          </a:p>
-          <a:p>
-            <a:pPr lvl="3"/>
-            <a:r>
-              <a:rPr lang="he-IL" dirty="0"/>
-              <a:t>מוטורי</a:t>
-            </a:r>
-          </a:p>
-          <a:p>
-            <a:pPr lvl="3"/>
-            <a:r>
-              <a:rPr lang="he-IL" dirty="0"/>
-              <a:t>הגירוי שעליו עושים קטגוריזציה</a:t>
-            </a:r>
-          </a:p>
-          <a:p>
-            <a:pPr lvl="2"/>
-            <a:r>
-              <a:rPr lang="he-IL" dirty="0"/>
-              <a:t>להשתמש ב-</a:t>
-            </a:r>
-            <a:r>
-              <a:rPr lang="en-US" dirty="0" err="1"/>
-              <a:t>oneback</a:t>
-            </a:r>
-            <a:endParaRPr lang="he-IL" dirty="0"/>
-          </a:p>
-          <a:p>
-            <a:pPr lvl="2"/>
-            <a:r>
-              <a:rPr lang="he-IL" dirty="0"/>
-              <a:t>שינוי של להשתמש במטלה אחרת לגמרי- </a:t>
-            </a:r>
-            <a:r>
-              <a:rPr lang="en-US" dirty="0"/>
-              <a:t>go-</a:t>
-            </a:r>
-            <a:r>
-              <a:rPr lang="en-US" dirty="0" err="1"/>
-              <a:t>nogo</a:t>
-            </a:r>
-            <a:r>
-              <a:rPr lang="he-IL" dirty="0"/>
-              <a:t>.</a:t>
-            </a:r>
-          </a:p>
-          <a:p>
-            <a:pPr lvl="2"/>
-            <a:r>
-              <a:rPr lang="he-IL" dirty="0"/>
-              <a:t>אפשרות של שינוי – הגירוי</a:t>
-            </a:r>
-          </a:p>
-          <a:p>
-            <a:pPr lvl="3"/>
-            <a:r>
-              <a:rPr lang="he-IL" dirty="0"/>
-              <a:t>שינוי המטלה</a:t>
-            </a:r>
-          </a:p>
-          <a:p>
-            <a:pPr lvl="3"/>
-            <a:r>
-              <a:rPr lang="he-IL" dirty="0"/>
-              <a:t>שינוי מוטורי</a:t>
-            </a:r>
-            <a:endParaRPr lang="en-US" dirty="0"/>
-          </a:p>
-          <a:p>
-            <a:endParaRPr lang="en-US" dirty="0"/>
-          </a:p>
-          <a:p>
-            <a:r>
-              <a:rPr lang="he-IL" dirty="0" err="1"/>
-              <a:t>רנדומיזציה</a:t>
-            </a:r>
-            <a:r>
-              <a:rPr lang="he-IL" dirty="0"/>
-              <a:t>	</a:t>
-            </a:r>
-          </a:p>
-          <a:p>
-            <a:pPr lvl="1"/>
-            <a:r>
-              <a:rPr lang="he-IL" dirty="0"/>
-              <a:t>שהחלוקה ל</a:t>
-            </a:r>
-            <a:r>
-              <a:rPr lang="en-US" dirty="0"/>
-              <a:t>pre-post</a:t>
-            </a:r>
-            <a:r>
-              <a:rPr lang="he-IL" dirty="0"/>
-              <a:t> משפטים תהיה לפי גם:</a:t>
-            </a:r>
-          </a:p>
-          <a:p>
-            <a:pPr lvl="2"/>
-            <a:r>
-              <a:rPr lang="he-IL" dirty="0"/>
-              <a:t>ודומיין – </a:t>
-            </a:r>
-            <a:r>
-              <a:rPr lang="en-US" dirty="0"/>
-              <a:t>randomization by thought domain</a:t>
-            </a:r>
-            <a:r>
-              <a:rPr lang="he-IL" dirty="0"/>
-              <a:t>.</a:t>
-            </a:r>
-          </a:p>
-          <a:p>
-            <a:pPr lvl="2"/>
-            <a:r>
-              <a:rPr lang="he-IL" dirty="0"/>
-              <a:t>עוצמה – לראות שזה לא מתנגש עם דומיין.</a:t>
-            </a:r>
-            <a:endParaRPr lang="en-US" dirty="0"/>
-          </a:p>
-          <a:p>
-            <a:r>
-              <a:rPr lang="he-IL" b="1" u="sng" dirty="0"/>
-              <a:t>פגישה עם ליעד – איזו מטלה מחליפה את </a:t>
-            </a:r>
-            <a:r>
-              <a:rPr lang="en-US" b="1" u="sng" dirty="0" err="1"/>
-              <a:t>dct</a:t>
-            </a:r>
-            <a:r>
-              <a:rPr lang="he-IL" b="1" u="sng" dirty="0"/>
-              <a:t> בזמן האימון</a:t>
-            </a:r>
-          </a:p>
-        </p:txBody>
-      </p:sp>
-    </p:spTree>
-    <p:extLst>
-      <p:ext uri="{BB962C8B-B14F-4D97-AF65-F5344CB8AC3E}">
-        <p14:creationId xmlns:p14="http://schemas.microsoft.com/office/powerpoint/2010/main" val="122274122"/>
-      </p:ext>
-    </p:extLst>
-  </p:cSld>
-  <p:clrMapOvr>
-    <a:masterClrMapping/>
-  </p:clrMapOvr>
-</p:sld>
-</file>
-
-<file path=ppt/slides/slide8.xml><?xml version="1.0" encoding="utf-8"?>
-<p:sld xmlns:a="http://schemas.openxmlformats.org/drawingml/2006/main" xmlns:r="http://schemas.openxmlformats.org/officeDocument/2006/relationships" xmlns:p="http://schemas.openxmlformats.org/presentationml/2006/main">
-  <p:cSld>
-    <p:spTree>
-      <p:nvGrpSpPr>
-        <p:cNvPr id="1" name=""/>
-        <p:cNvGrpSpPr/>
-        <p:nvPr/>
-      </p:nvGrpSpPr>
-      <p:grpSpPr>
-        <a:xfrm>
-          <a:off x="0" y="0"/>
-          <a:ext cx="0" cy="0"/>
-          <a:chOff x="0" y="0"/>
-          <a:chExt cx="0" cy="0"/>
-        </a:xfrm>
-      </p:grpSpPr>
-      <p:sp>
-        <p:nvSpPr>
-          <p:cNvPr id="2" name="כותרת 1">
-            <a:extLst>
-              <a:ext uri="{FF2B5EF4-FFF2-40B4-BE49-F238E27FC236}">
                 <a16:creationId xmlns:a16="http://schemas.microsoft.com/office/drawing/2014/main" id="{E72356D8-3290-45E1-B5D8-84C84CBB428C}"/>
               </a:ext>
             </a:extLst>
@@ -8230,7 +8061,7 @@
 </p:sld>
 </file>
 
-<file path=ppt/slides/slide9.xml><?xml version="1.0" encoding="utf-8"?>
+<file path=ppt/slides/slide8.xml><?xml version="1.0" encoding="utf-8"?>
 <p:sld xmlns:a="http://schemas.openxmlformats.org/drawingml/2006/main" xmlns:r="http://schemas.openxmlformats.org/officeDocument/2006/relationships" xmlns:p="http://schemas.openxmlformats.org/presentationml/2006/main">
   <p:cSld>
     <p:spTree>

--- a/project/Design.pptx
+++ b/project/Design.pptx
@@ -250,7 +250,7 @@
           <a:p>
             <a:fld id="{77257F9A-95E0-45A8-A66F-07C2ED2FD12A}" type="datetimeFigureOut">
               <a:rPr lang="he-IL" smtClean="0"/>
-              <a:t>כ"ח/כסלו/תש"פ</a:t>
+              <a:t>א'/טבת/תש"פ</a:t>
             </a:fld>
             <a:endParaRPr lang="he-IL"/>
           </a:p>
@@ -420,7 +420,7 @@
           <a:p>
             <a:fld id="{77257F9A-95E0-45A8-A66F-07C2ED2FD12A}" type="datetimeFigureOut">
               <a:rPr lang="he-IL" smtClean="0"/>
-              <a:t>כ"ח/כסלו/תש"פ</a:t>
+              <a:t>א'/טבת/תש"פ</a:t>
             </a:fld>
             <a:endParaRPr lang="he-IL"/>
           </a:p>
@@ -600,7 +600,7 @@
           <a:p>
             <a:fld id="{77257F9A-95E0-45A8-A66F-07C2ED2FD12A}" type="datetimeFigureOut">
               <a:rPr lang="he-IL" smtClean="0"/>
-              <a:t>כ"ח/כסלו/תש"פ</a:t>
+              <a:t>א'/טבת/תש"פ</a:t>
             </a:fld>
             <a:endParaRPr lang="he-IL"/>
           </a:p>
@@ -770,7 +770,7 @@
           <a:p>
             <a:fld id="{77257F9A-95E0-45A8-A66F-07C2ED2FD12A}" type="datetimeFigureOut">
               <a:rPr lang="he-IL" smtClean="0"/>
-              <a:t>כ"ח/כסלו/תש"פ</a:t>
+              <a:t>א'/טבת/תש"פ</a:t>
             </a:fld>
             <a:endParaRPr lang="he-IL"/>
           </a:p>
@@ -1016,7 +1016,7 @@
           <a:p>
             <a:fld id="{77257F9A-95E0-45A8-A66F-07C2ED2FD12A}" type="datetimeFigureOut">
               <a:rPr lang="he-IL" smtClean="0"/>
-              <a:t>כ"ח/כסלו/תש"פ</a:t>
+              <a:t>א'/טבת/תש"פ</a:t>
             </a:fld>
             <a:endParaRPr lang="he-IL"/>
           </a:p>
@@ -1248,7 +1248,7 @@
           <a:p>
             <a:fld id="{77257F9A-95E0-45A8-A66F-07C2ED2FD12A}" type="datetimeFigureOut">
               <a:rPr lang="he-IL" smtClean="0"/>
-              <a:t>כ"ח/כסלו/תש"פ</a:t>
+              <a:t>א'/טבת/תש"פ</a:t>
             </a:fld>
             <a:endParaRPr lang="he-IL"/>
           </a:p>
@@ -1615,7 +1615,7 @@
           <a:p>
             <a:fld id="{77257F9A-95E0-45A8-A66F-07C2ED2FD12A}" type="datetimeFigureOut">
               <a:rPr lang="he-IL" smtClean="0"/>
-              <a:t>כ"ח/כסלו/תש"פ</a:t>
+              <a:t>א'/טבת/תש"פ</a:t>
             </a:fld>
             <a:endParaRPr lang="he-IL"/>
           </a:p>
@@ -1733,7 +1733,7 @@
           <a:p>
             <a:fld id="{77257F9A-95E0-45A8-A66F-07C2ED2FD12A}" type="datetimeFigureOut">
               <a:rPr lang="he-IL" smtClean="0"/>
-              <a:t>כ"ח/כסלו/תש"פ</a:t>
+              <a:t>א'/טבת/תש"פ</a:t>
             </a:fld>
             <a:endParaRPr lang="he-IL"/>
           </a:p>
@@ -1828,7 +1828,7 @@
           <a:p>
             <a:fld id="{77257F9A-95E0-45A8-A66F-07C2ED2FD12A}" type="datetimeFigureOut">
               <a:rPr lang="he-IL" smtClean="0"/>
-              <a:t>כ"ח/כסלו/תש"פ</a:t>
+              <a:t>א'/טבת/תש"פ</a:t>
             </a:fld>
             <a:endParaRPr lang="he-IL"/>
           </a:p>
@@ -2105,7 +2105,7 @@
           <a:p>
             <a:fld id="{77257F9A-95E0-45A8-A66F-07C2ED2FD12A}" type="datetimeFigureOut">
               <a:rPr lang="he-IL" smtClean="0"/>
-              <a:t>כ"ח/כסלו/תש"פ</a:t>
+              <a:t>א'/טבת/תש"פ</a:t>
             </a:fld>
             <a:endParaRPr lang="he-IL"/>
           </a:p>
@@ -2362,7 +2362,7 @@
           <a:p>
             <a:fld id="{77257F9A-95E0-45A8-A66F-07C2ED2FD12A}" type="datetimeFigureOut">
               <a:rPr lang="he-IL" smtClean="0"/>
-              <a:t>כ"ח/כסלו/תש"פ</a:t>
+              <a:t>א'/טבת/תש"פ</a:t>
             </a:fld>
             <a:endParaRPr lang="he-IL"/>
           </a:p>
@@ -2575,7 +2575,7 @@
           <a:p>
             <a:fld id="{77257F9A-95E0-45A8-A66F-07C2ED2FD12A}" type="datetimeFigureOut">
               <a:rPr lang="he-IL" smtClean="0"/>
-              <a:t>כ"ח/כסלו/תש"פ</a:t>
+              <a:t>א'/טבת/תש"פ</a:t>
             </a:fld>
             <a:endParaRPr lang="he-IL"/>
           </a:p>
@@ -7137,13 +7137,7 @@
               <a:rPr lang="en-GB" dirty="0" smtClean="0">
                 <a:sym typeface="Wingdings" panose="05000000000000000000" pitchFamily="2" charset="2"/>
               </a:rPr>
-              <a:t>decision is still needed bu</a:t>
-            </a:r>
-            <a:r>
-              <a:rPr lang="en-GB" dirty="0" smtClean="0">
-                <a:sym typeface="Wingdings" panose="05000000000000000000" pitchFamily="2" charset="2"/>
-              </a:rPr>
-              <a:t>t implementation is automatic</a:t>
+              <a:t>decision is still needed but implementation is automatic</a:t>
             </a:r>
             <a:endParaRPr lang="en-GB" strike="sngStrike" dirty="0"/>
           </a:p>
@@ -7905,21 +7899,81 @@
             <a:pPr lvl="1" algn="l" rtl="0"/>
             <a:r>
               <a:rPr lang="en-US" b="1" dirty="0"/>
-              <a:t>Following each feedback a random number of 1 or 2 neutral executive trials</a:t>
-            </a:r>
+              <a:t>Following each feedback a random number of 1 or 2 neutral executive </a:t>
+            </a:r>
+            <a:r>
+              <a:rPr lang="en-US" b="1" dirty="0" smtClean="0"/>
+              <a:t>trials </a:t>
+            </a:r>
+            <a:r>
+              <a:rPr lang="en-US" b="1" dirty="0" smtClean="0">
+                <a:solidFill>
+                  <a:srgbClr val="FF0000"/>
+                </a:solidFill>
+              </a:rPr>
+              <a:t>--- I Don’t get it how many neutral trials and how many negatives? Now if u ask 160 u </a:t>
+            </a:r>
+            <a:r>
+              <a:rPr lang="en-US" b="1" smtClean="0">
+                <a:solidFill>
+                  <a:srgbClr val="FF0000"/>
+                </a:solidFill>
+              </a:rPr>
+              <a:t>get 208 </a:t>
+            </a:r>
+            <a:r>
+              <a:rPr lang="en-US" b="1" dirty="0" smtClean="0">
+                <a:solidFill>
+                  <a:srgbClr val="FF0000"/>
+                </a:solidFill>
+                <a:sym typeface="Wingdings" panose="05000000000000000000" pitchFamily="2" charset="2"/>
+              </a:rPr>
+              <a:t> </a:t>
+            </a:r>
+            <a:r>
+              <a:rPr lang="en-US" b="1" dirty="0" err="1" smtClean="0">
+                <a:solidFill>
+                  <a:srgbClr val="FF0000"/>
+                </a:solidFill>
+                <a:sym typeface="Wingdings" panose="05000000000000000000" pitchFamily="2" charset="2"/>
+              </a:rPr>
+              <a:t>neutrasl</a:t>
+            </a:r>
+            <a:r>
+              <a:rPr lang="en-US" b="1" dirty="0" smtClean="0">
+                <a:solidFill>
+                  <a:srgbClr val="FF0000"/>
+                </a:solidFill>
+                <a:sym typeface="Wingdings" panose="05000000000000000000" pitchFamily="2" charset="2"/>
+              </a:rPr>
+              <a:t>*1.5 +8</a:t>
+            </a:r>
+            <a:endParaRPr lang="en-US" b="1" dirty="0">
+              <a:solidFill>
+                <a:srgbClr val="FF0000"/>
+              </a:solidFill>
+            </a:endParaRPr>
           </a:p>
           <a:p>
             <a:pPr lvl="1" algn="l" rtl="0"/>
             <a:r>
-              <a:rPr lang="en-US" b="1" dirty="0"/>
-              <a:t>Bias is calculated out of a maximum of 3 STDs</a:t>
+              <a:rPr lang="en-US" b="1" strike="sngStrike" dirty="0"/>
+              <a:t>Bias is calculated out of a maximum of 3 </a:t>
+            </a:r>
+            <a:r>
+              <a:rPr lang="en-US" b="1" strike="sngStrike" dirty="0" smtClean="0"/>
+              <a:t>STDs</a:t>
             </a:r>
           </a:p>
           <a:p>
             <a:pPr lvl="1" algn="l" rtl="0"/>
             <a:r>
-              <a:rPr lang="en-US" b="1" dirty="0"/>
-              <a:t>Facilitation counts as no bias</a:t>
+              <a:rPr lang="en-US" b="1" strike="sngStrike" dirty="0" smtClean="0"/>
+              <a:t>Facilitation </a:t>
+            </a:r>
+            <a:r>
+              <a:rPr lang="en-US" b="1" strike="sngStrike" dirty="0"/>
+              <a:t>counts as no bias</a:t>
             </a:r>
           </a:p>
           <a:p>

--- a/project/Design.pptx
+++ b/project/Design.pptx
@@ -4,15 +4,19 @@
   <p:sldMasterIdLst>
     <p:sldMasterId id="2147483684" r:id="rId1"/>
   </p:sldMasterIdLst>
+  <p:notesMasterIdLst>
+    <p:notesMasterId r:id="rId11"/>
+  </p:notesMasterIdLst>
   <p:sldIdLst>
     <p:sldId id="256" r:id="rId2"/>
     <p:sldId id="261" r:id="rId3"/>
     <p:sldId id="258" r:id="rId4"/>
     <p:sldId id="264" r:id="rId5"/>
-    <p:sldId id="268" r:id="rId6"/>
-    <p:sldId id="265" r:id="rId7"/>
-    <p:sldId id="266" r:id="rId8"/>
-    <p:sldId id="267" r:id="rId9"/>
+    <p:sldId id="269" r:id="rId6"/>
+    <p:sldId id="268" r:id="rId7"/>
+    <p:sldId id="265" r:id="rId8"/>
+    <p:sldId id="266" r:id="rId9"/>
+    <p:sldId id="267" r:id="rId10"/>
   </p:sldIdLst>
   <p:sldSz cx="32032575" cy="18018125"/>
   <p:notesSz cx="6858000" cy="9144000"/>
@@ -119,6 +123,461 @@
 </p:presentation>
 </file>
 
+<file path=ppt/notesMasters/notesMaster1.xml><?xml version="1.0" encoding="utf-8"?>
+<p:notesMaster xmlns:a="http://schemas.openxmlformats.org/drawingml/2006/main" xmlns:r="http://schemas.openxmlformats.org/officeDocument/2006/relationships" xmlns:p="http://schemas.openxmlformats.org/presentationml/2006/main">
+  <p:cSld>
+    <p:bg>
+      <p:bgRef idx="1001">
+        <a:schemeClr val="bg1"/>
+      </p:bgRef>
+    </p:bg>
+    <p:spTree>
+      <p:nvGrpSpPr>
+        <p:cNvPr id="1" name=""/>
+        <p:cNvGrpSpPr/>
+        <p:nvPr/>
+      </p:nvGrpSpPr>
+      <p:grpSpPr>
+        <a:xfrm>
+          <a:off x="0" y="0"/>
+          <a:ext cx="0" cy="0"/>
+          <a:chOff x="0" y="0"/>
+          <a:chExt cx="0" cy="0"/>
+        </a:xfrm>
+      </p:grpSpPr>
+      <p:sp>
+        <p:nvSpPr>
+          <p:cNvPr id="2" name="Header Placeholder 1"/>
+          <p:cNvSpPr>
+            <a:spLocks noGrp="1"/>
+          </p:cNvSpPr>
+          <p:nvPr>
+            <p:ph type="hdr" sz="quarter"/>
+          </p:nvPr>
+        </p:nvSpPr>
+        <p:spPr>
+          <a:xfrm>
+            <a:off x="0" y="0"/>
+            <a:ext cx="2971800" cy="458788"/>
+          </a:xfrm>
+          <a:prstGeom prst="rect">
+            <a:avLst/>
+          </a:prstGeom>
+        </p:spPr>
+        <p:txBody>
+          <a:bodyPr vert="horz" lIns="91440" tIns="45720" rIns="91440" bIns="45720" rtlCol="0"/>
+          <a:lstStyle>
+            <a:lvl1pPr algn="l">
+              <a:defRPr sz="1200"/>
+            </a:lvl1pPr>
+          </a:lstStyle>
+          <a:p>
+            <a:endParaRPr lang="LID4096"/>
+          </a:p>
+        </p:txBody>
+      </p:sp>
+      <p:sp>
+        <p:nvSpPr>
+          <p:cNvPr id="3" name="Date Placeholder 2"/>
+          <p:cNvSpPr>
+            <a:spLocks noGrp="1"/>
+          </p:cNvSpPr>
+          <p:nvPr>
+            <p:ph type="dt" idx="1"/>
+          </p:nvPr>
+        </p:nvSpPr>
+        <p:spPr>
+          <a:xfrm>
+            <a:off x="3884613" y="0"/>
+            <a:ext cx="2971800" cy="458788"/>
+          </a:xfrm>
+          <a:prstGeom prst="rect">
+            <a:avLst/>
+          </a:prstGeom>
+        </p:spPr>
+        <p:txBody>
+          <a:bodyPr vert="horz" lIns="91440" tIns="45720" rIns="91440" bIns="45720" rtlCol="0"/>
+          <a:lstStyle>
+            <a:lvl1pPr algn="r">
+              <a:defRPr sz="1200"/>
+            </a:lvl1pPr>
+          </a:lstStyle>
+          <a:p>
+            <a:fld id="{E04E5C99-8ED6-4B4B-9559-9E93F6E86A3C}" type="datetimeFigureOut">
+              <a:rPr lang="LID4096" smtClean="0"/>
+              <a:t>05/31/2020</a:t>
+            </a:fld>
+            <a:endParaRPr lang="LID4096"/>
+          </a:p>
+        </p:txBody>
+      </p:sp>
+      <p:sp>
+        <p:nvSpPr>
+          <p:cNvPr id="4" name="Slide Image Placeholder 3"/>
+          <p:cNvSpPr>
+            <a:spLocks noGrp="1" noRot="1" noChangeAspect="1"/>
+          </p:cNvSpPr>
+          <p:nvPr>
+            <p:ph type="sldImg" idx="2"/>
+          </p:nvPr>
+        </p:nvSpPr>
+        <p:spPr>
+          <a:xfrm>
+            <a:off x="685800" y="1143000"/>
+            <a:ext cx="5486400" cy="3086100"/>
+          </a:xfrm>
+          <a:prstGeom prst="rect">
+            <a:avLst/>
+          </a:prstGeom>
+          <a:noFill/>
+          <a:ln w="12700">
+            <a:solidFill>
+              <a:prstClr val="black"/>
+            </a:solidFill>
+          </a:ln>
+        </p:spPr>
+        <p:txBody>
+          <a:bodyPr vert="horz" lIns="91440" tIns="45720" rIns="91440" bIns="45720" rtlCol="0" anchor="ctr"/>
+          <a:lstStyle/>
+          <a:p>
+            <a:endParaRPr lang="LID4096"/>
+          </a:p>
+        </p:txBody>
+      </p:sp>
+      <p:sp>
+        <p:nvSpPr>
+          <p:cNvPr id="5" name="Notes Placeholder 4"/>
+          <p:cNvSpPr>
+            <a:spLocks noGrp="1"/>
+          </p:cNvSpPr>
+          <p:nvPr>
+            <p:ph type="body" sz="quarter" idx="3"/>
+          </p:nvPr>
+        </p:nvSpPr>
+        <p:spPr>
+          <a:xfrm>
+            <a:off x="685800" y="4400550"/>
+            <a:ext cx="5486400" cy="3600450"/>
+          </a:xfrm>
+          <a:prstGeom prst="rect">
+            <a:avLst/>
+          </a:prstGeom>
+        </p:spPr>
+        <p:txBody>
+          <a:bodyPr vert="horz" lIns="91440" tIns="45720" rIns="91440" bIns="45720" rtlCol="0"/>
+          <a:lstStyle/>
+          <a:p>
+            <a:pPr lvl="0"/>
+            <a:r>
+              <a:rPr lang="en-US"/>
+              <a:t>Click to edit Master text styles</a:t>
+            </a:r>
+          </a:p>
+          <a:p>
+            <a:pPr lvl="1"/>
+            <a:r>
+              <a:rPr lang="en-US"/>
+              <a:t>Second level</a:t>
+            </a:r>
+          </a:p>
+          <a:p>
+            <a:pPr lvl="2"/>
+            <a:r>
+              <a:rPr lang="en-US"/>
+              <a:t>Third level</a:t>
+            </a:r>
+          </a:p>
+          <a:p>
+            <a:pPr lvl="3"/>
+            <a:r>
+              <a:rPr lang="en-US"/>
+              <a:t>Fourth level</a:t>
+            </a:r>
+          </a:p>
+          <a:p>
+            <a:pPr lvl="4"/>
+            <a:r>
+              <a:rPr lang="en-US"/>
+              <a:t>Fifth level</a:t>
+            </a:r>
+            <a:endParaRPr lang="LID4096"/>
+          </a:p>
+        </p:txBody>
+      </p:sp>
+      <p:sp>
+        <p:nvSpPr>
+          <p:cNvPr id="6" name="Footer Placeholder 5"/>
+          <p:cNvSpPr>
+            <a:spLocks noGrp="1"/>
+          </p:cNvSpPr>
+          <p:nvPr>
+            <p:ph type="ftr" sz="quarter" idx="4"/>
+          </p:nvPr>
+        </p:nvSpPr>
+        <p:spPr>
+          <a:xfrm>
+            <a:off x="0" y="8685213"/>
+            <a:ext cx="2971800" cy="458787"/>
+          </a:xfrm>
+          <a:prstGeom prst="rect">
+            <a:avLst/>
+          </a:prstGeom>
+        </p:spPr>
+        <p:txBody>
+          <a:bodyPr vert="horz" lIns="91440" tIns="45720" rIns="91440" bIns="45720" rtlCol="0" anchor="b"/>
+          <a:lstStyle>
+            <a:lvl1pPr algn="l">
+              <a:defRPr sz="1200"/>
+            </a:lvl1pPr>
+          </a:lstStyle>
+          <a:p>
+            <a:endParaRPr lang="LID4096"/>
+          </a:p>
+        </p:txBody>
+      </p:sp>
+      <p:sp>
+        <p:nvSpPr>
+          <p:cNvPr id="7" name="Slide Number Placeholder 6"/>
+          <p:cNvSpPr>
+            <a:spLocks noGrp="1"/>
+          </p:cNvSpPr>
+          <p:nvPr>
+            <p:ph type="sldNum" sz="quarter" idx="5"/>
+          </p:nvPr>
+        </p:nvSpPr>
+        <p:spPr>
+          <a:xfrm>
+            <a:off x="3884613" y="8685213"/>
+            <a:ext cx="2971800" cy="458787"/>
+          </a:xfrm>
+          <a:prstGeom prst="rect">
+            <a:avLst/>
+          </a:prstGeom>
+        </p:spPr>
+        <p:txBody>
+          <a:bodyPr vert="horz" lIns="91440" tIns="45720" rIns="91440" bIns="45720" rtlCol="0" anchor="b"/>
+          <a:lstStyle>
+            <a:lvl1pPr algn="r">
+              <a:defRPr sz="1200"/>
+            </a:lvl1pPr>
+          </a:lstStyle>
+          <a:p>
+            <a:fld id="{0572427E-2A1C-411D-9284-D1C05777BD39}" type="slidenum">
+              <a:rPr lang="LID4096" smtClean="0"/>
+              <a:t>‹#›</a:t>
+            </a:fld>
+            <a:endParaRPr lang="LID4096"/>
+          </a:p>
+        </p:txBody>
+      </p:sp>
+    </p:spTree>
+    <p:extLst>
+      <p:ext uri="{BB962C8B-B14F-4D97-AF65-F5344CB8AC3E}">
+        <p14:creationId xmlns:p14="http://schemas.microsoft.com/office/powerpoint/2010/main" val="2466506161"/>
+      </p:ext>
+    </p:extLst>
+  </p:cSld>
+  <p:clrMap bg1="lt1" tx1="dk1" bg2="lt2" tx2="dk2" accent1="accent1" accent2="accent2" accent3="accent3" accent4="accent4" accent5="accent5" accent6="accent6" hlink="hlink" folHlink="folHlink"/>
+  <p:notesStyle>
+    <a:lvl1pPr marL="0" algn="l" defTabSz="914400" rtl="0" eaLnBrk="1" latinLnBrk="0" hangingPunct="1">
+      <a:defRPr sz="1200" kern="1200">
+        <a:solidFill>
+          <a:schemeClr val="tx1"/>
+        </a:solidFill>
+        <a:latin typeface="+mn-lt"/>
+        <a:ea typeface="+mn-ea"/>
+        <a:cs typeface="+mn-cs"/>
+      </a:defRPr>
+    </a:lvl1pPr>
+    <a:lvl2pPr marL="457200" algn="l" defTabSz="914400" rtl="0" eaLnBrk="1" latinLnBrk="0" hangingPunct="1">
+      <a:defRPr sz="1200" kern="1200">
+        <a:solidFill>
+          <a:schemeClr val="tx1"/>
+        </a:solidFill>
+        <a:latin typeface="+mn-lt"/>
+        <a:ea typeface="+mn-ea"/>
+        <a:cs typeface="+mn-cs"/>
+      </a:defRPr>
+    </a:lvl2pPr>
+    <a:lvl3pPr marL="914400" algn="l" defTabSz="914400" rtl="0" eaLnBrk="1" latinLnBrk="0" hangingPunct="1">
+      <a:defRPr sz="1200" kern="1200">
+        <a:solidFill>
+          <a:schemeClr val="tx1"/>
+        </a:solidFill>
+        <a:latin typeface="+mn-lt"/>
+        <a:ea typeface="+mn-ea"/>
+        <a:cs typeface="+mn-cs"/>
+      </a:defRPr>
+    </a:lvl3pPr>
+    <a:lvl4pPr marL="1371600" algn="l" defTabSz="914400" rtl="0" eaLnBrk="1" latinLnBrk="0" hangingPunct="1">
+      <a:defRPr sz="1200" kern="1200">
+        <a:solidFill>
+          <a:schemeClr val="tx1"/>
+        </a:solidFill>
+        <a:latin typeface="+mn-lt"/>
+        <a:ea typeface="+mn-ea"/>
+        <a:cs typeface="+mn-cs"/>
+      </a:defRPr>
+    </a:lvl4pPr>
+    <a:lvl5pPr marL="1828800" algn="l" defTabSz="914400" rtl="0" eaLnBrk="1" latinLnBrk="0" hangingPunct="1">
+      <a:defRPr sz="1200" kern="1200">
+        <a:solidFill>
+          <a:schemeClr val="tx1"/>
+        </a:solidFill>
+        <a:latin typeface="+mn-lt"/>
+        <a:ea typeface="+mn-ea"/>
+        <a:cs typeface="+mn-cs"/>
+      </a:defRPr>
+    </a:lvl5pPr>
+    <a:lvl6pPr marL="2286000" algn="l" defTabSz="914400" rtl="0" eaLnBrk="1" latinLnBrk="0" hangingPunct="1">
+      <a:defRPr sz="1200" kern="1200">
+        <a:solidFill>
+          <a:schemeClr val="tx1"/>
+        </a:solidFill>
+        <a:latin typeface="+mn-lt"/>
+        <a:ea typeface="+mn-ea"/>
+        <a:cs typeface="+mn-cs"/>
+      </a:defRPr>
+    </a:lvl6pPr>
+    <a:lvl7pPr marL="2743200" algn="l" defTabSz="914400" rtl="0" eaLnBrk="1" latinLnBrk="0" hangingPunct="1">
+      <a:defRPr sz="1200" kern="1200">
+        <a:solidFill>
+          <a:schemeClr val="tx1"/>
+        </a:solidFill>
+        <a:latin typeface="+mn-lt"/>
+        <a:ea typeface="+mn-ea"/>
+        <a:cs typeface="+mn-cs"/>
+      </a:defRPr>
+    </a:lvl7pPr>
+    <a:lvl8pPr marL="3200400" algn="l" defTabSz="914400" rtl="0" eaLnBrk="1" latinLnBrk="0" hangingPunct="1">
+      <a:defRPr sz="1200" kern="1200">
+        <a:solidFill>
+          <a:schemeClr val="tx1"/>
+        </a:solidFill>
+        <a:latin typeface="+mn-lt"/>
+        <a:ea typeface="+mn-ea"/>
+        <a:cs typeface="+mn-cs"/>
+      </a:defRPr>
+    </a:lvl8pPr>
+    <a:lvl9pPr marL="3657600" algn="l" defTabSz="914400" rtl="0" eaLnBrk="1" latinLnBrk="0" hangingPunct="1">
+      <a:defRPr sz="1200" kern="1200">
+        <a:solidFill>
+          <a:schemeClr val="tx1"/>
+        </a:solidFill>
+        <a:latin typeface="+mn-lt"/>
+        <a:ea typeface="+mn-ea"/>
+        <a:cs typeface="+mn-cs"/>
+      </a:defRPr>
+    </a:lvl9pPr>
+  </p:notesStyle>
+</p:notesMaster>
+</file>
+
+<file path=ppt/notesSlides/notesSlide1.xml><?xml version="1.0" encoding="utf-8"?>
+<p:notes xmlns:a="http://schemas.openxmlformats.org/drawingml/2006/main" xmlns:r="http://schemas.openxmlformats.org/officeDocument/2006/relationships" xmlns:p="http://schemas.openxmlformats.org/presentationml/2006/main">
+  <p:cSld>
+    <p:spTree>
+      <p:nvGrpSpPr>
+        <p:cNvPr id="1" name=""/>
+        <p:cNvGrpSpPr/>
+        <p:nvPr/>
+      </p:nvGrpSpPr>
+      <p:grpSpPr>
+        <a:xfrm>
+          <a:off x="0" y="0"/>
+          <a:ext cx="0" cy="0"/>
+          <a:chOff x="0" y="0"/>
+          <a:chExt cx="0" cy="0"/>
+        </a:xfrm>
+      </p:grpSpPr>
+      <p:sp>
+        <p:nvSpPr>
+          <p:cNvPr id="2" name="Slide Image Placeholder 1"/>
+          <p:cNvSpPr>
+            <a:spLocks noGrp="1" noRot="1" noChangeAspect="1"/>
+          </p:cNvSpPr>
+          <p:nvPr>
+            <p:ph type="sldImg"/>
+          </p:nvPr>
+        </p:nvSpPr>
+        <p:spPr/>
+      </p:sp>
+      <p:sp>
+        <p:nvSpPr>
+          <p:cNvPr id="3" name="Notes Placeholder 2"/>
+          <p:cNvSpPr>
+            <a:spLocks noGrp="1"/>
+          </p:cNvSpPr>
+          <p:nvPr>
+            <p:ph type="body" idx="1"/>
+          </p:nvPr>
+        </p:nvSpPr>
+        <p:spPr/>
+        <p:txBody>
+          <a:bodyPr/>
+          <a:lstStyle/>
+          <a:p>
+            <a:pPr algn="r" rtl="1"/>
+            <a:r>
+              <a:rPr lang="he-IL" dirty="0"/>
+              <a:t>הלוגיקה של30 במקום 20 ב-</a:t>
+            </a:r>
+            <a:r>
+              <a:rPr lang="en-US" dirty="0"/>
+              <a:t>MAB</a:t>
+            </a:r>
+            <a:r>
+              <a:rPr lang="he-IL" dirty="0"/>
+              <a:t> – זה בשביל לאפשר מספיר מקרים של </a:t>
+            </a:r>
+            <a:r>
+              <a:rPr lang="en-US" dirty="0"/>
+              <a:t>Signal</a:t>
+            </a:r>
+            <a:r>
+              <a:rPr lang="he-IL" dirty="0"/>
+              <a:t> שנוכל לאתר, ואם לא יהיו ב-20 לא יהיו ב-30, ואנחנו מצפים מראש שלא יהיה</a:t>
+            </a:r>
+            <a:endParaRPr lang="LID4096" dirty="0"/>
+          </a:p>
+        </p:txBody>
+      </p:sp>
+      <p:sp>
+        <p:nvSpPr>
+          <p:cNvPr id="4" name="Slide Number Placeholder 3"/>
+          <p:cNvSpPr>
+            <a:spLocks noGrp="1"/>
+          </p:cNvSpPr>
+          <p:nvPr>
+            <p:ph type="sldNum" sz="quarter" idx="5"/>
+          </p:nvPr>
+        </p:nvSpPr>
+        <p:spPr/>
+        <p:txBody>
+          <a:bodyPr/>
+          <a:lstStyle/>
+          <a:p>
+            <a:fld id="{0572427E-2A1C-411D-9284-D1C05777BD39}" type="slidenum">
+              <a:rPr lang="LID4096" smtClean="0"/>
+              <a:t>5</a:t>
+            </a:fld>
+            <a:endParaRPr lang="LID4096"/>
+          </a:p>
+        </p:txBody>
+      </p:sp>
+    </p:spTree>
+    <p:extLst>
+      <p:ext uri="{BB962C8B-B14F-4D97-AF65-F5344CB8AC3E}">
+        <p14:creationId xmlns:p14="http://schemas.microsoft.com/office/powerpoint/2010/main" val="2201592584"/>
+      </p:ext>
+    </p:extLst>
+  </p:cSld>
+  <p:clrMapOvr>
+    <a:masterClrMapping/>
+  </p:clrMapOvr>
+</p:notes>
+</file>
+
 <file path=ppt/slideLayouts/slideLayout1.xml><?xml version="1.0" encoding="utf-8"?>
 <p:sldLayout xmlns:a="http://schemas.openxmlformats.org/drawingml/2006/main" xmlns:r="http://schemas.openxmlformats.org/officeDocument/2006/relationships" xmlns:p="http://schemas.openxmlformats.org/presentationml/2006/main" type="title" preserve="1">
   <p:cSld name="שקופית כותרת">
@@ -250,7 +709,7 @@
           <a:p>
             <a:fld id="{77257F9A-95E0-45A8-A66F-07C2ED2FD12A}" type="datetimeFigureOut">
               <a:rPr lang="he-IL" smtClean="0"/>
-              <a:t>א'/טבת/תש"פ</a:t>
+              <a:t>ח'/סיון/תש"ף</a:t>
             </a:fld>
             <a:endParaRPr lang="he-IL"/>
           </a:p>
@@ -420,7 +879,7 @@
           <a:p>
             <a:fld id="{77257F9A-95E0-45A8-A66F-07C2ED2FD12A}" type="datetimeFigureOut">
               <a:rPr lang="he-IL" smtClean="0"/>
-              <a:t>א'/טבת/תש"פ</a:t>
+              <a:t>ח'/סיון/תש"ף</a:t>
             </a:fld>
             <a:endParaRPr lang="he-IL"/>
           </a:p>
@@ -600,7 +1059,7 @@
           <a:p>
             <a:fld id="{77257F9A-95E0-45A8-A66F-07C2ED2FD12A}" type="datetimeFigureOut">
               <a:rPr lang="he-IL" smtClean="0"/>
-              <a:t>א'/טבת/תש"פ</a:t>
+              <a:t>ח'/סיון/תש"ף</a:t>
             </a:fld>
             <a:endParaRPr lang="he-IL"/>
           </a:p>
@@ -770,7 +1229,7 @@
           <a:p>
             <a:fld id="{77257F9A-95E0-45A8-A66F-07C2ED2FD12A}" type="datetimeFigureOut">
               <a:rPr lang="he-IL" smtClean="0"/>
-              <a:t>א'/טבת/תש"פ</a:t>
+              <a:t>ח'/סיון/תש"ף</a:t>
             </a:fld>
             <a:endParaRPr lang="he-IL"/>
           </a:p>
@@ -1016,7 +1475,7 @@
           <a:p>
             <a:fld id="{77257F9A-95E0-45A8-A66F-07C2ED2FD12A}" type="datetimeFigureOut">
               <a:rPr lang="he-IL" smtClean="0"/>
-              <a:t>א'/טבת/תש"פ</a:t>
+              <a:t>ח'/סיון/תש"ף</a:t>
             </a:fld>
             <a:endParaRPr lang="he-IL"/>
           </a:p>
@@ -1248,7 +1707,7 @@
           <a:p>
             <a:fld id="{77257F9A-95E0-45A8-A66F-07C2ED2FD12A}" type="datetimeFigureOut">
               <a:rPr lang="he-IL" smtClean="0"/>
-              <a:t>א'/טבת/תש"פ</a:t>
+              <a:t>ח'/סיון/תש"ף</a:t>
             </a:fld>
             <a:endParaRPr lang="he-IL"/>
           </a:p>
@@ -1615,7 +2074,7 @@
           <a:p>
             <a:fld id="{77257F9A-95E0-45A8-A66F-07C2ED2FD12A}" type="datetimeFigureOut">
               <a:rPr lang="he-IL" smtClean="0"/>
-              <a:t>א'/טבת/תש"פ</a:t>
+              <a:t>ח'/סיון/תש"ף</a:t>
             </a:fld>
             <a:endParaRPr lang="he-IL"/>
           </a:p>
@@ -1733,7 +2192,7 @@
           <a:p>
             <a:fld id="{77257F9A-95E0-45A8-A66F-07C2ED2FD12A}" type="datetimeFigureOut">
               <a:rPr lang="he-IL" smtClean="0"/>
-              <a:t>א'/טבת/תש"פ</a:t>
+              <a:t>ח'/סיון/תש"ף</a:t>
             </a:fld>
             <a:endParaRPr lang="he-IL"/>
           </a:p>
@@ -1828,7 +2287,7 @@
           <a:p>
             <a:fld id="{77257F9A-95E0-45A8-A66F-07C2ED2FD12A}" type="datetimeFigureOut">
               <a:rPr lang="he-IL" smtClean="0"/>
-              <a:t>א'/טבת/תש"פ</a:t>
+              <a:t>ח'/סיון/תש"ף</a:t>
             </a:fld>
             <a:endParaRPr lang="he-IL"/>
           </a:p>
@@ -2105,7 +2564,7 @@
           <a:p>
             <a:fld id="{77257F9A-95E0-45A8-A66F-07C2ED2FD12A}" type="datetimeFigureOut">
               <a:rPr lang="he-IL" smtClean="0"/>
-              <a:t>א'/טבת/תש"פ</a:t>
+              <a:t>ח'/סיון/תש"ף</a:t>
             </a:fld>
             <a:endParaRPr lang="he-IL"/>
           </a:p>
@@ -2362,7 +2821,7 @@
           <a:p>
             <a:fld id="{77257F9A-95E0-45A8-A66F-07C2ED2FD12A}" type="datetimeFigureOut">
               <a:rPr lang="he-IL" smtClean="0"/>
-              <a:t>א'/טבת/תש"פ</a:t>
+              <a:t>ח'/סיון/תש"ף</a:t>
             </a:fld>
             <a:endParaRPr lang="he-IL"/>
           </a:p>
@@ -2575,7 +3034,7 @@
           <a:p>
             <a:fld id="{77257F9A-95E0-45A8-A66F-07C2ED2FD12A}" type="datetimeFigureOut">
               <a:rPr lang="he-IL" smtClean="0"/>
-              <a:t>א'/טבת/תש"פ</a:t>
+              <a:t>ח'/סיון/תש"ף</a:t>
             </a:fld>
             <a:endParaRPr lang="he-IL"/>
           </a:p>
@@ -3071,10 +3530,6 @@
               <a:rPr lang="en-US" b="1" u="sng" dirty="0"/>
               <a:t>Missions - Tomer</a:t>
             </a:r>
-            <a:r>
-              <a:rPr lang="en-US" u="sng" dirty="0"/>
-              <a:t/>
-            </a:r>
             <a:br>
               <a:rPr lang="en-US" u="sng" dirty="0"/>
             </a:br>
@@ -7029,463 +7484,3298 @@
       </p:grpSpPr>
       <p:sp>
         <p:nvSpPr>
-          <p:cNvPr id="2" name="Title 1">
+          <p:cNvPr id="4" name="Rectangle 3">
             <a:extLst>
               <a:ext uri="{FF2B5EF4-FFF2-40B4-BE49-F238E27FC236}">
-                <a16:creationId xmlns:a16="http://schemas.microsoft.com/office/drawing/2014/main" id="{D0F41334-1BD6-4312-A9EA-922DA2BF740D}"/>
+                <a16:creationId xmlns:a16="http://schemas.microsoft.com/office/drawing/2014/main" id="{4553675A-0D54-4E52-BE30-68ED19583385}"/>
               </a:ext>
             </a:extLst>
           </p:cNvPr>
-          <p:cNvSpPr>
-            <a:spLocks noGrp="1"/>
-          </p:cNvSpPr>
-          <p:nvPr>
-            <p:ph type="title"/>
-          </p:nvPr>
-        </p:nvSpPr>
-        <p:spPr/>
-        <p:txBody>
-          <a:bodyPr/>
+          <p:cNvSpPr/>
+          <p:nvPr/>
+        </p:nvSpPr>
+        <p:spPr>
+          <a:xfrm>
+            <a:off x="20960864" y="8758508"/>
+            <a:ext cx="4751426" cy="1689564"/>
+          </a:xfrm>
+          <a:prstGeom prst="rect">
+            <a:avLst/>
+          </a:prstGeom>
+        </p:spPr>
+        <p:style>
+          <a:lnRef idx="2">
+            <a:schemeClr val="accent5">
+              <a:shade val="50000"/>
+            </a:schemeClr>
+          </a:lnRef>
+          <a:fillRef idx="1">
+            <a:schemeClr val="accent5"/>
+          </a:fillRef>
+          <a:effectRef idx="0">
+            <a:schemeClr val="accent5"/>
+          </a:effectRef>
+          <a:fontRef idx="minor">
+            <a:schemeClr val="lt1"/>
+          </a:fontRef>
+        </p:style>
+        <p:txBody>
+          <a:bodyPr rot="0" spcFirstLastPara="0" vertOverflow="overflow" horzOverflow="overflow" vert="horz" wrap="square" lIns="91440" tIns="45720" rIns="91440" bIns="45720" numCol="1" spcCol="0" rtlCol="1" fromWordArt="0" anchor="ctr" anchorCtr="0" forceAA="0" compatLnSpc="1">
+            <a:prstTxWarp prst="textNoShape">
+              <a:avLst/>
+            </a:prstTxWarp>
+            <a:noAutofit/>
+            <a:scene3d>
+              <a:camera prst="orthographicFront"/>
+              <a:lightRig rig="soft" dir="t">
+                <a:rot lat="0" lon="0" rev="15600000"/>
+              </a:lightRig>
+            </a:scene3d>
+            <a:sp3d extrusionH="57150" prstMaterial="softEdge">
+              <a:bevelT w="25400" h="38100"/>
+            </a:sp3d>
+          </a:bodyPr>
           <a:lstStyle/>
           <a:p>
-            <a:r>
-              <a:rPr lang="en-GB" dirty="0"/>
-              <a:t>Progress plan</a:t>
-            </a:r>
-            <a:endParaRPr lang="en-IL" dirty="0"/>
-          </a:p>
-        </p:txBody>
-      </p:sp>
-      <p:sp>
-        <p:nvSpPr>
-          <p:cNvPr id="3" name="Content Placeholder 2">
+            <a:pPr algn="ctr"/>
+            <a:r>
+              <a:rPr lang="en-US" sz="4400" b="1" dirty="0">
+                <a:ln w="6600">
+                  <a:noFill/>
+                  <a:prstDash val="solid"/>
+                </a:ln>
+                <a:solidFill>
+                  <a:srgbClr val="FFFF00"/>
+                </a:solidFill>
+              </a:rPr>
+              <a:t>STP – MAB</a:t>
+            </a:r>
+          </a:p>
+        </p:txBody>
+      </p:sp>
+      <p:sp>
+        <p:nvSpPr>
+          <p:cNvPr id="5" name="Rectangle 4">
             <a:extLst>
               <a:ext uri="{FF2B5EF4-FFF2-40B4-BE49-F238E27FC236}">
-                <a16:creationId xmlns:a16="http://schemas.microsoft.com/office/drawing/2014/main" id="{6CB916DA-96AD-47BA-BFC3-A3D1DB8CFBF3}"/>
+                <a16:creationId xmlns:a16="http://schemas.microsoft.com/office/drawing/2014/main" id="{CF71B4CA-23F9-492C-A178-A54F92F40BD8}"/>
               </a:ext>
             </a:extLst>
           </p:cNvPr>
-          <p:cNvSpPr>
-            <a:spLocks noGrp="1"/>
-          </p:cNvSpPr>
-          <p:nvPr>
-            <p:ph idx="1"/>
-          </p:nvPr>
+          <p:cNvSpPr/>
+          <p:nvPr/>
         </p:nvSpPr>
         <p:spPr>
           <a:xfrm>
-            <a:off x="891540" y="3571425"/>
-            <a:ext cx="30769560" cy="14282235"/>
+            <a:off x="4981759" y="8965375"/>
+            <a:ext cx="4751426" cy="1689564"/>
           </a:xfrm>
+          <a:prstGeom prst="rect">
+            <a:avLst/>
+          </a:prstGeom>
+          <a:solidFill>
+            <a:schemeClr val="accent1">
+              <a:lumMod val="50000"/>
+            </a:schemeClr>
+          </a:solidFill>
         </p:spPr>
-        <p:txBody>
-          <a:bodyPr numCol="2">
-            <a:normAutofit fontScale="55000" lnSpcReduction="20000"/>
+        <p:style>
+          <a:lnRef idx="2">
+            <a:schemeClr val="accent5">
+              <a:shade val="50000"/>
+            </a:schemeClr>
+          </a:lnRef>
+          <a:fillRef idx="1">
+            <a:schemeClr val="accent5"/>
+          </a:fillRef>
+          <a:effectRef idx="0">
+            <a:schemeClr val="accent5"/>
+          </a:effectRef>
+          <a:fontRef idx="minor">
+            <a:schemeClr val="lt1"/>
+          </a:fontRef>
+        </p:style>
+        <p:txBody>
+          <a:bodyPr rot="0" spcFirstLastPara="0" vertOverflow="overflow" horzOverflow="overflow" vert="horz" wrap="square" lIns="91440" tIns="45720" rIns="91440" bIns="45720" numCol="1" spcCol="0" rtlCol="1" fromWordArt="0" anchor="ctr" anchorCtr="0" forceAA="0" compatLnSpc="1">
+            <a:prstTxWarp prst="textNoShape">
+              <a:avLst/>
+            </a:prstTxWarp>
+            <a:noAutofit/>
+            <a:scene3d>
+              <a:camera prst="orthographicFront"/>
+              <a:lightRig rig="soft" dir="t">
+                <a:rot lat="0" lon="0" rev="15600000"/>
+              </a:lightRig>
+            </a:scene3d>
+            <a:sp3d extrusionH="57150" prstMaterial="softEdge">
+              <a:bevelT w="25400" h="38100"/>
+            </a:sp3d>
           </a:bodyPr>
           <a:lstStyle/>
           <a:p>
-            <a:pPr algn="l" rtl="0">
-              <a:lnSpc>
-                <a:spcPct val="160000"/>
-              </a:lnSpc>
+            <a:pPr algn="ctr"/>
+            <a:r>
+              <a:rPr lang="en-US" sz="4400" b="1" dirty="0">
+                <a:ln w="6600">
+                  <a:noFill/>
+                  <a:prstDash val="solid"/>
+                </a:ln>
+                <a:solidFill>
+                  <a:srgbClr val="FFFF00"/>
+                </a:solidFill>
+              </a:rPr>
+              <a:t>STP - DCT</a:t>
+            </a:r>
+          </a:p>
+          <a:p>
+            <a:pPr algn="ctr"/>
+            <a:r>
+              <a:rPr lang="en-US" sz="4400" b="1" dirty="0">
+                <a:ln w="6600">
+                  <a:noFill/>
+                  <a:prstDash val="solid"/>
+                </a:ln>
+                <a:solidFill>
+                  <a:srgbClr val="FFFF00"/>
+                </a:solidFill>
+              </a:rPr>
+              <a:t>(Baseline of bias)</a:t>
+            </a:r>
+            <a:endParaRPr lang="he-IL" sz="4400" b="1" dirty="0">
+              <a:ln w="6600">
+                <a:noFill/>
+                <a:prstDash val="solid"/>
+              </a:ln>
+              <a:solidFill>
+                <a:srgbClr val="FFFF00"/>
+              </a:solidFill>
+            </a:endParaRPr>
+          </a:p>
+        </p:txBody>
+      </p:sp>
+      <p:sp>
+        <p:nvSpPr>
+          <p:cNvPr id="6" name="Rectangle 5">
+            <a:extLst>
+              <a:ext uri="{FF2B5EF4-FFF2-40B4-BE49-F238E27FC236}">
+                <a16:creationId xmlns:a16="http://schemas.microsoft.com/office/drawing/2014/main" id="{999107BE-A213-42AA-9E9B-E267C97D39B0}"/>
+              </a:ext>
+            </a:extLst>
+          </p:cNvPr>
+          <p:cNvSpPr/>
+          <p:nvPr/>
+        </p:nvSpPr>
+        <p:spPr>
+          <a:xfrm>
+            <a:off x="225784" y="1582103"/>
+            <a:ext cx="4751426" cy="1680090"/>
+          </a:xfrm>
+          <a:prstGeom prst="rect">
+            <a:avLst/>
+          </a:prstGeom>
+        </p:spPr>
+        <p:style>
+          <a:lnRef idx="2">
+            <a:schemeClr val="accent5">
+              <a:shade val="50000"/>
+            </a:schemeClr>
+          </a:lnRef>
+          <a:fillRef idx="1">
+            <a:schemeClr val="accent5"/>
+          </a:fillRef>
+          <a:effectRef idx="0">
+            <a:schemeClr val="accent5"/>
+          </a:effectRef>
+          <a:fontRef idx="minor">
+            <a:schemeClr val="lt1"/>
+          </a:fontRef>
+        </p:style>
+        <p:txBody>
+          <a:bodyPr rot="0" spcFirstLastPara="0" vertOverflow="overflow" horzOverflow="overflow" vert="horz" wrap="square" lIns="91440" tIns="45720" rIns="91440" bIns="45720" numCol="1" spcCol="0" rtlCol="1" fromWordArt="0" anchor="ctr" anchorCtr="0" forceAA="0" compatLnSpc="1">
+            <a:prstTxWarp prst="textNoShape">
+              <a:avLst/>
+            </a:prstTxWarp>
+            <a:noAutofit/>
+            <a:scene3d>
+              <a:camera prst="orthographicFront"/>
+              <a:lightRig rig="soft" dir="t">
+                <a:rot lat="0" lon="0" rev="15600000"/>
+              </a:lightRig>
+            </a:scene3d>
+            <a:sp3d extrusionH="57150" prstMaterial="softEdge">
+              <a:bevelT w="25400" h="38100"/>
+            </a:sp3d>
+          </a:bodyPr>
+          <a:lstStyle/>
+          <a:p>
+            <a:pPr algn="ctr"/>
+            <a:r>
+              <a:rPr lang="en-US" sz="3600" b="1" dirty="0">
+                <a:ln w="6600">
+                  <a:noFill/>
+                  <a:prstDash val="solid"/>
+                </a:ln>
+                <a:solidFill>
+                  <a:srgbClr val="FFFF00"/>
+                </a:solidFill>
+              </a:rPr>
+              <a:t>Questionnaires Battery</a:t>
+            </a:r>
+          </a:p>
+          <a:p>
+            <a:pPr algn="ctr"/>
+            <a:r>
+              <a:rPr lang="en-US" sz="3600" b="1" dirty="0">
+                <a:ln w="6600">
+                  <a:noFill/>
+                  <a:prstDash val="solid"/>
+                </a:ln>
+                <a:solidFill>
+                  <a:srgbClr val="FFFF00"/>
+                </a:solidFill>
+              </a:rPr>
+              <a:t>(RRS\PTQ\ER\ DAADS)</a:t>
+            </a:r>
+            <a:endParaRPr lang="he-IL" sz="3600" b="1" dirty="0">
+              <a:solidFill>
+                <a:srgbClr val="FFFF00"/>
+              </a:solidFill>
+            </a:endParaRPr>
+          </a:p>
+        </p:txBody>
+      </p:sp>
+      <p:sp>
+        <p:nvSpPr>
+          <p:cNvPr id="7" name="Rectangle 6">
+            <a:extLst>
+              <a:ext uri="{FF2B5EF4-FFF2-40B4-BE49-F238E27FC236}">
+                <a16:creationId xmlns:a16="http://schemas.microsoft.com/office/drawing/2014/main" id="{51D0F25D-5D16-4EF2-B494-D2FE983D78A7}"/>
+              </a:ext>
+            </a:extLst>
+          </p:cNvPr>
+          <p:cNvSpPr/>
+          <p:nvPr/>
+        </p:nvSpPr>
+        <p:spPr>
+          <a:xfrm>
+            <a:off x="225784" y="3782250"/>
+            <a:ext cx="4751426" cy="1689564"/>
+          </a:xfrm>
+          <a:prstGeom prst="rect">
+            <a:avLst/>
+          </a:prstGeom>
+        </p:spPr>
+        <p:style>
+          <a:lnRef idx="2">
+            <a:schemeClr val="accent5">
+              <a:shade val="50000"/>
+            </a:schemeClr>
+          </a:lnRef>
+          <a:fillRef idx="1">
+            <a:schemeClr val="accent5"/>
+          </a:fillRef>
+          <a:effectRef idx="0">
+            <a:schemeClr val="accent5"/>
+          </a:effectRef>
+          <a:fontRef idx="minor">
+            <a:schemeClr val="lt1"/>
+          </a:fontRef>
+        </p:style>
+        <p:txBody>
+          <a:bodyPr rot="0" spcFirstLastPara="0" vertOverflow="overflow" horzOverflow="overflow" vert="horz" wrap="square" lIns="91440" tIns="45720" rIns="91440" bIns="45720" numCol="1" spcCol="0" rtlCol="1" fromWordArt="0" anchor="ctr" anchorCtr="0" forceAA="0" compatLnSpc="1">
+            <a:prstTxWarp prst="textNoShape">
+              <a:avLst/>
+            </a:prstTxWarp>
+            <a:noAutofit/>
+            <a:scene3d>
+              <a:camera prst="orthographicFront"/>
+              <a:lightRig rig="soft" dir="t">
+                <a:rot lat="0" lon="0" rev="15600000"/>
+              </a:lightRig>
+            </a:scene3d>
+            <a:sp3d extrusionH="57150" prstMaterial="softEdge">
+              <a:bevelT w="25400" h="38100"/>
+            </a:sp3d>
+          </a:bodyPr>
+          <a:lstStyle/>
+          <a:p>
+            <a:pPr algn="ctr"/>
+            <a:r>
+              <a:rPr lang="en-US" sz="4400" b="1" dirty="0">
+                <a:ln w="6600">
+                  <a:noFill/>
+                  <a:prstDash val="solid"/>
+                </a:ln>
+                <a:solidFill>
+                  <a:srgbClr val="FFFF00"/>
+                </a:solidFill>
+              </a:rPr>
+              <a:t>STP Recoding</a:t>
+            </a:r>
+          </a:p>
+          <a:p>
+            <a:pPr algn="ctr"/>
+            <a:r>
+              <a:rPr lang="en-US" sz="4400" b="1" dirty="0">
+                <a:ln w="6600">
+                  <a:noFill/>
+                  <a:prstDash val="solid"/>
+                </a:ln>
+                <a:solidFill>
+                  <a:srgbClr val="FFFF00"/>
+                </a:solidFill>
+              </a:rPr>
+              <a:t>(audio editing)</a:t>
+            </a:r>
+          </a:p>
+        </p:txBody>
+      </p:sp>
+      <p:sp>
+        <p:nvSpPr>
+          <p:cNvPr id="8" name="Rectangle 7">
+            <a:extLst>
+              <a:ext uri="{FF2B5EF4-FFF2-40B4-BE49-F238E27FC236}">
+                <a16:creationId xmlns:a16="http://schemas.microsoft.com/office/drawing/2014/main" id="{D372AEE0-8721-422E-88DB-57D59C8790AC}"/>
+              </a:ext>
+            </a:extLst>
+          </p:cNvPr>
+          <p:cNvSpPr/>
+          <p:nvPr/>
+        </p:nvSpPr>
+        <p:spPr>
+          <a:xfrm>
+            <a:off x="225784" y="7176445"/>
+            <a:ext cx="4708056" cy="533947"/>
+          </a:xfrm>
+          <a:prstGeom prst="rect">
+            <a:avLst/>
+          </a:prstGeom>
+          <a:solidFill>
+            <a:schemeClr val="accent5">
+              <a:lumMod val="20000"/>
+              <a:lumOff val="80000"/>
+            </a:schemeClr>
+          </a:solidFill>
+        </p:spPr>
+        <p:style>
+          <a:lnRef idx="2">
+            <a:schemeClr val="accent5">
+              <a:shade val="50000"/>
+            </a:schemeClr>
+          </a:lnRef>
+          <a:fillRef idx="1">
+            <a:schemeClr val="accent5"/>
+          </a:fillRef>
+          <a:effectRef idx="0">
+            <a:schemeClr val="accent5"/>
+          </a:effectRef>
+          <a:fontRef idx="minor">
+            <a:schemeClr val="lt1"/>
+          </a:fontRef>
+        </p:style>
+        <p:txBody>
+          <a:bodyPr rot="0" spcFirstLastPara="0" vertOverflow="overflow" horzOverflow="overflow" vert="horz" wrap="square" lIns="91440" tIns="45720" rIns="91440" bIns="45720" numCol="1" spcCol="0" rtlCol="1" fromWordArt="0" anchor="ctr" anchorCtr="0" forceAA="0" compatLnSpc="1">
+            <a:prstTxWarp prst="textNoShape">
+              <a:avLst/>
+            </a:prstTxWarp>
+            <a:noAutofit/>
+            <a:scene3d>
+              <a:camera prst="orthographicFront"/>
+              <a:lightRig rig="soft" dir="t">
+                <a:rot lat="0" lon="0" rev="15600000"/>
+              </a:lightRig>
+            </a:scene3d>
+            <a:sp3d extrusionH="57150" prstMaterial="softEdge">
+              <a:bevelT w="25400" h="38100"/>
+            </a:sp3d>
+          </a:bodyPr>
+          <a:lstStyle/>
+          <a:p>
+            <a:pPr algn="ctr"/>
+            <a:r>
+              <a:rPr lang="en-US" sz="4400" b="1" dirty="0">
+                <a:ln w="6600">
+                  <a:noFill/>
+                  <a:prstDash val="solid"/>
+                </a:ln>
+                <a:solidFill>
+                  <a:srgbClr val="FFFF00"/>
+                </a:solidFill>
+              </a:rPr>
+              <a:t>LAB</a:t>
+            </a:r>
+            <a:endParaRPr lang="he-IL" sz="4400" b="1" dirty="0">
+              <a:ln w="6600">
+                <a:noFill/>
+                <a:prstDash val="solid"/>
+              </a:ln>
+              <a:solidFill>
+                <a:srgbClr val="FFFF00"/>
+              </a:solidFill>
+            </a:endParaRPr>
+          </a:p>
+        </p:txBody>
+      </p:sp>
+      <p:sp>
+        <p:nvSpPr>
+          <p:cNvPr id="9" name="Rectangle 8">
+            <a:extLst>
+              <a:ext uri="{FF2B5EF4-FFF2-40B4-BE49-F238E27FC236}">
+                <a16:creationId xmlns:a16="http://schemas.microsoft.com/office/drawing/2014/main" id="{D0693EEF-EE2D-42EB-9DAB-765F1835F45B}"/>
+              </a:ext>
+            </a:extLst>
+          </p:cNvPr>
+          <p:cNvSpPr/>
+          <p:nvPr/>
+        </p:nvSpPr>
+        <p:spPr>
+          <a:xfrm>
+            <a:off x="10144117" y="7830382"/>
+            <a:ext cx="4710366" cy="3463971"/>
+          </a:xfrm>
+          <a:prstGeom prst="rect">
+            <a:avLst/>
+          </a:prstGeom>
+          <a:solidFill>
+            <a:schemeClr val="accent1">
+              <a:lumMod val="50000"/>
+            </a:schemeClr>
+          </a:solidFill>
+        </p:spPr>
+        <p:style>
+          <a:lnRef idx="2">
+            <a:schemeClr val="accent5">
+              <a:shade val="50000"/>
+            </a:schemeClr>
+          </a:lnRef>
+          <a:fillRef idx="1">
+            <a:schemeClr val="accent5"/>
+          </a:fillRef>
+          <a:effectRef idx="0">
+            <a:schemeClr val="accent5"/>
+          </a:effectRef>
+          <a:fontRef idx="minor">
+            <a:schemeClr val="lt1"/>
+          </a:fontRef>
+        </p:style>
+        <p:txBody>
+          <a:bodyPr rot="0" spcFirstLastPara="0" vertOverflow="overflow" horzOverflow="overflow" vert="horz" wrap="square" lIns="91440" tIns="45720" rIns="91440" bIns="45720" numCol="1" spcCol="0" rtlCol="1" fromWordArt="0" anchor="ctr" anchorCtr="0" forceAA="0" compatLnSpc="1">
+            <a:prstTxWarp prst="textNoShape">
+              <a:avLst/>
+            </a:prstTxWarp>
+            <a:noAutofit/>
+            <a:scene3d>
+              <a:camera prst="orthographicFront"/>
+              <a:lightRig rig="soft" dir="t">
+                <a:rot lat="0" lon="0" rev="15600000"/>
+              </a:lightRig>
+            </a:scene3d>
+            <a:sp3d extrusionH="57150" prstMaterial="softEdge">
+              <a:bevelT w="25400" h="38100"/>
+            </a:sp3d>
+          </a:bodyPr>
+          <a:lstStyle/>
+          <a:p>
+            <a:pPr algn="ctr"/>
+            <a:r>
+              <a:rPr lang="en-US" sz="4400" b="1" dirty="0">
+                <a:ln w="6600">
+                  <a:noFill/>
+                  <a:prstDash val="solid"/>
+                </a:ln>
+                <a:solidFill>
+                  <a:srgbClr val="FFFF00"/>
+                </a:solidFill>
+              </a:rPr>
+              <a:t>STP – AFACT – (other similar task</a:t>
+            </a:r>
+          </a:p>
+          <a:p>
+            <a:pPr algn="ctr"/>
+            <a:r>
+              <a:rPr lang="en-US" sz="4400" b="1" dirty="0">
+                <a:ln w="6600">
+                  <a:noFill/>
+                  <a:prstDash val="solid"/>
+                </a:ln>
+                <a:solidFill>
+                  <a:srgbClr val="FFFF00"/>
+                </a:solidFill>
+              </a:rPr>
+              <a:t>Response and stimuli)</a:t>
+            </a:r>
+          </a:p>
+          <a:p>
+            <a:pPr algn="ctr"/>
+            <a:r>
+              <a:rPr lang="en-US" sz="4400" b="1" dirty="0">
+                <a:ln w="6600">
+                  <a:noFill/>
+                  <a:prstDash val="solid"/>
+                </a:ln>
+                <a:solidFill>
+                  <a:srgbClr val="FFFF00"/>
+                </a:solidFill>
+              </a:rPr>
+              <a:t>(Training)</a:t>
+            </a:r>
+            <a:endParaRPr lang="he-IL" sz="4400" b="1" dirty="0">
+              <a:ln w="6600">
+                <a:noFill/>
+                <a:prstDash val="solid"/>
+              </a:ln>
+              <a:solidFill>
+                <a:srgbClr val="FFFF00"/>
+              </a:solidFill>
+            </a:endParaRPr>
+          </a:p>
+        </p:txBody>
+      </p:sp>
+      <p:sp>
+        <p:nvSpPr>
+          <p:cNvPr id="10" name="Rectangle 9">
+            <a:extLst>
+              <a:ext uri="{FF2B5EF4-FFF2-40B4-BE49-F238E27FC236}">
+                <a16:creationId xmlns:a16="http://schemas.microsoft.com/office/drawing/2014/main" id="{83BBEA91-DD96-4C0F-A0D8-8FF9D658BF0A}"/>
+              </a:ext>
+            </a:extLst>
+          </p:cNvPr>
+          <p:cNvSpPr/>
+          <p:nvPr/>
+        </p:nvSpPr>
+        <p:spPr>
+          <a:xfrm>
+            <a:off x="15440287" y="8866406"/>
+            <a:ext cx="4751426" cy="1689564"/>
+          </a:xfrm>
+          <a:prstGeom prst="rect">
+            <a:avLst/>
+          </a:prstGeom>
+        </p:spPr>
+        <p:style>
+          <a:lnRef idx="2">
+            <a:schemeClr val="accent5">
+              <a:shade val="50000"/>
+            </a:schemeClr>
+          </a:lnRef>
+          <a:fillRef idx="1">
+            <a:schemeClr val="accent5"/>
+          </a:fillRef>
+          <a:effectRef idx="0">
+            <a:schemeClr val="accent5"/>
+          </a:effectRef>
+          <a:fontRef idx="minor">
+            <a:schemeClr val="lt1"/>
+          </a:fontRef>
+        </p:style>
+        <p:txBody>
+          <a:bodyPr rot="0" spcFirstLastPara="0" vertOverflow="overflow" horzOverflow="overflow" vert="horz" wrap="square" lIns="91440" tIns="45720" rIns="91440" bIns="45720" numCol="1" spcCol="0" rtlCol="1" fromWordArt="0" anchor="ctr" anchorCtr="0" forceAA="0" compatLnSpc="1">
+            <a:prstTxWarp prst="textNoShape">
+              <a:avLst/>
+            </a:prstTxWarp>
+            <a:noAutofit/>
+            <a:scene3d>
+              <a:camera prst="orthographicFront"/>
+              <a:lightRig rig="soft" dir="t">
+                <a:rot lat="0" lon="0" rev="15600000"/>
+              </a:lightRig>
+            </a:scene3d>
+            <a:sp3d extrusionH="57150" prstMaterial="softEdge">
+              <a:bevelT w="25400" h="38100"/>
+            </a:sp3d>
+          </a:bodyPr>
+          <a:lstStyle/>
+          <a:p>
+            <a:pPr algn="ctr"/>
+            <a:r>
+              <a:rPr lang="en-US" sz="4400" b="1" dirty="0">
+                <a:ln w="6600">
+                  <a:noFill/>
+                  <a:prstDash val="solid"/>
+                </a:ln>
+                <a:solidFill>
+                  <a:srgbClr val="FFFF00"/>
+                </a:solidFill>
+              </a:rPr>
+              <a:t>STP – DCT</a:t>
+            </a:r>
+          </a:p>
+          <a:p>
+            <a:pPr algn="ctr"/>
+            <a:r>
+              <a:rPr lang="en-US" sz="4400" b="1" dirty="0">
+                <a:ln w="6600">
+                  <a:noFill/>
+                  <a:prstDash val="solid"/>
+                </a:ln>
+                <a:solidFill>
+                  <a:srgbClr val="FFFF00"/>
+                </a:solidFill>
+              </a:rPr>
+              <a:t>(post-</a:t>
+            </a:r>
+            <a:r>
+              <a:rPr lang="en-US" sz="4400" b="1" dirty="0" err="1">
+                <a:ln w="6600">
+                  <a:noFill/>
+                  <a:prstDash val="solid"/>
+                </a:ln>
+                <a:solidFill>
+                  <a:srgbClr val="FFFF00"/>
+                </a:solidFill>
+              </a:rPr>
+              <a:t>interv</a:t>
+            </a:r>
+            <a:r>
+              <a:rPr lang="en-US" sz="4400" b="1" dirty="0">
+                <a:ln w="6600">
+                  <a:noFill/>
+                  <a:prstDash val="solid"/>
+                </a:ln>
+                <a:solidFill>
+                  <a:srgbClr val="FFFF00"/>
+                </a:solidFill>
+              </a:rPr>
+              <a:t>)</a:t>
+            </a:r>
+            <a:endParaRPr lang="he-IL" sz="4400" b="1" dirty="0">
+              <a:ln w="6600">
+                <a:noFill/>
+                <a:prstDash val="solid"/>
+              </a:ln>
+              <a:solidFill>
+                <a:srgbClr val="FFFF00"/>
+              </a:solidFill>
+            </a:endParaRPr>
+          </a:p>
+        </p:txBody>
+      </p:sp>
+      <p:sp>
+        <p:nvSpPr>
+          <p:cNvPr id="11" name="Rectangle 10">
+            <a:extLst>
+              <a:ext uri="{FF2B5EF4-FFF2-40B4-BE49-F238E27FC236}">
+                <a16:creationId xmlns:a16="http://schemas.microsoft.com/office/drawing/2014/main" id="{998DAE73-0B33-45D4-9D41-6DC83E422B94}"/>
+              </a:ext>
+            </a:extLst>
+          </p:cNvPr>
+          <p:cNvSpPr/>
+          <p:nvPr/>
+        </p:nvSpPr>
+        <p:spPr>
+          <a:xfrm>
+            <a:off x="26394700" y="8758508"/>
+            <a:ext cx="4751426" cy="1689564"/>
+          </a:xfrm>
+          <a:prstGeom prst="rect">
+            <a:avLst/>
+          </a:prstGeom>
+        </p:spPr>
+        <p:style>
+          <a:lnRef idx="2">
+            <a:schemeClr val="accent5">
+              <a:shade val="50000"/>
+            </a:schemeClr>
+          </a:lnRef>
+          <a:fillRef idx="1">
+            <a:schemeClr val="accent5"/>
+          </a:fillRef>
+          <a:effectRef idx="0">
+            <a:schemeClr val="accent5"/>
+          </a:effectRef>
+          <a:fontRef idx="minor">
+            <a:schemeClr val="lt1"/>
+          </a:fontRef>
+        </p:style>
+        <p:txBody>
+          <a:bodyPr rot="0" spcFirstLastPara="0" vertOverflow="overflow" horzOverflow="overflow" vert="horz" wrap="square" lIns="91440" tIns="45720" rIns="91440" bIns="45720" numCol="1" spcCol="0" rtlCol="1" fromWordArt="0" anchor="ctr" anchorCtr="0" forceAA="0" compatLnSpc="1">
+            <a:prstTxWarp prst="textNoShape">
+              <a:avLst/>
+            </a:prstTxWarp>
+            <a:noAutofit/>
+            <a:scene3d>
+              <a:camera prst="orthographicFront"/>
+              <a:lightRig rig="soft" dir="t">
+                <a:rot lat="0" lon="0" rev="15600000"/>
+              </a:lightRig>
+            </a:scene3d>
+            <a:sp3d extrusionH="57150" prstMaterial="softEdge">
+              <a:bevelT w="25400" h="38100"/>
+            </a:sp3d>
+          </a:bodyPr>
+          <a:lstStyle/>
+          <a:p>
+            <a:pPr algn="ctr"/>
+            <a:r>
+              <a:rPr lang="en-US" sz="4000" b="1" dirty="0">
+                <a:ln w="6600">
+                  <a:noFill/>
+                  <a:prstDash val="solid"/>
+                </a:ln>
+                <a:solidFill>
+                  <a:srgbClr val="FFFF00"/>
+                </a:solidFill>
+              </a:rPr>
+              <a:t>ONE BACK DICHOTIC</a:t>
+            </a:r>
+          </a:p>
+          <a:p>
+            <a:pPr algn="ctr"/>
+            <a:r>
+              <a:rPr lang="en-US" sz="4000" b="1" dirty="0">
+                <a:ln w="6600">
+                  <a:noFill/>
+                  <a:prstDash val="solid"/>
+                </a:ln>
+                <a:solidFill>
+                  <a:srgbClr val="FFFF00"/>
+                </a:solidFill>
+              </a:rPr>
+              <a:t>STP</a:t>
+            </a:r>
+            <a:endParaRPr lang="he-IL" sz="4000" b="1" dirty="0">
+              <a:ln w="6600">
+                <a:noFill/>
+                <a:prstDash val="solid"/>
+              </a:ln>
+              <a:solidFill>
+                <a:srgbClr val="FFFF00"/>
+              </a:solidFill>
+            </a:endParaRPr>
+          </a:p>
+        </p:txBody>
+      </p:sp>
+      <p:sp>
+        <p:nvSpPr>
+          <p:cNvPr id="12" name="Oval 11">
+            <a:extLst>
+              <a:ext uri="{FF2B5EF4-FFF2-40B4-BE49-F238E27FC236}">
+                <a16:creationId xmlns:a16="http://schemas.microsoft.com/office/drawing/2014/main" id="{26F52209-30D5-4EB3-92C1-16A2E617D69D}"/>
+              </a:ext>
+            </a:extLst>
+          </p:cNvPr>
+          <p:cNvSpPr/>
+          <p:nvPr/>
+        </p:nvSpPr>
+        <p:spPr>
+          <a:xfrm>
+            <a:off x="643246" y="8512256"/>
+            <a:ext cx="3806118" cy="2586686"/>
+          </a:xfrm>
+          <a:prstGeom prst="ellipse">
+            <a:avLst/>
+          </a:prstGeom>
+        </p:spPr>
+        <p:style>
+          <a:lnRef idx="2">
+            <a:schemeClr val="accent6">
+              <a:shade val="50000"/>
+            </a:schemeClr>
+          </a:lnRef>
+          <a:fillRef idx="1">
+            <a:schemeClr val="accent6"/>
+          </a:fillRef>
+          <a:effectRef idx="0">
+            <a:schemeClr val="accent6"/>
+          </a:effectRef>
+          <a:fontRef idx="minor">
+            <a:schemeClr val="lt1"/>
+          </a:fontRef>
+        </p:style>
+        <p:txBody>
+          <a:bodyPr rot="0" spcFirstLastPara="0" vertOverflow="overflow" horzOverflow="overflow" vert="horz" wrap="square" lIns="91440" tIns="45720" rIns="91440" bIns="45720" numCol="1" spcCol="0" rtlCol="1" fromWordArt="0" anchor="ctr" anchorCtr="0" forceAA="0" compatLnSpc="1">
+            <a:prstTxWarp prst="textNoShape">
+              <a:avLst/>
+            </a:prstTxWarp>
+            <a:noAutofit/>
+            <a:scene3d>
+              <a:camera prst="orthographicFront"/>
+              <a:lightRig rig="soft" dir="t">
+                <a:rot lat="0" lon="0" rev="15600000"/>
+              </a:lightRig>
+            </a:scene3d>
+            <a:sp3d extrusionH="57150" prstMaterial="softEdge">
+              <a:bevelT w="25400" h="38100"/>
+            </a:sp3d>
+          </a:bodyPr>
+          <a:lstStyle/>
+          <a:p>
+            <a:pPr algn="ctr"/>
+            <a:r>
+              <a:rPr lang="en-US" sz="4800" b="1" dirty="0">
+                <a:ln/>
+                <a:solidFill>
+                  <a:schemeClr val="accent4"/>
+                </a:solidFill>
+                <a:cs typeface="+mj-cs"/>
+              </a:rPr>
+              <a:t>AFACT</a:t>
+            </a:r>
+            <a:endParaRPr lang="he-IL" sz="4800" b="1" dirty="0">
+              <a:ln/>
+              <a:solidFill>
+                <a:schemeClr val="accent4"/>
+              </a:solidFill>
+              <a:cs typeface="+mj-cs"/>
+            </a:endParaRPr>
+          </a:p>
+        </p:txBody>
+      </p:sp>
+      <p:cxnSp>
+        <p:nvCxnSpPr>
+          <p:cNvPr id="13" name="Straight Arrow Connector 31">
+            <a:extLst>
+              <a:ext uri="{FF2B5EF4-FFF2-40B4-BE49-F238E27FC236}">
+                <a16:creationId xmlns:a16="http://schemas.microsoft.com/office/drawing/2014/main" id="{07CA9CEC-8ED0-4552-AB71-B8F3DC61DB20}"/>
+              </a:ext>
+            </a:extLst>
+          </p:cNvPr>
+          <p:cNvCxnSpPr>
+            <a:cxnSpLocks/>
+          </p:cNvCxnSpPr>
+          <p:nvPr/>
+        </p:nvCxnSpPr>
+        <p:spPr>
+          <a:xfrm>
+            <a:off x="9738872" y="9810157"/>
+            <a:ext cx="392896" cy="0"/>
+          </a:xfrm>
+          <a:prstGeom prst="straightConnector1">
+            <a:avLst/>
+          </a:prstGeom>
+          <a:ln w="57150">
+            <a:tailEnd type="triangle"/>
+          </a:ln>
+        </p:spPr>
+        <p:style>
+          <a:lnRef idx="1">
+            <a:schemeClr val="accent2"/>
+          </a:lnRef>
+          <a:fillRef idx="0">
+            <a:schemeClr val="accent2"/>
+          </a:fillRef>
+          <a:effectRef idx="0">
+            <a:schemeClr val="accent2"/>
+          </a:effectRef>
+          <a:fontRef idx="minor">
+            <a:schemeClr val="tx1"/>
+          </a:fontRef>
+        </p:style>
+      </p:cxnSp>
+      <p:cxnSp>
+        <p:nvCxnSpPr>
+          <p:cNvPr id="14" name="Straight Arrow Connector 31">
+            <a:extLst>
+              <a:ext uri="{FF2B5EF4-FFF2-40B4-BE49-F238E27FC236}">
+                <a16:creationId xmlns:a16="http://schemas.microsoft.com/office/drawing/2014/main" id="{7A48CAB5-7945-4299-84C9-B9F9F4F79196}"/>
+              </a:ext>
+            </a:extLst>
+          </p:cNvPr>
+          <p:cNvCxnSpPr>
+            <a:cxnSpLocks/>
+          </p:cNvCxnSpPr>
+          <p:nvPr/>
+        </p:nvCxnSpPr>
+        <p:spPr>
+          <a:xfrm>
+            <a:off x="14866832" y="9791084"/>
+            <a:ext cx="536945" cy="14515"/>
+          </a:xfrm>
+          <a:prstGeom prst="straightConnector1">
+            <a:avLst/>
+          </a:prstGeom>
+          <a:ln w="57150">
+            <a:tailEnd type="triangle"/>
+          </a:ln>
+        </p:spPr>
+        <p:style>
+          <a:lnRef idx="1">
+            <a:schemeClr val="accent2"/>
+          </a:lnRef>
+          <a:fillRef idx="0">
+            <a:schemeClr val="accent2"/>
+          </a:fillRef>
+          <a:effectRef idx="0">
+            <a:schemeClr val="accent2"/>
+          </a:effectRef>
+          <a:fontRef idx="minor">
+            <a:schemeClr val="tx1"/>
+          </a:fontRef>
+        </p:style>
+      </p:cxnSp>
+      <p:cxnSp>
+        <p:nvCxnSpPr>
+          <p:cNvPr id="15" name="Straight Arrow Connector 31">
+            <a:extLst>
+              <a:ext uri="{FF2B5EF4-FFF2-40B4-BE49-F238E27FC236}">
+                <a16:creationId xmlns:a16="http://schemas.microsoft.com/office/drawing/2014/main" id="{9924FF1A-922D-4006-A947-18BADE195594}"/>
+              </a:ext>
+            </a:extLst>
+          </p:cNvPr>
+          <p:cNvCxnSpPr>
+            <a:cxnSpLocks/>
+          </p:cNvCxnSpPr>
+          <p:nvPr/>
+        </p:nvCxnSpPr>
+        <p:spPr>
+          <a:xfrm>
+            <a:off x="20344039" y="9661386"/>
+            <a:ext cx="580315" cy="0"/>
+          </a:xfrm>
+          <a:prstGeom prst="straightConnector1">
+            <a:avLst/>
+          </a:prstGeom>
+          <a:ln w="57150">
+            <a:tailEnd type="triangle"/>
+          </a:ln>
+        </p:spPr>
+        <p:style>
+          <a:lnRef idx="1">
+            <a:schemeClr val="accent2"/>
+          </a:lnRef>
+          <a:fillRef idx="0">
+            <a:schemeClr val="accent2"/>
+          </a:fillRef>
+          <a:effectRef idx="0">
+            <a:schemeClr val="accent2"/>
+          </a:effectRef>
+          <a:fontRef idx="minor">
+            <a:schemeClr val="tx1"/>
+          </a:fontRef>
+        </p:style>
+      </p:cxnSp>
+      <p:sp>
+        <p:nvSpPr>
+          <p:cNvPr id="16" name="Rectangle 8">
+            <a:extLst>
+              <a:ext uri="{FF2B5EF4-FFF2-40B4-BE49-F238E27FC236}">
+                <a16:creationId xmlns:a16="http://schemas.microsoft.com/office/drawing/2014/main" id="{79CB596F-C163-43FC-80C1-649190160007}"/>
+              </a:ext>
+            </a:extLst>
+          </p:cNvPr>
+          <p:cNvSpPr/>
+          <p:nvPr/>
+        </p:nvSpPr>
+        <p:spPr>
+          <a:xfrm>
+            <a:off x="225785" y="557357"/>
+            <a:ext cx="4751426" cy="533947"/>
+          </a:xfrm>
+          <a:prstGeom prst="rect">
+            <a:avLst/>
+          </a:prstGeom>
+          <a:solidFill>
+            <a:schemeClr val="accent5">
+              <a:lumMod val="20000"/>
+              <a:lumOff val="80000"/>
+            </a:schemeClr>
+          </a:solidFill>
+        </p:spPr>
+        <p:style>
+          <a:lnRef idx="2">
+            <a:schemeClr val="accent5">
+              <a:shade val="50000"/>
+            </a:schemeClr>
+          </a:lnRef>
+          <a:fillRef idx="1">
+            <a:schemeClr val="accent5"/>
+          </a:fillRef>
+          <a:effectRef idx="0">
+            <a:schemeClr val="accent5"/>
+          </a:effectRef>
+          <a:fontRef idx="minor">
+            <a:schemeClr val="lt1"/>
+          </a:fontRef>
+        </p:style>
+        <p:txBody>
+          <a:bodyPr rot="0" spcFirstLastPara="0" vertOverflow="overflow" horzOverflow="overflow" vert="horz" wrap="square" lIns="91440" tIns="45720" rIns="91440" bIns="45720" numCol="1" spcCol="0" rtlCol="1" fromWordArt="0" anchor="ctr" anchorCtr="0" forceAA="0" compatLnSpc="1">
+            <a:prstTxWarp prst="textNoShape">
+              <a:avLst/>
+            </a:prstTxWarp>
+            <a:noAutofit/>
+            <a:scene3d>
+              <a:camera prst="orthographicFront"/>
+              <a:lightRig rig="soft" dir="t">
+                <a:rot lat="0" lon="0" rev="15600000"/>
+              </a:lightRig>
+            </a:scene3d>
+            <a:sp3d extrusionH="57150" prstMaterial="softEdge">
+              <a:bevelT w="25400" h="38100"/>
+            </a:sp3d>
+          </a:bodyPr>
+          <a:lstStyle/>
+          <a:p>
+            <a:pPr algn="ctr"/>
+            <a:r>
+              <a:rPr lang="en-US" sz="4400" b="1" dirty="0">
+                <a:ln w="6600">
+                  <a:noFill/>
+                  <a:prstDash val="solid"/>
+                </a:ln>
+                <a:solidFill>
+                  <a:srgbClr val="FFFF00"/>
+                </a:solidFill>
+              </a:rPr>
+              <a:t>Home</a:t>
+            </a:r>
+            <a:endParaRPr lang="he-IL" sz="4400" b="1" dirty="0">
+              <a:ln w="6600">
+                <a:noFill/>
+                <a:prstDash val="solid"/>
+              </a:ln>
+              <a:solidFill>
+                <a:srgbClr val="FFFF00"/>
+              </a:solidFill>
+            </a:endParaRPr>
+          </a:p>
+        </p:txBody>
+      </p:sp>
+      <p:sp>
+        <p:nvSpPr>
+          <p:cNvPr id="17" name="Rectangle 16">
+            <a:extLst>
+              <a:ext uri="{FF2B5EF4-FFF2-40B4-BE49-F238E27FC236}">
+                <a16:creationId xmlns:a16="http://schemas.microsoft.com/office/drawing/2014/main" id="{1F6C032A-C618-4CCB-AE55-B5183428B7B0}"/>
+              </a:ext>
+            </a:extLst>
+          </p:cNvPr>
+          <p:cNvSpPr/>
+          <p:nvPr/>
+        </p:nvSpPr>
+        <p:spPr>
+          <a:xfrm>
+            <a:off x="20960864" y="11726900"/>
+            <a:ext cx="4751426" cy="1689564"/>
+          </a:xfrm>
+          <a:prstGeom prst="rect">
+            <a:avLst/>
+          </a:prstGeom>
+        </p:spPr>
+        <p:style>
+          <a:lnRef idx="2">
+            <a:schemeClr val="accent5">
+              <a:shade val="50000"/>
+            </a:schemeClr>
+          </a:lnRef>
+          <a:fillRef idx="1">
+            <a:schemeClr val="accent5"/>
+          </a:fillRef>
+          <a:effectRef idx="0">
+            <a:schemeClr val="accent5"/>
+          </a:effectRef>
+          <a:fontRef idx="minor">
+            <a:schemeClr val="lt1"/>
+          </a:fontRef>
+        </p:style>
+        <p:txBody>
+          <a:bodyPr rot="0" spcFirstLastPara="0" vertOverflow="overflow" horzOverflow="overflow" vert="horz" wrap="square" lIns="91440" tIns="45720" rIns="91440" bIns="45720" numCol="1" spcCol="0" rtlCol="1" fromWordArt="0" anchor="ctr" anchorCtr="0" forceAA="0" compatLnSpc="1">
+            <a:prstTxWarp prst="textNoShape">
+              <a:avLst/>
+            </a:prstTxWarp>
+            <a:noAutofit/>
+            <a:scene3d>
+              <a:camera prst="orthographicFront"/>
+              <a:lightRig rig="soft" dir="t">
+                <a:rot lat="0" lon="0" rev="15600000"/>
+              </a:lightRig>
+            </a:scene3d>
+            <a:sp3d extrusionH="57150" prstMaterial="softEdge">
+              <a:bevelT w="25400" h="38100"/>
+            </a:sp3d>
+          </a:bodyPr>
+          <a:lstStyle/>
+          <a:p>
+            <a:pPr algn="ctr"/>
+            <a:r>
+              <a:rPr lang="en-US" sz="4400" b="1" dirty="0">
+                <a:ln w="6600">
+                  <a:noFill/>
+                  <a:prstDash val="solid"/>
+                </a:ln>
+                <a:solidFill>
+                  <a:srgbClr val="FFFF00"/>
+                </a:solidFill>
+              </a:rPr>
+              <a:t>STP – MAB</a:t>
+            </a:r>
+          </a:p>
+        </p:txBody>
+      </p:sp>
+      <p:sp>
+        <p:nvSpPr>
+          <p:cNvPr id="18" name="Rectangle 17">
+            <a:extLst>
+              <a:ext uri="{FF2B5EF4-FFF2-40B4-BE49-F238E27FC236}">
+                <a16:creationId xmlns:a16="http://schemas.microsoft.com/office/drawing/2014/main" id="{EDE43228-BCA5-4EFB-9EA7-243C71E72DA3}"/>
+              </a:ext>
+            </a:extLst>
+          </p:cNvPr>
+          <p:cNvSpPr/>
+          <p:nvPr/>
+        </p:nvSpPr>
+        <p:spPr>
+          <a:xfrm>
+            <a:off x="4981759" y="11933767"/>
+            <a:ext cx="4751426" cy="1689564"/>
+          </a:xfrm>
+          <a:prstGeom prst="rect">
+            <a:avLst/>
+          </a:prstGeom>
+          <a:solidFill>
+            <a:schemeClr val="accent1">
+              <a:lumMod val="50000"/>
+            </a:schemeClr>
+          </a:solidFill>
+        </p:spPr>
+        <p:style>
+          <a:lnRef idx="2">
+            <a:schemeClr val="accent5">
+              <a:shade val="50000"/>
+            </a:schemeClr>
+          </a:lnRef>
+          <a:fillRef idx="1">
+            <a:schemeClr val="accent5"/>
+          </a:fillRef>
+          <a:effectRef idx="0">
+            <a:schemeClr val="accent5"/>
+          </a:effectRef>
+          <a:fontRef idx="minor">
+            <a:schemeClr val="lt1"/>
+          </a:fontRef>
+        </p:style>
+        <p:txBody>
+          <a:bodyPr rot="0" spcFirstLastPara="0" vertOverflow="overflow" horzOverflow="overflow" vert="horz" wrap="square" lIns="91440" tIns="45720" rIns="91440" bIns="45720" numCol="1" spcCol="0" rtlCol="1" fromWordArt="0" anchor="ctr" anchorCtr="0" forceAA="0" compatLnSpc="1">
+            <a:prstTxWarp prst="textNoShape">
+              <a:avLst/>
+            </a:prstTxWarp>
+            <a:noAutofit/>
+            <a:scene3d>
+              <a:camera prst="orthographicFront"/>
+              <a:lightRig rig="soft" dir="t">
+                <a:rot lat="0" lon="0" rev="15600000"/>
+              </a:lightRig>
+            </a:scene3d>
+            <a:sp3d extrusionH="57150" prstMaterial="softEdge">
+              <a:bevelT w="25400" h="38100"/>
+            </a:sp3d>
+          </a:bodyPr>
+          <a:lstStyle/>
+          <a:p>
+            <a:pPr algn="ctr"/>
+            <a:r>
+              <a:rPr lang="en-US" sz="4400" b="1" dirty="0">
+                <a:ln w="6600">
+                  <a:noFill/>
+                  <a:prstDash val="solid"/>
+                </a:ln>
+                <a:solidFill>
+                  <a:srgbClr val="FFFF00"/>
+                </a:solidFill>
+              </a:rPr>
+              <a:t>STP - DCT</a:t>
+            </a:r>
+          </a:p>
+          <a:p>
+            <a:pPr algn="ctr"/>
+            <a:r>
+              <a:rPr lang="en-US" sz="4400" b="1" dirty="0">
+                <a:ln w="6600">
+                  <a:noFill/>
+                  <a:prstDash val="solid"/>
+                </a:ln>
+                <a:solidFill>
+                  <a:srgbClr val="FFFF00"/>
+                </a:solidFill>
+              </a:rPr>
+              <a:t>(Baseline of bias)</a:t>
+            </a:r>
+            <a:endParaRPr lang="he-IL" sz="4400" b="1" dirty="0">
+              <a:ln w="6600">
+                <a:noFill/>
+                <a:prstDash val="solid"/>
+              </a:ln>
+              <a:solidFill>
+                <a:srgbClr val="FFFF00"/>
+              </a:solidFill>
+            </a:endParaRPr>
+          </a:p>
+        </p:txBody>
+      </p:sp>
+      <p:sp>
+        <p:nvSpPr>
+          <p:cNvPr id="20" name="Rectangle 19">
+            <a:extLst>
+              <a:ext uri="{FF2B5EF4-FFF2-40B4-BE49-F238E27FC236}">
+                <a16:creationId xmlns:a16="http://schemas.microsoft.com/office/drawing/2014/main" id="{1C773070-1CDC-4489-9FF2-EF039F088D5D}"/>
+              </a:ext>
+            </a:extLst>
+          </p:cNvPr>
+          <p:cNvSpPr/>
+          <p:nvPr/>
+        </p:nvSpPr>
+        <p:spPr>
+          <a:xfrm>
+            <a:off x="10119956" y="11933767"/>
+            <a:ext cx="4751426" cy="1689564"/>
+          </a:xfrm>
+          <a:prstGeom prst="rect">
+            <a:avLst/>
+          </a:prstGeom>
+          <a:solidFill>
+            <a:schemeClr val="accent1">
+              <a:lumMod val="50000"/>
+            </a:schemeClr>
+          </a:solidFill>
+        </p:spPr>
+        <p:style>
+          <a:lnRef idx="2">
+            <a:schemeClr val="accent5">
+              <a:shade val="50000"/>
+            </a:schemeClr>
+          </a:lnRef>
+          <a:fillRef idx="1">
+            <a:schemeClr val="accent5"/>
+          </a:fillRef>
+          <a:effectRef idx="0">
+            <a:schemeClr val="accent5"/>
+          </a:effectRef>
+          <a:fontRef idx="minor">
+            <a:schemeClr val="lt1"/>
+          </a:fontRef>
+        </p:style>
+        <p:txBody>
+          <a:bodyPr rot="0" spcFirstLastPara="0" vertOverflow="overflow" horzOverflow="overflow" vert="horz" wrap="square" lIns="91440" tIns="45720" rIns="91440" bIns="45720" numCol="1" spcCol="0" rtlCol="1" fromWordArt="0" anchor="ctr" anchorCtr="0" forceAA="0" compatLnSpc="1">
+            <a:prstTxWarp prst="textNoShape">
+              <a:avLst/>
+            </a:prstTxWarp>
+            <a:noAutofit/>
+            <a:scene3d>
+              <a:camera prst="orthographicFront"/>
+              <a:lightRig rig="soft" dir="t">
+                <a:rot lat="0" lon="0" rev="15600000"/>
+              </a:lightRig>
+            </a:scene3d>
+            <a:sp3d extrusionH="57150" prstMaterial="softEdge">
+              <a:bevelT w="25400" h="38100"/>
+            </a:sp3d>
+          </a:bodyPr>
+          <a:lstStyle/>
+          <a:p>
+            <a:pPr algn="ctr"/>
+            <a:r>
+              <a:rPr lang="en-US" sz="4400" b="1" dirty="0">
+                <a:ln w="6600">
+                  <a:noFill/>
+                  <a:prstDash val="solid"/>
+                </a:ln>
+                <a:solidFill>
+                  <a:srgbClr val="FFFF00"/>
+                </a:solidFill>
+              </a:rPr>
+              <a:t>BMM</a:t>
+            </a:r>
+          </a:p>
+          <a:p>
+            <a:pPr algn="ctr"/>
+            <a:r>
+              <a:rPr lang="en-US" sz="4400" b="1" dirty="0">
+                <a:ln w="6600">
+                  <a:noFill/>
+                  <a:prstDash val="solid"/>
+                </a:ln>
+                <a:solidFill>
+                  <a:srgbClr val="FFFF00"/>
+                </a:solidFill>
+              </a:rPr>
+              <a:t>(Training)</a:t>
+            </a:r>
+            <a:endParaRPr lang="he-IL" sz="4400" b="1" dirty="0">
+              <a:ln w="6600">
+                <a:noFill/>
+                <a:prstDash val="solid"/>
+              </a:ln>
+              <a:solidFill>
+                <a:srgbClr val="FFFF00"/>
+              </a:solidFill>
+            </a:endParaRPr>
+          </a:p>
+        </p:txBody>
+      </p:sp>
+      <p:sp>
+        <p:nvSpPr>
+          <p:cNvPr id="21" name="Rectangle 20">
+            <a:extLst>
+              <a:ext uri="{FF2B5EF4-FFF2-40B4-BE49-F238E27FC236}">
+                <a16:creationId xmlns:a16="http://schemas.microsoft.com/office/drawing/2014/main" id="{F648D4F2-F9A1-467B-AA02-25C4CC4581A5}"/>
+              </a:ext>
+            </a:extLst>
+          </p:cNvPr>
+          <p:cNvSpPr/>
+          <p:nvPr/>
+        </p:nvSpPr>
+        <p:spPr>
+          <a:xfrm>
+            <a:off x="15440287" y="11834798"/>
+            <a:ext cx="4751426" cy="1689564"/>
+          </a:xfrm>
+          <a:prstGeom prst="rect">
+            <a:avLst/>
+          </a:prstGeom>
+        </p:spPr>
+        <p:style>
+          <a:lnRef idx="2">
+            <a:schemeClr val="accent5">
+              <a:shade val="50000"/>
+            </a:schemeClr>
+          </a:lnRef>
+          <a:fillRef idx="1">
+            <a:schemeClr val="accent5"/>
+          </a:fillRef>
+          <a:effectRef idx="0">
+            <a:schemeClr val="accent5"/>
+          </a:effectRef>
+          <a:fontRef idx="minor">
+            <a:schemeClr val="lt1"/>
+          </a:fontRef>
+        </p:style>
+        <p:txBody>
+          <a:bodyPr rot="0" spcFirstLastPara="0" vertOverflow="overflow" horzOverflow="overflow" vert="horz" wrap="square" lIns="91440" tIns="45720" rIns="91440" bIns="45720" numCol="1" spcCol="0" rtlCol="1" fromWordArt="0" anchor="ctr" anchorCtr="0" forceAA="0" compatLnSpc="1">
+            <a:prstTxWarp prst="textNoShape">
+              <a:avLst/>
+            </a:prstTxWarp>
+            <a:noAutofit/>
+            <a:scene3d>
+              <a:camera prst="orthographicFront"/>
+              <a:lightRig rig="soft" dir="t">
+                <a:rot lat="0" lon="0" rev="15600000"/>
+              </a:lightRig>
+            </a:scene3d>
+            <a:sp3d extrusionH="57150" prstMaterial="softEdge">
+              <a:bevelT w="25400" h="38100"/>
+            </a:sp3d>
+          </a:bodyPr>
+          <a:lstStyle/>
+          <a:p>
+            <a:pPr algn="ctr"/>
+            <a:r>
+              <a:rPr lang="en-US" sz="4400" b="1" dirty="0">
+                <a:ln w="6600">
+                  <a:noFill/>
+                  <a:prstDash val="solid"/>
+                </a:ln>
+                <a:solidFill>
+                  <a:srgbClr val="FFFF00"/>
+                </a:solidFill>
+              </a:rPr>
+              <a:t>STP – DCT</a:t>
+            </a:r>
+          </a:p>
+          <a:p>
+            <a:pPr algn="ctr"/>
+            <a:r>
+              <a:rPr lang="en-US" sz="4400" b="1" dirty="0">
+                <a:ln w="6600">
+                  <a:noFill/>
+                  <a:prstDash val="solid"/>
+                </a:ln>
+                <a:solidFill>
+                  <a:srgbClr val="FFFF00"/>
+                </a:solidFill>
+              </a:rPr>
+              <a:t>(post-</a:t>
+            </a:r>
+            <a:r>
+              <a:rPr lang="en-US" sz="4400" b="1" dirty="0" err="1">
+                <a:ln w="6600">
+                  <a:noFill/>
+                  <a:prstDash val="solid"/>
+                </a:ln>
+                <a:solidFill>
+                  <a:srgbClr val="FFFF00"/>
+                </a:solidFill>
+              </a:rPr>
+              <a:t>interv</a:t>
+            </a:r>
+            <a:r>
+              <a:rPr lang="en-US" sz="4400" b="1" dirty="0">
+                <a:ln w="6600">
+                  <a:noFill/>
+                  <a:prstDash val="solid"/>
+                </a:ln>
+                <a:solidFill>
+                  <a:srgbClr val="FFFF00"/>
+                </a:solidFill>
+              </a:rPr>
+              <a:t>)</a:t>
+            </a:r>
+            <a:endParaRPr lang="he-IL" sz="4400" b="1" dirty="0">
+              <a:ln w="6600">
+                <a:noFill/>
+                <a:prstDash val="solid"/>
+              </a:ln>
+              <a:solidFill>
+                <a:srgbClr val="FFFF00"/>
+              </a:solidFill>
+            </a:endParaRPr>
+          </a:p>
+        </p:txBody>
+      </p:sp>
+      <p:sp>
+        <p:nvSpPr>
+          <p:cNvPr id="22" name="Rectangle 21">
+            <a:extLst>
+              <a:ext uri="{FF2B5EF4-FFF2-40B4-BE49-F238E27FC236}">
+                <a16:creationId xmlns:a16="http://schemas.microsoft.com/office/drawing/2014/main" id="{99EC2C5A-810C-4AEF-A1C1-AEBDB295E325}"/>
+              </a:ext>
+            </a:extLst>
+          </p:cNvPr>
+          <p:cNvSpPr/>
+          <p:nvPr/>
+        </p:nvSpPr>
+        <p:spPr>
+          <a:xfrm>
+            <a:off x="26394700" y="11726900"/>
+            <a:ext cx="4751426" cy="1689564"/>
+          </a:xfrm>
+          <a:prstGeom prst="rect">
+            <a:avLst/>
+          </a:prstGeom>
+        </p:spPr>
+        <p:style>
+          <a:lnRef idx="2">
+            <a:schemeClr val="accent5">
+              <a:shade val="50000"/>
+            </a:schemeClr>
+          </a:lnRef>
+          <a:fillRef idx="1">
+            <a:schemeClr val="accent5"/>
+          </a:fillRef>
+          <a:effectRef idx="0">
+            <a:schemeClr val="accent5"/>
+          </a:effectRef>
+          <a:fontRef idx="minor">
+            <a:schemeClr val="lt1"/>
+          </a:fontRef>
+        </p:style>
+        <p:txBody>
+          <a:bodyPr rot="0" spcFirstLastPara="0" vertOverflow="overflow" horzOverflow="overflow" vert="horz" wrap="square" lIns="91440" tIns="45720" rIns="91440" bIns="45720" numCol="1" spcCol="0" rtlCol="1" fromWordArt="0" anchor="ctr" anchorCtr="0" forceAA="0" compatLnSpc="1">
+            <a:prstTxWarp prst="textNoShape">
+              <a:avLst/>
+            </a:prstTxWarp>
+            <a:noAutofit/>
+            <a:scene3d>
+              <a:camera prst="orthographicFront"/>
+              <a:lightRig rig="soft" dir="t">
+                <a:rot lat="0" lon="0" rev="15600000"/>
+              </a:lightRig>
+            </a:scene3d>
+            <a:sp3d extrusionH="57150" prstMaterial="softEdge">
+              <a:bevelT w="25400" h="38100"/>
+            </a:sp3d>
+          </a:bodyPr>
+          <a:lstStyle/>
+          <a:p>
+            <a:pPr algn="ctr"/>
+            <a:r>
+              <a:rPr lang="en-US" sz="4000" b="1" dirty="0">
+                <a:ln w="6600">
+                  <a:noFill/>
+                  <a:prstDash val="solid"/>
+                </a:ln>
+                <a:solidFill>
+                  <a:srgbClr val="FFFF00"/>
+                </a:solidFill>
+              </a:rPr>
+              <a:t>ONE BACK DICHOTIC</a:t>
+            </a:r>
+          </a:p>
+          <a:p>
+            <a:pPr algn="ctr"/>
+            <a:r>
+              <a:rPr lang="en-US" sz="4000" b="1" dirty="0">
+                <a:ln w="6600">
+                  <a:noFill/>
+                  <a:prstDash val="solid"/>
+                </a:ln>
+                <a:solidFill>
+                  <a:srgbClr val="FFFF00"/>
+                </a:solidFill>
+              </a:rPr>
+              <a:t>STP</a:t>
+            </a:r>
+            <a:endParaRPr lang="he-IL" sz="4000" b="1" dirty="0">
+              <a:ln w="6600">
+                <a:noFill/>
+                <a:prstDash val="solid"/>
+              </a:ln>
+              <a:solidFill>
+                <a:srgbClr val="FFFF00"/>
+              </a:solidFill>
+            </a:endParaRPr>
+          </a:p>
+        </p:txBody>
+      </p:sp>
+      <p:sp>
+        <p:nvSpPr>
+          <p:cNvPr id="23" name="Oval 22">
+            <a:extLst>
+              <a:ext uri="{FF2B5EF4-FFF2-40B4-BE49-F238E27FC236}">
+                <a16:creationId xmlns:a16="http://schemas.microsoft.com/office/drawing/2014/main" id="{CB89A70B-6ABD-45BD-BF3E-FA59497937CC}"/>
+              </a:ext>
+            </a:extLst>
+          </p:cNvPr>
+          <p:cNvSpPr/>
+          <p:nvPr/>
+        </p:nvSpPr>
+        <p:spPr>
+          <a:xfrm>
+            <a:off x="643246" y="11480648"/>
+            <a:ext cx="3806118" cy="2586686"/>
+          </a:xfrm>
+          <a:prstGeom prst="ellipse">
+            <a:avLst/>
+          </a:prstGeom>
+        </p:spPr>
+        <p:style>
+          <a:lnRef idx="2">
+            <a:schemeClr val="accent6">
+              <a:shade val="50000"/>
+            </a:schemeClr>
+          </a:lnRef>
+          <a:fillRef idx="1">
+            <a:schemeClr val="accent6"/>
+          </a:fillRef>
+          <a:effectRef idx="0">
+            <a:schemeClr val="accent6"/>
+          </a:effectRef>
+          <a:fontRef idx="minor">
+            <a:schemeClr val="lt1"/>
+          </a:fontRef>
+        </p:style>
+        <p:txBody>
+          <a:bodyPr rot="0" spcFirstLastPara="0" vertOverflow="overflow" horzOverflow="overflow" vert="horz" wrap="square" lIns="91440" tIns="45720" rIns="91440" bIns="45720" numCol="1" spcCol="0" rtlCol="1" fromWordArt="0" anchor="ctr" anchorCtr="0" forceAA="0" compatLnSpc="1">
+            <a:prstTxWarp prst="textNoShape">
+              <a:avLst/>
+            </a:prstTxWarp>
+            <a:noAutofit/>
+            <a:scene3d>
+              <a:camera prst="orthographicFront"/>
+              <a:lightRig rig="soft" dir="t">
+                <a:rot lat="0" lon="0" rev="15600000"/>
+              </a:lightRig>
+            </a:scene3d>
+            <a:sp3d extrusionH="57150" prstMaterial="softEdge">
+              <a:bevelT w="25400" h="38100"/>
+            </a:sp3d>
+          </a:bodyPr>
+          <a:lstStyle/>
+          <a:p>
+            <a:pPr algn="ctr"/>
+            <a:r>
+              <a:rPr lang="en-US" sz="4800" b="1" dirty="0">
+                <a:ln/>
+                <a:solidFill>
+                  <a:schemeClr val="accent4"/>
+                </a:solidFill>
+                <a:cs typeface="+mj-cs"/>
+              </a:rPr>
+              <a:t>BMM</a:t>
+            </a:r>
+            <a:endParaRPr lang="he-IL" sz="4800" b="1" dirty="0">
+              <a:ln/>
+              <a:solidFill>
+                <a:schemeClr val="accent4"/>
+              </a:solidFill>
+              <a:cs typeface="+mj-cs"/>
+            </a:endParaRPr>
+          </a:p>
+        </p:txBody>
+      </p:sp>
+      <p:cxnSp>
+        <p:nvCxnSpPr>
+          <p:cNvPr id="24" name="Straight Arrow Connector 31">
+            <a:extLst>
+              <a:ext uri="{FF2B5EF4-FFF2-40B4-BE49-F238E27FC236}">
+                <a16:creationId xmlns:a16="http://schemas.microsoft.com/office/drawing/2014/main" id="{9EDBEFCD-37CD-48DE-93EF-2A4DB765168E}"/>
+              </a:ext>
+            </a:extLst>
+          </p:cNvPr>
+          <p:cNvCxnSpPr>
+            <a:cxnSpLocks/>
+          </p:cNvCxnSpPr>
+          <p:nvPr/>
+        </p:nvCxnSpPr>
+        <p:spPr>
+          <a:xfrm>
+            <a:off x="9738872" y="12778549"/>
+            <a:ext cx="392896" cy="0"/>
+          </a:xfrm>
+          <a:prstGeom prst="straightConnector1">
+            <a:avLst/>
+          </a:prstGeom>
+          <a:ln w="57150">
+            <a:tailEnd type="triangle"/>
+          </a:ln>
+        </p:spPr>
+        <p:style>
+          <a:lnRef idx="1">
+            <a:schemeClr val="accent2"/>
+          </a:lnRef>
+          <a:fillRef idx="0">
+            <a:schemeClr val="accent2"/>
+          </a:fillRef>
+          <a:effectRef idx="0">
+            <a:schemeClr val="accent2"/>
+          </a:effectRef>
+          <a:fontRef idx="minor">
+            <a:schemeClr val="tx1"/>
+          </a:fontRef>
+        </p:style>
+      </p:cxnSp>
+      <p:cxnSp>
+        <p:nvCxnSpPr>
+          <p:cNvPr id="25" name="Straight Arrow Connector 31">
+            <a:extLst>
+              <a:ext uri="{FF2B5EF4-FFF2-40B4-BE49-F238E27FC236}">
+                <a16:creationId xmlns:a16="http://schemas.microsoft.com/office/drawing/2014/main" id="{8ED532EF-7627-4FAF-9501-D4735BB930D2}"/>
+              </a:ext>
+            </a:extLst>
+          </p:cNvPr>
+          <p:cNvCxnSpPr>
+            <a:cxnSpLocks/>
+          </p:cNvCxnSpPr>
+          <p:nvPr/>
+        </p:nvCxnSpPr>
+        <p:spPr>
+          <a:xfrm>
+            <a:off x="14866832" y="12759476"/>
+            <a:ext cx="536945" cy="14515"/>
+          </a:xfrm>
+          <a:prstGeom prst="straightConnector1">
+            <a:avLst/>
+          </a:prstGeom>
+          <a:ln w="57150">
+            <a:tailEnd type="triangle"/>
+          </a:ln>
+        </p:spPr>
+        <p:style>
+          <a:lnRef idx="1">
+            <a:schemeClr val="accent2"/>
+          </a:lnRef>
+          <a:fillRef idx="0">
+            <a:schemeClr val="accent2"/>
+          </a:fillRef>
+          <a:effectRef idx="0">
+            <a:schemeClr val="accent2"/>
+          </a:effectRef>
+          <a:fontRef idx="minor">
+            <a:schemeClr val="tx1"/>
+          </a:fontRef>
+        </p:style>
+      </p:cxnSp>
+      <p:cxnSp>
+        <p:nvCxnSpPr>
+          <p:cNvPr id="26" name="Straight Arrow Connector 31">
+            <a:extLst>
+              <a:ext uri="{FF2B5EF4-FFF2-40B4-BE49-F238E27FC236}">
+                <a16:creationId xmlns:a16="http://schemas.microsoft.com/office/drawing/2014/main" id="{8CE026D8-52DB-4CD6-B392-8DAB38C82F29}"/>
+              </a:ext>
+            </a:extLst>
+          </p:cNvPr>
+          <p:cNvCxnSpPr>
+            <a:cxnSpLocks/>
+          </p:cNvCxnSpPr>
+          <p:nvPr/>
+        </p:nvCxnSpPr>
+        <p:spPr>
+          <a:xfrm>
+            <a:off x="20344039" y="12629778"/>
+            <a:ext cx="580315" cy="0"/>
+          </a:xfrm>
+          <a:prstGeom prst="straightConnector1">
+            <a:avLst/>
+          </a:prstGeom>
+          <a:ln w="57150">
+            <a:tailEnd type="triangle"/>
+          </a:ln>
+        </p:spPr>
+        <p:style>
+          <a:lnRef idx="1">
+            <a:schemeClr val="accent2"/>
+          </a:lnRef>
+          <a:fillRef idx="0">
+            <a:schemeClr val="accent2"/>
+          </a:fillRef>
+          <a:effectRef idx="0">
+            <a:schemeClr val="accent2"/>
+          </a:effectRef>
+          <a:fontRef idx="minor">
+            <a:schemeClr val="tx1"/>
+          </a:fontRef>
+        </p:style>
+      </p:cxnSp>
+      <p:sp>
+        <p:nvSpPr>
+          <p:cNvPr id="27" name="Rectangle 26">
+            <a:extLst>
+              <a:ext uri="{FF2B5EF4-FFF2-40B4-BE49-F238E27FC236}">
+                <a16:creationId xmlns:a16="http://schemas.microsoft.com/office/drawing/2014/main" id="{314BF6F4-7207-40B8-A2D0-ECBD56F901FD}"/>
+              </a:ext>
+            </a:extLst>
+          </p:cNvPr>
+          <p:cNvSpPr/>
+          <p:nvPr/>
+        </p:nvSpPr>
+        <p:spPr>
+          <a:xfrm>
+            <a:off x="20960864" y="14695292"/>
+            <a:ext cx="4751426" cy="1689564"/>
+          </a:xfrm>
+          <a:prstGeom prst="rect">
+            <a:avLst/>
+          </a:prstGeom>
+        </p:spPr>
+        <p:style>
+          <a:lnRef idx="2">
+            <a:schemeClr val="accent5">
+              <a:shade val="50000"/>
+            </a:schemeClr>
+          </a:lnRef>
+          <a:fillRef idx="1">
+            <a:schemeClr val="accent5"/>
+          </a:fillRef>
+          <a:effectRef idx="0">
+            <a:schemeClr val="accent5"/>
+          </a:effectRef>
+          <a:fontRef idx="minor">
+            <a:schemeClr val="lt1"/>
+          </a:fontRef>
+        </p:style>
+        <p:txBody>
+          <a:bodyPr rot="0" spcFirstLastPara="0" vertOverflow="overflow" horzOverflow="overflow" vert="horz" wrap="square" lIns="91440" tIns="45720" rIns="91440" bIns="45720" numCol="1" spcCol="0" rtlCol="1" fromWordArt="0" anchor="ctr" anchorCtr="0" forceAA="0" compatLnSpc="1">
+            <a:prstTxWarp prst="textNoShape">
+              <a:avLst/>
+            </a:prstTxWarp>
+            <a:noAutofit/>
+            <a:scene3d>
+              <a:camera prst="orthographicFront"/>
+              <a:lightRig rig="soft" dir="t">
+                <a:rot lat="0" lon="0" rev="15600000"/>
+              </a:lightRig>
+            </a:scene3d>
+            <a:sp3d extrusionH="57150" prstMaterial="softEdge">
+              <a:bevelT w="25400" h="38100"/>
+            </a:sp3d>
+          </a:bodyPr>
+          <a:lstStyle/>
+          <a:p>
+            <a:pPr algn="ctr"/>
+            <a:r>
+              <a:rPr lang="en-US" sz="4400" b="1" dirty="0">
+                <a:ln w="6600">
+                  <a:noFill/>
+                  <a:prstDash val="solid"/>
+                </a:ln>
+                <a:solidFill>
+                  <a:srgbClr val="FFFF00"/>
+                </a:solidFill>
+              </a:rPr>
+              <a:t>STP – MAB</a:t>
+            </a:r>
+          </a:p>
+        </p:txBody>
+      </p:sp>
+      <p:sp>
+        <p:nvSpPr>
+          <p:cNvPr id="28" name="Rectangle 27">
+            <a:extLst>
+              <a:ext uri="{FF2B5EF4-FFF2-40B4-BE49-F238E27FC236}">
+                <a16:creationId xmlns:a16="http://schemas.microsoft.com/office/drawing/2014/main" id="{4EBFADEF-0492-49E8-B1D8-564A0BF24003}"/>
+              </a:ext>
+            </a:extLst>
+          </p:cNvPr>
+          <p:cNvSpPr/>
+          <p:nvPr/>
+        </p:nvSpPr>
+        <p:spPr>
+          <a:xfrm>
+            <a:off x="4981759" y="14902159"/>
+            <a:ext cx="4751426" cy="1689564"/>
+          </a:xfrm>
+          <a:prstGeom prst="rect">
+            <a:avLst/>
+          </a:prstGeom>
+          <a:solidFill>
+            <a:schemeClr val="accent1">
+              <a:lumMod val="50000"/>
+            </a:schemeClr>
+          </a:solidFill>
+        </p:spPr>
+        <p:style>
+          <a:lnRef idx="2">
+            <a:schemeClr val="accent5">
+              <a:shade val="50000"/>
+            </a:schemeClr>
+          </a:lnRef>
+          <a:fillRef idx="1">
+            <a:schemeClr val="accent5"/>
+          </a:fillRef>
+          <a:effectRef idx="0">
+            <a:schemeClr val="accent5"/>
+          </a:effectRef>
+          <a:fontRef idx="minor">
+            <a:schemeClr val="lt1"/>
+          </a:fontRef>
+        </p:style>
+        <p:txBody>
+          <a:bodyPr rot="0" spcFirstLastPara="0" vertOverflow="overflow" horzOverflow="overflow" vert="horz" wrap="square" lIns="91440" tIns="45720" rIns="91440" bIns="45720" numCol="1" spcCol="0" rtlCol="1" fromWordArt="0" anchor="ctr" anchorCtr="0" forceAA="0" compatLnSpc="1">
+            <a:prstTxWarp prst="textNoShape">
+              <a:avLst/>
+            </a:prstTxWarp>
+            <a:noAutofit/>
+            <a:scene3d>
+              <a:camera prst="orthographicFront"/>
+              <a:lightRig rig="soft" dir="t">
+                <a:rot lat="0" lon="0" rev="15600000"/>
+              </a:lightRig>
+            </a:scene3d>
+            <a:sp3d extrusionH="57150" prstMaterial="softEdge">
+              <a:bevelT w="25400" h="38100"/>
+            </a:sp3d>
+          </a:bodyPr>
+          <a:lstStyle/>
+          <a:p>
+            <a:pPr algn="ctr"/>
+            <a:r>
+              <a:rPr lang="en-US" sz="4400" b="1" dirty="0">
+                <a:ln w="6600">
+                  <a:noFill/>
+                  <a:prstDash val="solid"/>
+                </a:ln>
+                <a:solidFill>
+                  <a:srgbClr val="FFFF00"/>
+                </a:solidFill>
+              </a:rPr>
+              <a:t>STP - DCT</a:t>
+            </a:r>
+          </a:p>
+          <a:p>
+            <a:pPr algn="ctr"/>
+            <a:r>
+              <a:rPr lang="en-US" sz="4400" b="1" dirty="0">
+                <a:ln w="6600">
+                  <a:noFill/>
+                  <a:prstDash val="solid"/>
+                </a:ln>
+                <a:solidFill>
+                  <a:srgbClr val="FFFF00"/>
+                </a:solidFill>
+              </a:rPr>
+              <a:t>(Baseline of bias)</a:t>
+            </a:r>
+            <a:endParaRPr lang="he-IL" sz="4400" b="1" dirty="0">
+              <a:ln w="6600">
+                <a:noFill/>
+                <a:prstDash val="solid"/>
+              </a:ln>
+              <a:solidFill>
+                <a:srgbClr val="FFFF00"/>
+              </a:solidFill>
+            </a:endParaRPr>
+          </a:p>
+        </p:txBody>
+      </p:sp>
+      <p:sp>
+        <p:nvSpPr>
+          <p:cNvPr id="29" name="Rectangle 28">
+            <a:extLst>
+              <a:ext uri="{FF2B5EF4-FFF2-40B4-BE49-F238E27FC236}">
+                <a16:creationId xmlns:a16="http://schemas.microsoft.com/office/drawing/2014/main" id="{018DAB9A-B069-40C3-93CD-CA68D68C856E}"/>
+              </a:ext>
+            </a:extLst>
+          </p:cNvPr>
+          <p:cNvSpPr/>
+          <p:nvPr/>
+        </p:nvSpPr>
+        <p:spPr>
+          <a:xfrm>
+            <a:off x="10119956" y="14902159"/>
+            <a:ext cx="4751426" cy="1689564"/>
+          </a:xfrm>
+          <a:prstGeom prst="rect">
+            <a:avLst/>
+          </a:prstGeom>
+          <a:solidFill>
+            <a:schemeClr val="accent1">
+              <a:lumMod val="50000"/>
+            </a:schemeClr>
+          </a:solidFill>
+        </p:spPr>
+        <p:style>
+          <a:lnRef idx="2">
+            <a:schemeClr val="accent5">
+              <a:shade val="50000"/>
+            </a:schemeClr>
+          </a:lnRef>
+          <a:fillRef idx="1">
+            <a:schemeClr val="accent5"/>
+          </a:fillRef>
+          <a:effectRef idx="0">
+            <a:schemeClr val="accent5"/>
+          </a:effectRef>
+          <a:fontRef idx="minor">
+            <a:schemeClr val="lt1"/>
+          </a:fontRef>
+        </p:style>
+        <p:txBody>
+          <a:bodyPr rot="0" spcFirstLastPara="0" vertOverflow="overflow" horzOverflow="overflow" vert="horz" wrap="square" lIns="91440" tIns="45720" rIns="91440" bIns="45720" numCol="1" spcCol="0" rtlCol="1" fromWordArt="0" anchor="ctr" anchorCtr="0" forceAA="0" compatLnSpc="1">
+            <a:prstTxWarp prst="textNoShape">
+              <a:avLst/>
+            </a:prstTxWarp>
+            <a:noAutofit/>
+            <a:scene3d>
+              <a:camera prst="orthographicFront"/>
+              <a:lightRig rig="soft" dir="t">
+                <a:rot lat="0" lon="0" rev="15600000"/>
+              </a:lightRig>
+            </a:scene3d>
+            <a:sp3d extrusionH="57150" prstMaterial="softEdge">
+              <a:bevelT w="25400" h="38100"/>
+            </a:sp3d>
+          </a:bodyPr>
+          <a:lstStyle/>
+          <a:p>
+            <a:pPr algn="ctr"/>
+            <a:r>
+              <a:rPr lang="en-US" sz="4400" b="1" dirty="0">
+                <a:ln w="6600">
+                  <a:noFill/>
+                  <a:prstDash val="solid"/>
+                </a:ln>
+                <a:solidFill>
+                  <a:srgbClr val="FFFF00"/>
+                </a:solidFill>
+              </a:rPr>
+              <a:t>STP-DCT</a:t>
+            </a:r>
+          </a:p>
+          <a:p>
+            <a:pPr algn="ctr"/>
+            <a:r>
+              <a:rPr lang="en-US" sz="4400" b="1" dirty="0">
+                <a:ln w="6600">
+                  <a:noFill/>
+                  <a:prstDash val="solid"/>
+                </a:ln>
+                <a:solidFill>
+                  <a:srgbClr val="FFFF00"/>
+                </a:solidFill>
+              </a:rPr>
+              <a:t>(placebo)</a:t>
+            </a:r>
+            <a:endParaRPr lang="he-IL" sz="4400" b="1" dirty="0">
+              <a:ln w="6600">
+                <a:noFill/>
+                <a:prstDash val="solid"/>
+              </a:ln>
+              <a:solidFill>
+                <a:srgbClr val="FFFF00"/>
+              </a:solidFill>
+            </a:endParaRPr>
+          </a:p>
+        </p:txBody>
+      </p:sp>
+      <p:sp>
+        <p:nvSpPr>
+          <p:cNvPr id="30" name="Rectangle 29">
+            <a:extLst>
+              <a:ext uri="{FF2B5EF4-FFF2-40B4-BE49-F238E27FC236}">
+                <a16:creationId xmlns:a16="http://schemas.microsoft.com/office/drawing/2014/main" id="{108A7E97-F045-43AE-AAF4-B4BF9FE01FDD}"/>
+              </a:ext>
+            </a:extLst>
+          </p:cNvPr>
+          <p:cNvSpPr/>
+          <p:nvPr/>
+        </p:nvSpPr>
+        <p:spPr>
+          <a:xfrm>
+            <a:off x="15440287" y="14803190"/>
+            <a:ext cx="4751426" cy="1689564"/>
+          </a:xfrm>
+          <a:prstGeom prst="rect">
+            <a:avLst/>
+          </a:prstGeom>
+        </p:spPr>
+        <p:style>
+          <a:lnRef idx="2">
+            <a:schemeClr val="accent5">
+              <a:shade val="50000"/>
+            </a:schemeClr>
+          </a:lnRef>
+          <a:fillRef idx="1">
+            <a:schemeClr val="accent5"/>
+          </a:fillRef>
+          <a:effectRef idx="0">
+            <a:schemeClr val="accent5"/>
+          </a:effectRef>
+          <a:fontRef idx="minor">
+            <a:schemeClr val="lt1"/>
+          </a:fontRef>
+        </p:style>
+        <p:txBody>
+          <a:bodyPr rot="0" spcFirstLastPara="0" vertOverflow="overflow" horzOverflow="overflow" vert="horz" wrap="square" lIns="91440" tIns="45720" rIns="91440" bIns="45720" numCol="1" spcCol="0" rtlCol="1" fromWordArt="0" anchor="ctr" anchorCtr="0" forceAA="0" compatLnSpc="1">
+            <a:prstTxWarp prst="textNoShape">
+              <a:avLst/>
+            </a:prstTxWarp>
+            <a:noAutofit/>
+            <a:scene3d>
+              <a:camera prst="orthographicFront"/>
+              <a:lightRig rig="soft" dir="t">
+                <a:rot lat="0" lon="0" rev="15600000"/>
+              </a:lightRig>
+            </a:scene3d>
+            <a:sp3d extrusionH="57150" prstMaterial="softEdge">
+              <a:bevelT w="25400" h="38100"/>
+            </a:sp3d>
+          </a:bodyPr>
+          <a:lstStyle/>
+          <a:p>
+            <a:pPr algn="ctr"/>
+            <a:r>
+              <a:rPr lang="en-US" sz="4400" b="1" dirty="0">
+                <a:ln w="6600">
+                  <a:noFill/>
+                  <a:prstDash val="solid"/>
+                </a:ln>
+                <a:solidFill>
+                  <a:srgbClr val="FFFF00"/>
+                </a:solidFill>
+              </a:rPr>
+              <a:t>STP – DCT</a:t>
+            </a:r>
+          </a:p>
+          <a:p>
+            <a:pPr algn="ctr"/>
+            <a:r>
+              <a:rPr lang="en-US" sz="4400" b="1" dirty="0">
+                <a:ln w="6600">
+                  <a:noFill/>
+                  <a:prstDash val="solid"/>
+                </a:ln>
+                <a:solidFill>
+                  <a:srgbClr val="FFFF00"/>
+                </a:solidFill>
+              </a:rPr>
+              <a:t>(post-</a:t>
+            </a:r>
+            <a:r>
+              <a:rPr lang="en-US" sz="4400" b="1" dirty="0" err="1">
+                <a:ln w="6600">
+                  <a:noFill/>
+                  <a:prstDash val="solid"/>
+                </a:ln>
+                <a:solidFill>
+                  <a:srgbClr val="FFFF00"/>
+                </a:solidFill>
+              </a:rPr>
+              <a:t>interv</a:t>
+            </a:r>
+            <a:r>
+              <a:rPr lang="en-US" sz="4400" b="1" dirty="0">
+                <a:ln w="6600">
+                  <a:noFill/>
+                  <a:prstDash val="solid"/>
+                </a:ln>
+                <a:solidFill>
+                  <a:srgbClr val="FFFF00"/>
+                </a:solidFill>
+              </a:rPr>
+              <a:t>)</a:t>
+            </a:r>
+            <a:endParaRPr lang="he-IL" sz="4400" b="1" dirty="0">
+              <a:ln w="6600">
+                <a:noFill/>
+                <a:prstDash val="solid"/>
+              </a:ln>
+              <a:solidFill>
+                <a:srgbClr val="FFFF00"/>
+              </a:solidFill>
+            </a:endParaRPr>
+          </a:p>
+        </p:txBody>
+      </p:sp>
+      <p:sp>
+        <p:nvSpPr>
+          <p:cNvPr id="31" name="Rectangle 30">
+            <a:extLst>
+              <a:ext uri="{FF2B5EF4-FFF2-40B4-BE49-F238E27FC236}">
+                <a16:creationId xmlns:a16="http://schemas.microsoft.com/office/drawing/2014/main" id="{D03FC95F-C097-4146-AA89-4C095AED5A87}"/>
+              </a:ext>
+            </a:extLst>
+          </p:cNvPr>
+          <p:cNvSpPr/>
+          <p:nvPr/>
+        </p:nvSpPr>
+        <p:spPr>
+          <a:xfrm>
+            <a:off x="26394700" y="14695292"/>
+            <a:ext cx="4751426" cy="1689564"/>
+          </a:xfrm>
+          <a:prstGeom prst="rect">
+            <a:avLst/>
+          </a:prstGeom>
+        </p:spPr>
+        <p:style>
+          <a:lnRef idx="2">
+            <a:schemeClr val="accent5">
+              <a:shade val="50000"/>
+            </a:schemeClr>
+          </a:lnRef>
+          <a:fillRef idx="1">
+            <a:schemeClr val="accent5"/>
+          </a:fillRef>
+          <a:effectRef idx="0">
+            <a:schemeClr val="accent5"/>
+          </a:effectRef>
+          <a:fontRef idx="minor">
+            <a:schemeClr val="lt1"/>
+          </a:fontRef>
+        </p:style>
+        <p:txBody>
+          <a:bodyPr rot="0" spcFirstLastPara="0" vertOverflow="overflow" horzOverflow="overflow" vert="horz" wrap="square" lIns="91440" tIns="45720" rIns="91440" bIns="45720" numCol="1" spcCol="0" rtlCol="1" fromWordArt="0" anchor="ctr" anchorCtr="0" forceAA="0" compatLnSpc="1">
+            <a:prstTxWarp prst="textNoShape">
+              <a:avLst/>
+            </a:prstTxWarp>
+            <a:noAutofit/>
+            <a:scene3d>
+              <a:camera prst="orthographicFront"/>
+              <a:lightRig rig="soft" dir="t">
+                <a:rot lat="0" lon="0" rev="15600000"/>
+              </a:lightRig>
+            </a:scene3d>
+            <a:sp3d extrusionH="57150" prstMaterial="softEdge">
+              <a:bevelT w="25400" h="38100"/>
+            </a:sp3d>
+          </a:bodyPr>
+          <a:lstStyle/>
+          <a:p>
+            <a:pPr algn="ctr"/>
+            <a:r>
+              <a:rPr lang="en-US" sz="4000" b="1" dirty="0">
+                <a:ln w="6600">
+                  <a:noFill/>
+                  <a:prstDash val="solid"/>
+                </a:ln>
+                <a:solidFill>
+                  <a:srgbClr val="FFFF00"/>
+                </a:solidFill>
+              </a:rPr>
+              <a:t>ONE BACK DICHOTIC</a:t>
+            </a:r>
+          </a:p>
+          <a:p>
+            <a:pPr algn="ctr"/>
+            <a:r>
+              <a:rPr lang="en-US" sz="4000" b="1" dirty="0">
+                <a:ln w="6600">
+                  <a:noFill/>
+                  <a:prstDash val="solid"/>
+                </a:ln>
+                <a:solidFill>
+                  <a:srgbClr val="FFFF00"/>
+                </a:solidFill>
+              </a:rPr>
+              <a:t>STP</a:t>
+            </a:r>
+            <a:endParaRPr lang="he-IL" sz="4000" b="1" dirty="0">
+              <a:ln w="6600">
+                <a:noFill/>
+                <a:prstDash val="solid"/>
+              </a:ln>
+              <a:solidFill>
+                <a:srgbClr val="FFFF00"/>
+              </a:solidFill>
+            </a:endParaRPr>
+          </a:p>
+        </p:txBody>
+      </p:sp>
+      <p:sp>
+        <p:nvSpPr>
+          <p:cNvPr id="32" name="Oval 31">
+            <a:extLst>
+              <a:ext uri="{FF2B5EF4-FFF2-40B4-BE49-F238E27FC236}">
+                <a16:creationId xmlns:a16="http://schemas.microsoft.com/office/drawing/2014/main" id="{95B29487-4404-4711-985D-943F5EB0CBE7}"/>
+              </a:ext>
+            </a:extLst>
+          </p:cNvPr>
+          <p:cNvSpPr/>
+          <p:nvPr/>
+        </p:nvSpPr>
+        <p:spPr>
+          <a:xfrm>
+            <a:off x="643246" y="14449040"/>
+            <a:ext cx="3806118" cy="2586686"/>
+          </a:xfrm>
+          <a:prstGeom prst="ellipse">
+            <a:avLst/>
+          </a:prstGeom>
+        </p:spPr>
+        <p:style>
+          <a:lnRef idx="2">
+            <a:schemeClr val="accent6">
+              <a:shade val="50000"/>
+            </a:schemeClr>
+          </a:lnRef>
+          <a:fillRef idx="1">
+            <a:schemeClr val="accent6"/>
+          </a:fillRef>
+          <a:effectRef idx="0">
+            <a:schemeClr val="accent6"/>
+          </a:effectRef>
+          <a:fontRef idx="minor">
+            <a:schemeClr val="lt1"/>
+          </a:fontRef>
+        </p:style>
+        <p:txBody>
+          <a:bodyPr rot="0" spcFirstLastPara="0" vertOverflow="overflow" horzOverflow="overflow" vert="horz" wrap="square" lIns="91440" tIns="45720" rIns="91440" bIns="45720" numCol="1" spcCol="0" rtlCol="1" fromWordArt="0" anchor="ctr" anchorCtr="0" forceAA="0" compatLnSpc="1">
+            <a:prstTxWarp prst="textNoShape">
+              <a:avLst/>
+            </a:prstTxWarp>
+            <a:noAutofit/>
+            <a:scene3d>
+              <a:camera prst="orthographicFront"/>
+              <a:lightRig rig="soft" dir="t">
+                <a:rot lat="0" lon="0" rev="15600000"/>
+              </a:lightRig>
+            </a:scene3d>
+            <a:sp3d extrusionH="57150" prstMaterial="softEdge">
+              <a:bevelT w="25400" h="38100"/>
+            </a:sp3d>
+          </a:bodyPr>
+          <a:lstStyle/>
+          <a:p>
+            <a:pPr algn="ctr"/>
+            <a:r>
+              <a:rPr lang="en-US" sz="4800" b="1" dirty="0">
+                <a:ln/>
+                <a:solidFill>
+                  <a:schemeClr val="accent4"/>
+                </a:solidFill>
+                <a:cs typeface="+mj-cs"/>
+              </a:rPr>
+              <a:t>Control</a:t>
+            </a:r>
+            <a:endParaRPr lang="he-IL" sz="4800" b="1" dirty="0">
+              <a:ln/>
+              <a:solidFill>
+                <a:schemeClr val="accent4"/>
+              </a:solidFill>
+              <a:cs typeface="+mj-cs"/>
+            </a:endParaRPr>
+          </a:p>
+        </p:txBody>
+      </p:sp>
+      <p:cxnSp>
+        <p:nvCxnSpPr>
+          <p:cNvPr id="33" name="Straight Arrow Connector 31">
+            <a:extLst>
+              <a:ext uri="{FF2B5EF4-FFF2-40B4-BE49-F238E27FC236}">
+                <a16:creationId xmlns:a16="http://schemas.microsoft.com/office/drawing/2014/main" id="{0EA42FD3-2E9B-448E-8914-15752BB1E0D5}"/>
+              </a:ext>
+            </a:extLst>
+          </p:cNvPr>
+          <p:cNvCxnSpPr>
+            <a:cxnSpLocks/>
+          </p:cNvCxnSpPr>
+          <p:nvPr/>
+        </p:nvCxnSpPr>
+        <p:spPr>
+          <a:xfrm>
+            <a:off x="9738872" y="15746941"/>
+            <a:ext cx="392896" cy="0"/>
+          </a:xfrm>
+          <a:prstGeom prst="straightConnector1">
+            <a:avLst/>
+          </a:prstGeom>
+          <a:ln w="57150">
+            <a:tailEnd type="triangle"/>
+          </a:ln>
+        </p:spPr>
+        <p:style>
+          <a:lnRef idx="1">
+            <a:schemeClr val="accent2"/>
+          </a:lnRef>
+          <a:fillRef idx="0">
+            <a:schemeClr val="accent2"/>
+          </a:fillRef>
+          <a:effectRef idx="0">
+            <a:schemeClr val="accent2"/>
+          </a:effectRef>
+          <a:fontRef idx="minor">
+            <a:schemeClr val="tx1"/>
+          </a:fontRef>
+        </p:style>
+      </p:cxnSp>
+      <p:cxnSp>
+        <p:nvCxnSpPr>
+          <p:cNvPr id="34" name="Straight Arrow Connector 31">
+            <a:extLst>
+              <a:ext uri="{FF2B5EF4-FFF2-40B4-BE49-F238E27FC236}">
+                <a16:creationId xmlns:a16="http://schemas.microsoft.com/office/drawing/2014/main" id="{3F6A44AA-665B-4157-B6CA-C71A7D040592}"/>
+              </a:ext>
+            </a:extLst>
+          </p:cNvPr>
+          <p:cNvCxnSpPr>
+            <a:cxnSpLocks/>
+          </p:cNvCxnSpPr>
+          <p:nvPr/>
+        </p:nvCxnSpPr>
+        <p:spPr>
+          <a:xfrm>
+            <a:off x="14866832" y="15727868"/>
+            <a:ext cx="536945" cy="14515"/>
+          </a:xfrm>
+          <a:prstGeom prst="straightConnector1">
+            <a:avLst/>
+          </a:prstGeom>
+          <a:ln w="57150">
+            <a:tailEnd type="triangle"/>
+          </a:ln>
+        </p:spPr>
+        <p:style>
+          <a:lnRef idx="1">
+            <a:schemeClr val="accent2"/>
+          </a:lnRef>
+          <a:fillRef idx="0">
+            <a:schemeClr val="accent2"/>
+          </a:fillRef>
+          <a:effectRef idx="0">
+            <a:schemeClr val="accent2"/>
+          </a:effectRef>
+          <a:fontRef idx="minor">
+            <a:schemeClr val="tx1"/>
+          </a:fontRef>
+        </p:style>
+      </p:cxnSp>
+      <p:cxnSp>
+        <p:nvCxnSpPr>
+          <p:cNvPr id="35" name="Straight Arrow Connector 31">
+            <a:extLst>
+              <a:ext uri="{FF2B5EF4-FFF2-40B4-BE49-F238E27FC236}">
+                <a16:creationId xmlns:a16="http://schemas.microsoft.com/office/drawing/2014/main" id="{64FD508F-6A6F-40EC-95C1-776712007EA3}"/>
+              </a:ext>
+            </a:extLst>
+          </p:cNvPr>
+          <p:cNvCxnSpPr>
+            <a:cxnSpLocks/>
+          </p:cNvCxnSpPr>
+          <p:nvPr/>
+        </p:nvCxnSpPr>
+        <p:spPr>
+          <a:xfrm>
+            <a:off x="20344039" y="15598170"/>
+            <a:ext cx="580315" cy="0"/>
+          </a:xfrm>
+          <a:prstGeom prst="straightConnector1">
+            <a:avLst/>
+          </a:prstGeom>
+          <a:ln w="57150">
+            <a:tailEnd type="triangle"/>
+          </a:ln>
+        </p:spPr>
+        <p:style>
+          <a:lnRef idx="1">
+            <a:schemeClr val="accent2"/>
+          </a:lnRef>
+          <a:fillRef idx="0">
+            <a:schemeClr val="accent2"/>
+          </a:fillRef>
+          <a:effectRef idx="0">
+            <a:schemeClr val="accent2"/>
+          </a:effectRef>
+          <a:fontRef idx="minor">
+            <a:schemeClr val="tx1"/>
+          </a:fontRef>
+        </p:style>
+      </p:cxnSp>
+      <p:cxnSp>
+        <p:nvCxnSpPr>
+          <p:cNvPr id="36" name="Straight Arrow Connector 31">
+            <a:extLst>
+              <a:ext uri="{FF2B5EF4-FFF2-40B4-BE49-F238E27FC236}">
+                <a16:creationId xmlns:a16="http://schemas.microsoft.com/office/drawing/2014/main" id="{B6FE8C45-2626-4AA3-BFEC-4C5B7875D0F1}"/>
+              </a:ext>
+            </a:extLst>
+          </p:cNvPr>
+          <p:cNvCxnSpPr>
+            <a:cxnSpLocks/>
+          </p:cNvCxnSpPr>
+          <p:nvPr/>
+        </p:nvCxnSpPr>
+        <p:spPr>
+          <a:xfrm>
+            <a:off x="25814385" y="9711188"/>
+            <a:ext cx="580315" cy="0"/>
+          </a:xfrm>
+          <a:prstGeom prst="straightConnector1">
+            <a:avLst/>
+          </a:prstGeom>
+          <a:ln w="57150">
+            <a:tailEnd type="triangle"/>
+          </a:ln>
+        </p:spPr>
+        <p:style>
+          <a:lnRef idx="1">
+            <a:schemeClr val="accent2"/>
+          </a:lnRef>
+          <a:fillRef idx="0">
+            <a:schemeClr val="accent2"/>
+          </a:fillRef>
+          <a:effectRef idx="0">
+            <a:schemeClr val="accent2"/>
+          </a:effectRef>
+          <a:fontRef idx="minor">
+            <a:schemeClr val="tx1"/>
+          </a:fontRef>
+        </p:style>
+      </p:cxnSp>
+      <p:cxnSp>
+        <p:nvCxnSpPr>
+          <p:cNvPr id="37" name="Straight Arrow Connector 31">
+            <a:extLst>
+              <a:ext uri="{FF2B5EF4-FFF2-40B4-BE49-F238E27FC236}">
+                <a16:creationId xmlns:a16="http://schemas.microsoft.com/office/drawing/2014/main" id="{26E468FD-91ED-4EDD-895E-98C4014DCD51}"/>
+              </a:ext>
+            </a:extLst>
+          </p:cNvPr>
+          <p:cNvCxnSpPr>
+            <a:cxnSpLocks/>
+          </p:cNvCxnSpPr>
+          <p:nvPr/>
+        </p:nvCxnSpPr>
+        <p:spPr>
+          <a:xfrm>
+            <a:off x="25814385" y="12679580"/>
+            <a:ext cx="580315" cy="0"/>
+          </a:xfrm>
+          <a:prstGeom prst="straightConnector1">
+            <a:avLst/>
+          </a:prstGeom>
+          <a:ln w="57150">
+            <a:tailEnd type="triangle"/>
+          </a:ln>
+        </p:spPr>
+        <p:style>
+          <a:lnRef idx="1">
+            <a:schemeClr val="accent2"/>
+          </a:lnRef>
+          <a:fillRef idx="0">
+            <a:schemeClr val="accent2"/>
+          </a:fillRef>
+          <a:effectRef idx="0">
+            <a:schemeClr val="accent2"/>
+          </a:effectRef>
+          <a:fontRef idx="minor">
+            <a:schemeClr val="tx1"/>
+          </a:fontRef>
+        </p:style>
+      </p:cxnSp>
+      <p:cxnSp>
+        <p:nvCxnSpPr>
+          <p:cNvPr id="38" name="Straight Arrow Connector 31">
+            <a:extLst>
+              <a:ext uri="{FF2B5EF4-FFF2-40B4-BE49-F238E27FC236}">
+                <a16:creationId xmlns:a16="http://schemas.microsoft.com/office/drawing/2014/main" id="{86AC7335-87F2-4C72-8D1E-4CB6F8144EF4}"/>
+              </a:ext>
+            </a:extLst>
+          </p:cNvPr>
+          <p:cNvCxnSpPr>
+            <a:cxnSpLocks/>
+          </p:cNvCxnSpPr>
+          <p:nvPr/>
+        </p:nvCxnSpPr>
+        <p:spPr>
+          <a:xfrm>
+            <a:off x="25814385" y="15647972"/>
+            <a:ext cx="580315" cy="0"/>
+          </a:xfrm>
+          <a:prstGeom prst="straightConnector1">
+            <a:avLst/>
+          </a:prstGeom>
+          <a:ln w="57150">
+            <a:tailEnd type="triangle"/>
+          </a:ln>
+        </p:spPr>
+        <p:style>
+          <a:lnRef idx="1">
+            <a:schemeClr val="accent2"/>
+          </a:lnRef>
+          <a:fillRef idx="0">
+            <a:schemeClr val="accent2"/>
+          </a:fillRef>
+          <a:effectRef idx="0">
+            <a:schemeClr val="accent2"/>
+          </a:effectRef>
+          <a:fontRef idx="minor">
+            <a:schemeClr val="tx1"/>
+          </a:fontRef>
+        </p:style>
+      </p:cxnSp>
+      <p:sp>
+        <p:nvSpPr>
+          <p:cNvPr id="39" name="Rectangle 38">
+            <a:extLst>
+              <a:ext uri="{FF2B5EF4-FFF2-40B4-BE49-F238E27FC236}">
+                <a16:creationId xmlns:a16="http://schemas.microsoft.com/office/drawing/2014/main" id="{4E1E7A33-4A0C-4E22-AC26-669621538429}"/>
+              </a:ext>
+            </a:extLst>
+          </p:cNvPr>
+          <p:cNvSpPr/>
+          <p:nvPr/>
+        </p:nvSpPr>
+        <p:spPr>
+          <a:xfrm>
+            <a:off x="4981758" y="4394795"/>
+            <a:ext cx="4751427" cy="4089256"/>
+          </a:xfrm>
+          <a:prstGeom prst="rect">
+            <a:avLst/>
+          </a:prstGeom>
+          <a:solidFill>
+            <a:schemeClr val="accent2"/>
+          </a:solidFill>
+        </p:spPr>
+        <p:style>
+          <a:lnRef idx="2">
+            <a:schemeClr val="accent5">
+              <a:shade val="50000"/>
+            </a:schemeClr>
+          </a:lnRef>
+          <a:fillRef idx="1">
+            <a:schemeClr val="accent5"/>
+          </a:fillRef>
+          <a:effectRef idx="0">
+            <a:schemeClr val="accent5"/>
+          </a:effectRef>
+          <a:fontRef idx="minor">
+            <a:schemeClr val="lt1"/>
+          </a:fontRef>
+        </p:style>
+        <p:txBody>
+          <a:bodyPr rot="0" spcFirstLastPara="0" vertOverflow="overflow" horzOverflow="overflow" vert="horz" wrap="square" lIns="91440" tIns="45720" rIns="91440" bIns="45720" numCol="1" spcCol="0" rtlCol="1" fromWordArt="0" anchor="ctr" anchorCtr="0" forceAA="0" compatLnSpc="1">
+            <a:prstTxWarp prst="textNoShape">
+              <a:avLst/>
+            </a:prstTxWarp>
+            <a:noAutofit/>
+            <a:scene3d>
+              <a:camera prst="orthographicFront"/>
+              <a:lightRig rig="soft" dir="t">
+                <a:rot lat="0" lon="0" rev="15600000"/>
+              </a:lightRig>
+            </a:scene3d>
+            <a:sp3d extrusionH="57150" prstMaterial="softEdge">
+              <a:bevelT w="25400" h="38100"/>
+            </a:sp3d>
+          </a:bodyPr>
+          <a:lstStyle/>
+          <a:p>
+            <a:r>
+              <a:rPr lang="en-US" sz="4400" b="1" dirty="0">
+                <a:ln w="6600">
+                  <a:noFill/>
+                  <a:prstDash val="solid"/>
+                </a:ln>
+                <a:solidFill>
+                  <a:schemeClr val="bg1"/>
+                </a:solidFill>
+              </a:rPr>
+              <a:t>20 trials:</a:t>
+            </a:r>
+          </a:p>
+          <a:p>
+            <a:pPr marL="571500" indent="-571500">
+              <a:buFontTx/>
+              <a:buChar char="-"/>
             </a:pPr>
             <a:r>
-              <a:rPr lang="en-GB" b="1" dirty="0"/>
-              <a:t>Development</a:t>
-            </a:r>
-            <a:r>
-              <a:rPr lang="en-GB" dirty="0"/>
-              <a:t> </a:t>
-            </a:r>
-          </a:p>
-          <a:p>
-            <a:pPr lvl="1" algn="l" rtl="0">
-              <a:lnSpc>
-                <a:spcPct val="160000"/>
-              </a:lnSpc>
+              <a:rPr lang="en-US" sz="4400" b="1" dirty="0">
+                <a:ln w="6600">
+                  <a:noFill/>
+                  <a:prstDash val="solid"/>
+                </a:ln>
+                <a:solidFill>
+                  <a:schemeClr val="bg1"/>
+                </a:solidFill>
+              </a:rPr>
+              <a:t>10 (-)</a:t>
+            </a:r>
+          </a:p>
+          <a:p>
+            <a:pPr marL="571500" indent="-571500">
+              <a:buFontTx/>
+              <a:buChar char="-"/>
             </a:pPr>
             <a:r>
-              <a:rPr lang="en-GB" dirty="0"/>
-              <a:t>Trials-sentences repetition - decision</a:t>
-            </a:r>
-          </a:p>
-          <a:p>
-            <a:pPr lvl="2" algn="l" rtl="0">
-              <a:lnSpc>
-                <a:spcPct val="160000"/>
-              </a:lnSpc>
+              <a:rPr lang="en-US" sz="4400" b="1" dirty="0">
+                <a:ln w="6600">
+                  <a:noFill/>
+                  <a:prstDash val="solid"/>
+                </a:ln>
+                <a:solidFill>
+                  <a:schemeClr val="bg1"/>
+                </a:solidFill>
+              </a:rPr>
+              <a:t>10 (+)</a:t>
+            </a:r>
+          </a:p>
+          <a:p>
+            <a:r>
+              <a:rPr lang="en-US" sz="4400" b="1" dirty="0">
+                <a:ln w="6600">
+                  <a:noFill/>
+                  <a:prstDash val="solid"/>
+                </a:ln>
+                <a:solidFill>
+                  <a:schemeClr val="bg1"/>
+                </a:solidFill>
+              </a:rPr>
+              <a:t>5 unique – 2 repetition</a:t>
+            </a:r>
+          </a:p>
+          <a:p>
+            <a:pPr marL="571500" indent="-571500">
+              <a:buFontTx/>
+              <a:buChar char="-"/>
             </a:pPr>
-            <a:r>
-              <a:rPr lang="en-GB" strike="sngStrike" dirty="0" smtClean="0"/>
-              <a:t>Implementation </a:t>
-            </a:r>
-            <a:r>
-              <a:rPr lang="en-GB" dirty="0" smtClean="0"/>
-              <a:t> </a:t>
-            </a:r>
-            <a:endParaRPr lang="en-GB" dirty="0">
-              <a:sym typeface="Wingdings" panose="05000000000000000000" pitchFamily="2" charset="2"/>
+            <a:endParaRPr lang="he-IL" sz="4400" b="1" dirty="0">
+              <a:ln w="6600">
+                <a:noFill/>
+                <a:prstDash val="solid"/>
+              </a:ln>
+              <a:solidFill>
+                <a:schemeClr val="bg1"/>
+              </a:solidFill>
             </a:endParaRPr>
           </a:p>
-          <a:p>
-            <a:pPr lvl="2" algn="l" rtl="0">
-              <a:lnSpc>
-                <a:spcPct val="160000"/>
-              </a:lnSpc>
+        </p:txBody>
+      </p:sp>
+      <p:sp>
+        <p:nvSpPr>
+          <p:cNvPr id="40" name="Rectangle 39">
+            <a:extLst>
+              <a:ext uri="{FF2B5EF4-FFF2-40B4-BE49-F238E27FC236}">
+                <a16:creationId xmlns:a16="http://schemas.microsoft.com/office/drawing/2014/main" id="{532D79E1-8852-4915-B04E-7C616C0168DC}"/>
+              </a:ext>
+            </a:extLst>
+          </p:cNvPr>
+          <p:cNvSpPr/>
+          <p:nvPr/>
+        </p:nvSpPr>
+        <p:spPr>
+          <a:xfrm>
+            <a:off x="15633673" y="5020079"/>
+            <a:ext cx="4751427" cy="3449385"/>
+          </a:xfrm>
+          <a:prstGeom prst="rect">
+            <a:avLst/>
+          </a:prstGeom>
+          <a:solidFill>
+            <a:schemeClr val="accent2"/>
+          </a:solidFill>
+        </p:spPr>
+        <p:style>
+          <a:lnRef idx="2">
+            <a:schemeClr val="accent5">
+              <a:shade val="50000"/>
+            </a:schemeClr>
+          </a:lnRef>
+          <a:fillRef idx="1">
+            <a:schemeClr val="accent5"/>
+          </a:fillRef>
+          <a:effectRef idx="0">
+            <a:schemeClr val="accent5"/>
+          </a:effectRef>
+          <a:fontRef idx="minor">
+            <a:schemeClr val="lt1"/>
+          </a:fontRef>
+        </p:style>
+        <p:txBody>
+          <a:bodyPr rot="0" spcFirstLastPara="0" vertOverflow="overflow" horzOverflow="overflow" vert="horz" wrap="square" lIns="91440" tIns="45720" rIns="91440" bIns="45720" numCol="1" spcCol="0" rtlCol="1" fromWordArt="0" anchor="ctr" anchorCtr="0" forceAA="0" compatLnSpc="1">
+            <a:prstTxWarp prst="textNoShape">
+              <a:avLst/>
+            </a:prstTxWarp>
+            <a:noAutofit/>
+            <a:scene3d>
+              <a:camera prst="orthographicFront"/>
+              <a:lightRig rig="soft" dir="t">
+                <a:rot lat="0" lon="0" rev="15600000"/>
+              </a:lightRig>
+            </a:scene3d>
+            <a:sp3d extrusionH="57150" prstMaterial="softEdge">
+              <a:bevelT w="25400" h="38100"/>
+            </a:sp3d>
+          </a:bodyPr>
+          <a:lstStyle/>
+          <a:p>
+            <a:r>
+              <a:rPr lang="en-US" sz="4400" b="1" dirty="0">
+                <a:ln w="6600">
+                  <a:noFill/>
+                  <a:prstDash val="solid"/>
+                </a:ln>
+                <a:solidFill>
+                  <a:schemeClr val="bg1"/>
+                </a:solidFill>
+              </a:rPr>
+              <a:t>20 trials:</a:t>
+            </a:r>
+          </a:p>
+          <a:p>
+            <a:pPr marL="571500" indent="-571500">
+              <a:buFontTx/>
+              <a:buChar char="-"/>
             </a:pPr>
             <a:r>
-              <a:rPr lang="en-GB" dirty="0" smtClean="0">
-                <a:sym typeface="Wingdings" panose="05000000000000000000" pitchFamily="2" charset="2"/>
-              </a:rPr>
-              <a:t>decision is still needed but implementation is automatic</a:t>
-            </a:r>
-            <a:endParaRPr lang="en-GB" strike="sngStrike" dirty="0"/>
-          </a:p>
-          <a:p>
-            <a:pPr lvl="1" algn="l" rtl="0">
-              <a:lnSpc>
-                <a:spcPct val="160000"/>
-              </a:lnSpc>
+              <a:rPr lang="en-US" sz="4400" b="1" dirty="0">
+                <a:ln w="6600">
+                  <a:noFill/>
+                  <a:prstDash val="solid"/>
+                </a:ln>
+                <a:solidFill>
+                  <a:schemeClr val="bg1"/>
+                </a:solidFill>
+              </a:rPr>
+              <a:t>10 (-)</a:t>
+            </a:r>
+          </a:p>
+          <a:p>
+            <a:pPr marL="571500" indent="-571500">
+              <a:buFontTx/>
+              <a:buChar char="-"/>
             </a:pPr>
             <a:r>
-              <a:rPr lang="en-GB" dirty="0" smtClean="0"/>
-              <a:t>Emotional reactivity development</a:t>
-            </a:r>
-          </a:p>
-          <a:p>
-            <a:pPr lvl="2" algn="l" rtl="0">
-              <a:lnSpc>
-                <a:spcPct val="160000"/>
-              </a:lnSpc>
+              <a:rPr lang="en-US" sz="4400" b="1" dirty="0">
+                <a:ln w="6600">
+                  <a:noFill/>
+                  <a:prstDash val="solid"/>
+                </a:ln>
+                <a:solidFill>
+                  <a:schemeClr val="bg1"/>
+                </a:solidFill>
+              </a:rPr>
+              <a:t>10 (+)</a:t>
+            </a:r>
+          </a:p>
+          <a:p>
+            <a:r>
+              <a:rPr lang="en-US" sz="4400" b="1" dirty="0">
+                <a:ln w="6600">
+                  <a:noFill/>
+                  <a:prstDash val="solid"/>
+                </a:ln>
+                <a:solidFill>
+                  <a:schemeClr val="bg1"/>
+                </a:solidFill>
+              </a:rPr>
+              <a:t>5 unique – 2 repetition</a:t>
+            </a:r>
+          </a:p>
+        </p:txBody>
+      </p:sp>
+      <p:sp>
+        <p:nvSpPr>
+          <p:cNvPr id="41" name="Rectangle 40">
+            <a:extLst>
+              <a:ext uri="{FF2B5EF4-FFF2-40B4-BE49-F238E27FC236}">
+                <a16:creationId xmlns:a16="http://schemas.microsoft.com/office/drawing/2014/main" id="{18CFCB81-5FA7-44F6-994C-8C38F4AE7B06}"/>
+              </a:ext>
+            </a:extLst>
+          </p:cNvPr>
+          <p:cNvSpPr/>
+          <p:nvPr/>
+        </p:nvSpPr>
+        <p:spPr>
+          <a:xfrm>
+            <a:off x="10287185" y="2275742"/>
+            <a:ext cx="4751427" cy="5124581"/>
+          </a:xfrm>
+          <a:prstGeom prst="rect">
+            <a:avLst/>
+          </a:prstGeom>
+          <a:solidFill>
+            <a:schemeClr val="accent2"/>
+          </a:solidFill>
+        </p:spPr>
+        <p:style>
+          <a:lnRef idx="2">
+            <a:schemeClr val="accent5">
+              <a:shade val="50000"/>
+            </a:schemeClr>
+          </a:lnRef>
+          <a:fillRef idx="1">
+            <a:schemeClr val="accent5"/>
+          </a:fillRef>
+          <a:effectRef idx="0">
+            <a:schemeClr val="accent5"/>
+          </a:effectRef>
+          <a:fontRef idx="minor">
+            <a:schemeClr val="lt1"/>
+          </a:fontRef>
+        </p:style>
+        <p:txBody>
+          <a:bodyPr rot="0" spcFirstLastPara="0" vertOverflow="overflow" horzOverflow="overflow" vert="horz" wrap="square" lIns="91440" tIns="45720" rIns="91440" bIns="45720" numCol="1" spcCol="0" rtlCol="1" fromWordArt="0" anchor="ctr" anchorCtr="0" forceAA="0" compatLnSpc="1">
+            <a:prstTxWarp prst="textNoShape">
+              <a:avLst/>
+            </a:prstTxWarp>
+            <a:noAutofit/>
+            <a:scene3d>
+              <a:camera prst="orthographicFront"/>
+              <a:lightRig rig="soft" dir="t">
+                <a:rot lat="0" lon="0" rev="15600000"/>
+              </a:lightRig>
+            </a:scene3d>
+            <a:sp3d extrusionH="57150" prstMaterial="softEdge">
+              <a:bevelT w="25400" h="38100"/>
+            </a:sp3d>
+          </a:bodyPr>
+          <a:lstStyle/>
+          <a:p>
+            <a:r>
+              <a:rPr lang="en-US" sz="4400" b="1" dirty="0">
+                <a:ln w="6600">
+                  <a:noFill/>
+                  <a:prstDash val="solid"/>
+                </a:ln>
+                <a:solidFill>
+                  <a:schemeClr val="bg1"/>
+                </a:solidFill>
+              </a:rPr>
+              <a:t>80 trials:</a:t>
+            </a:r>
+          </a:p>
+          <a:p>
+            <a:pPr marL="571500" indent="-571500">
+              <a:buFontTx/>
+              <a:buChar char="-"/>
             </a:pPr>
             <a:r>
-              <a:rPr lang="en-GB" dirty="0" smtClean="0"/>
-              <a:t>Data saving</a:t>
-            </a:r>
-          </a:p>
-          <a:p>
-            <a:pPr lvl="1" algn="l" rtl="0">
-              <a:lnSpc>
-                <a:spcPct val="160000"/>
-              </a:lnSpc>
+              <a:rPr lang="en-US" sz="4400" b="1" dirty="0">
+                <a:ln w="6600">
+                  <a:noFill/>
+                  <a:prstDash val="solid"/>
+                </a:ln>
+                <a:solidFill>
+                  <a:schemeClr val="bg1"/>
+                </a:solidFill>
+              </a:rPr>
+              <a:t>20 (-)</a:t>
+            </a:r>
+          </a:p>
+          <a:p>
+            <a:pPr marL="571500" indent="-571500">
+              <a:buFontTx/>
+              <a:buChar char="-"/>
             </a:pPr>
             <a:r>
-              <a:rPr lang="en-GB" dirty="0" err="1" smtClean="0"/>
-              <a:t>Dct</a:t>
-            </a:r>
-            <a:r>
-              <a:rPr lang="en-GB" dirty="0" smtClean="0"/>
-              <a:t>-replacement </a:t>
-            </a:r>
-            <a:r>
-              <a:rPr lang="en-GB" dirty="0"/>
-              <a:t>task - decision</a:t>
-            </a:r>
-          </a:p>
-          <a:p>
-            <a:pPr lvl="2" algn="l" rtl="0">
-              <a:lnSpc>
-                <a:spcPct val="160000"/>
-              </a:lnSpc>
+              <a:rPr lang="en-US" sz="4400" b="1" dirty="0">
+                <a:ln w="6600">
+                  <a:noFill/>
+                  <a:prstDash val="solid"/>
+                </a:ln>
+                <a:solidFill>
+                  <a:schemeClr val="bg1"/>
+                </a:solidFill>
+              </a:rPr>
+              <a:t>20 (~)</a:t>
+            </a:r>
+          </a:p>
+          <a:p>
+            <a:r>
+              <a:rPr lang="en-US" sz="4400" b="1" dirty="0">
+                <a:ln w="6600">
+                  <a:noFill/>
+                  <a:prstDash val="solid"/>
+                </a:ln>
+                <a:solidFill>
+                  <a:schemeClr val="bg1"/>
+                </a:solidFill>
+              </a:rPr>
+              <a:t>15 unique + 5 from pre - 2 repetition</a:t>
+            </a:r>
+          </a:p>
+          <a:p>
+            <a:r>
+              <a:rPr lang="en-US" sz="4400" b="1" dirty="0">
+                <a:ln w="6600">
+                  <a:noFill/>
+                  <a:prstDash val="solid"/>
+                </a:ln>
+                <a:solidFill>
+                  <a:schemeClr val="bg1"/>
+                </a:solidFill>
+              </a:rPr>
+              <a:t>(personalized)</a:t>
+            </a:r>
+          </a:p>
+          <a:p>
+            <a:r>
+              <a:rPr lang="en-US" sz="4400" b="1" dirty="0">
+                <a:ln w="6600">
+                  <a:noFill/>
+                  <a:prstDash val="solid"/>
+                </a:ln>
+                <a:solidFill>
+                  <a:schemeClr val="bg1"/>
+                </a:solidFill>
+              </a:rPr>
+              <a:t>(also a measure)</a:t>
+            </a:r>
+          </a:p>
+          <a:p>
+            <a:endParaRPr lang="he-IL" sz="4400" b="1" dirty="0">
+              <a:ln w="6600">
+                <a:noFill/>
+                <a:prstDash val="solid"/>
+              </a:ln>
+              <a:solidFill>
+                <a:schemeClr val="bg1"/>
+              </a:solidFill>
+            </a:endParaRPr>
+          </a:p>
+        </p:txBody>
+      </p:sp>
+      <p:sp>
+        <p:nvSpPr>
+          <p:cNvPr id="42" name="Rectangle 41">
+            <a:extLst>
+              <a:ext uri="{FF2B5EF4-FFF2-40B4-BE49-F238E27FC236}">
+                <a16:creationId xmlns:a16="http://schemas.microsoft.com/office/drawing/2014/main" id="{DB1C9C95-A687-4CA4-B22D-3AAB814AD3CD}"/>
+              </a:ext>
+            </a:extLst>
+          </p:cNvPr>
+          <p:cNvSpPr/>
+          <p:nvPr/>
+        </p:nvSpPr>
+        <p:spPr>
+          <a:xfrm>
+            <a:off x="21062958" y="2952752"/>
+            <a:ext cx="4751427" cy="5531300"/>
+          </a:xfrm>
+          <a:prstGeom prst="rect">
+            <a:avLst/>
+          </a:prstGeom>
+          <a:solidFill>
+            <a:schemeClr val="accent2"/>
+          </a:solidFill>
+        </p:spPr>
+        <p:style>
+          <a:lnRef idx="2">
+            <a:schemeClr val="accent5">
+              <a:shade val="50000"/>
+            </a:schemeClr>
+          </a:lnRef>
+          <a:fillRef idx="1">
+            <a:schemeClr val="accent5"/>
+          </a:fillRef>
+          <a:effectRef idx="0">
+            <a:schemeClr val="accent5"/>
+          </a:effectRef>
+          <a:fontRef idx="minor">
+            <a:schemeClr val="lt1"/>
+          </a:fontRef>
+        </p:style>
+        <p:txBody>
+          <a:bodyPr rot="0" spcFirstLastPara="0" vertOverflow="overflow" horzOverflow="overflow" vert="horz" wrap="square" lIns="91440" tIns="45720" rIns="91440" bIns="45720" numCol="1" spcCol="0" rtlCol="1" fromWordArt="0" anchor="ctr" anchorCtr="0" forceAA="0" compatLnSpc="1">
+            <a:prstTxWarp prst="textNoShape">
+              <a:avLst/>
+            </a:prstTxWarp>
+            <a:noAutofit/>
+            <a:scene3d>
+              <a:camera prst="orthographicFront"/>
+              <a:lightRig rig="soft" dir="t">
+                <a:rot lat="0" lon="0" rev="15600000"/>
+              </a:lightRig>
+            </a:scene3d>
+            <a:sp3d extrusionH="57150" prstMaterial="softEdge">
+              <a:bevelT w="25400" h="38100"/>
+            </a:sp3d>
+          </a:bodyPr>
+          <a:lstStyle/>
+          <a:p>
+            <a:r>
+              <a:rPr lang="en-US" sz="4400" b="1" dirty="0">
+                <a:ln w="6600">
+                  <a:noFill/>
+                  <a:prstDash val="solid"/>
+                </a:ln>
+                <a:solidFill>
+                  <a:schemeClr val="bg1"/>
+                </a:solidFill>
+              </a:rPr>
+              <a:t>30 trials:</a:t>
+            </a:r>
+          </a:p>
+          <a:p>
+            <a:pPr marL="571500" indent="-571500">
+              <a:buFontTx/>
+              <a:buChar char="-"/>
             </a:pPr>
             <a:r>
-              <a:rPr lang="en-GB" dirty="0"/>
-              <a:t>implementation</a:t>
-            </a:r>
-          </a:p>
-          <a:p>
-            <a:pPr lvl="1" algn="l" rtl="0">
-              <a:lnSpc>
-                <a:spcPct val="160000"/>
-              </a:lnSpc>
+              <a:rPr lang="en-US" sz="4400" b="1" dirty="0">
+                <a:ln w="6600">
+                  <a:noFill/>
+                  <a:prstDash val="solid"/>
+                </a:ln>
+                <a:solidFill>
+                  <a:schemeClr val="bg1"/>
+                </a:solidFill>
+              </a:rPr>
+              <a:t>10 (-)</a:t>
+            </a:r>
+          </a:p>
+          <a:p>
+            <a:pPr marL="571500" indent="-571500">
+              <a:buFontTx/>
+              <a:buChar char="-"/>
             </a:pPr>
             <a:r>
-              <a:rPr lang="en-GB" dirty="0"/>
-              <a:t>Tasks fine details, randomisation and sentence amount</a:t>
-            </a:r>
-          </a:p>
-          <a:p>
-            <a:pPr lvl="2" algn="l" rtl="0">
-              <a:lnSpc>
-                <a:spcPct val="160000"/>
-              </a:lnSpc>
+              <a:rPr lang="en-US" sz="4400" b="1" dirty="0">
+                <a:ln w="6600">
+                  <a:noFill/>
+                  <a:prstDash val="solid"/>
+                </a:ln>
+                <a:solidFill>
+                  <a:schemeClr val="bg1"/>
+                </a:solidFill>
+              </a:rPr>
+              <a:t>10 (+)</a:t>
+            </a:r>
+          </a:p>
+          <a:p>
+            <a:r>
+              <a:rPr lang="en-US" sz="4400" b="1" dirty="0">
+                <a:ln w="6600">
+                  <a:noFill/>
+                  <a:prstDash val="solid"/>
+                </a:ln>
+                <a:solidFill>
+                  <a:schemeClr val="bg1"/>
+                </a:solidFill>
+              </a:rPr>
+              <a:t>5 unique +</a:t>
+            </a:r>
+          </a:p>
+          <a:p>
+            <a:r>
+              <a:rPr lang="en-US" sz="4400" b="1" dirty="0">
+                <a:ln w="6600">
+                  <a:noFill/>
+                  <a:prstDash val="solid"/>
+                </a:ln>
+                <a:solidFill>
+                  <a:schemeClr val="bg1"/>
+                </a:solidFill>
+              </a:rPr>
+              <a:t>5 post</a:t>
+            </a:r>
+          </a:p>
+          <a:p>
+            <a:r>
+              <a:rPr lang="en-US" sz="4400" b="1" dirty="0">
+                <a:ln w="6600">
+                  <a:noFill/>
+                  <a:prstDash val="solid"/>
+                </a:ln>
+                <a:solidFill>
+                  <a:schemeClr val="bg1"/>
+                </a:solidFill>
+              </a:rPr>
+              <a:t>+ 5 training</a:t>
+            </a:r>
+          </a:p>
+          <a:p>
+            <a:r>
+              <a:rPr lang="en-US" sz="4400" b="1" dirty="0">
+                <a:ln w="6600">
+                  <a:noFill/>
+                  <a:prstDash val="solid"/>
+                </a:ln>
+                <a:solidFill>
+                  <a:schemeClr val="bg1"/>
+                </a:solidFill>
+              </a:rPr>
+              <a:t>– 1</a:t>
+            </a:r>
+          </a:p>
+          <a:p>
+            <a:r>
+              <a:rPr lang="en-US" sz="4400" b="1" dirty="0">
+                <a:ln w="6600">
+                  <a:noFill/>
+                  <a:prstDash val="solid"/>
+                </a:ln>
+                <a:solidFill>
+                  <a:schemeClr val="bg1"/>
+                </a:solidFill>
+              </a:rPr>
+              <a:t>repetition</a:t>
+            </a:r>
+          </a:p>
+        </p:txBody>
+      </p:sp>
+      <p:sp>
+        <p:nvSpPr>
+          <p:cNvPr id="43" name="Rectangle 42">
+            <a:extLst>
+              <a:ext uri="{FF2B5EF4-FFF2-40B4-BE49-F238E27FC236}">
+                <a16:creationId xmlns:a16="http://schemas.microsoft.com/office/drawing/2014/main" id="{53C74D4A-7212-4339-BBF0-8EBCE56A2F4C}"/>
+              </a:ext>
+            </a:extLst>
+          </p:cNvPr>
+          <p:cNvSpPr/>
+          <p:nvPr/>
+        </p:nvSpPr>
+        <p:spPr>
+          <a:xfrm>
+            <a:off x="26409446" y="2929073"/>
+            <a:ext cx="4751427" cy="5531300"/>
+          </a:xfrm>
+          <a:prstGeom prst="rect">
+            <a:avLst/>
+          </a:prstGeom>
+          <a:solidFill>
+            <a:schemeClr val="accent2"/>
+          </a:solidFill>
+        </p:spPr>
+        <p:style>
+          <a:lnRef idx="2">
+            <a:schemeClr val="accent5">
+              <a:shade val="50000"/>
+            </a:schemeClr>
+          </a:lnRef>
+          <a:fillRef idx="1">
+            <a:schemeClr val="accent5"/>
+          </a:fillRef>
+          <a:effectRef idx="0">
+            <a:schemeClr val="accent5"/>
+          </a:effectRef>
+          <a:fontRef idx="minor">
+            <a:schemeClr val="lt1"/>
+          </a:fontRef>
+        </p:style>
+        <p:txBody>
+          <a:bodyPr rot="0" spcFirstLastPara="0" vertOverflow="overflow" horzOverflow="overflow" vert="horz" wrap="square" lIns="91440" tIns="45720" rIns="91440" bIns="45720" numCol="1" spcCol="0" rtlCol="1" fromWordArt="0" anchor="ctr" anchorCtr="0" forceAA="0" compatLnSpc="1">
+            <a:prstTxWarp prst="textNoShape">
+              <a:avLst/>
+            </a:prstTxWarp>
+            <a:noAutofit/>
+            <a:scene3d>
+              <a:camera prst="orthographicFront"/>
+              <a:lightRig rig="soft" dir="t">
+                <a:rot lat="0" lon="0" rev="15600000"/>
+              </a:lightRig>
+            </a:scene3d>
+            <a:sp3d extrusionH="57150" prstMaterial="softEdge">
+              <a:bevelT w="25400" h="38100"/>
+            </a:sp3d>
+          </a:bodyPr>
+          <a:lstStyle/>
+          <a:p>
+            <a:r>
+              <a:rPr lang="he-IL" sz="4400" b="1" dirty="0">
+                <a:ln w="6600">
+                  <a:noFill/>
+                  <a:prstDash val="solid"/>
+                </a:ln>
+                <a:solidFill>
+                  <a:schemeClr val="bg1"/>
+                </a:solidFill>
+              </a:rPr>
+              <a:t>80</a:t>
+            </a:r>
+            <a:r>
+              <a:rPr lang="en-US" sz="4400" b="1" dirty="0">
+                <a:ln w="6600">
+                  <a:noFill/>
+                  <a:prstDash val="solid"/>
+                </a:ln>
+                <a:solidFill>
+                  <a:schemeClr val="bg1"/>
+                </a:solidFill>
+              </a:rPr>
+              <a:t> trials:</a:t>
+            </a:r>
+          </a:p>
+          <a:p>
+            <a:pPr marL="571500" indent="-571500">
+              <a:buFontTx/>
+              <a:buChar char="-"/>
             </a:pPr>
             <a:r>
-              <a:rPr lang="en-GB" dirty="0"/>
-              <a:t>Implementation</a:t>
-            </a:r>
-          </a:p>
-          <a:p>
-            <a:pPr lvl="2" algn="l" rtl="0">
-              <a:lnSpc>
-                <a:spcPct val="160000"/>
-              </a:lnSpc>
+              <a:rPr lang="en-US" sz="4400" b="1" dirty="0">
+                <a:ln w="6600">
+                  <a:noFill/>
+                  <a:prstDash val="solid"/>
+                </a:ln>
+                <a:solidFill>
+                  <a:schemeClr val="bg1"/>
+                </a:solidFill>
+              </a:rPr>
+              <a:t>80 (-)</a:t>
+            </a:r>
+          </a:p>
+          <a:p>
+            <a:pPr marL="571500" indent="-571500">
+              <a:buFontTx/>
+              <a:buChar char="-"/>
             </a:pPr>
             <a:r>
-              <a:rPr lang="en-GB" strike="sngStrike" dirty="0"/>
-              <a:t>Make code flexible to accepting varying amount of sentences, blocks, trials and repetition</a:t>
-            </a:r>
-          </a:p>
-          <a:p>
-            <a:pPr lvl="1" algn="l" rtl="0">
-              <a:lnSpc>
-                <a:spcPct val="160000"/>
-              </a:lnSpc>
-            </a:pPr>
-            <a:r>
-              <a:rPr lang="en-GB" dirty="0"/>
-              <a:t>MAB (Self-Caught) development</a:t>
-            </a:r>
-          </a:p>
-          <a:p>
-            <a:pPr lvl="2" algn="l" rtl="0">
-              <a:lnSpc>
-                <a:spcPct val="160000"/>
-              </a:lnSpc>
-            </a:pPr>
-            <a:r>
-              <a:rPr lang="en-GB" dirty="0"/>
-              <a:t>Implementation</a:t>
-            </a:r>
-          </a:p>
-          <a:p>
-            <a:pPr lvl="1" algn="l" rtl="0">
-              <a:lnSpc>
-                <a:spcPct val="160000"/>
-              </a:lnSpc>
-            </a:pPr>
-            <a:r>
-              <a:rPr lang="en-GB" dirty="0"/>
-              <a:t>One-back Dichotic development</a:t>
-            </a:r>
-          </a:p>
-          <a:p>
-            <a:pPr lvl="2" algn="l" rtl="0">
-              <a:lnSpc>
-                <a:spcPct val="160000"/>
-              </a:lnSpc>
-            </a:pPr>
-            <a:r>
-              <a:rPr lang="en-GB" dirty="0"/>
-              <a:t>Implementation</a:t>
-            </a:r>
-          </a:p>
-          <a:p>
-            <a:pPr lvl="1" algn="l" rtl="0">
-              <a:lnSpc>
-                <a:spcPct val="160000"/>
-              </a:lnSpc>
-            </a:pPr>
-            <a:r>
-              <a:rPr lang="en-GB" dirty="0"/>
-              <a:t>BMM measurement – brainstorming, decision (A,Y)</a:t>
-            </a:r>
-          </a:p>
-          <a:p>
-            <a:pPr lvl="2" algn="l" rtl="0">
-              <a:lnSpc>
-                <a:spcPct val="160000"/>
-              </a:lnSpc>
-            </a:pPr>
-            <a:r>
-              <a:rPr lang="en-GB" dirty="0"/>
-              <a:t>Present current ideas</a:t>
-            </a:r>
-          </a:p>
-          <a:p>
-            <a:pPr lvl="2" algn="l" rtl="0">
-              <a:lnSpc>
-                <a:spcPct val="160000"/>
-              </a:lnSpc>
-            </a:pPr>
-            <a:r>
-              <a:rPr lang="en-GB" dirty="0"/>
-              <a:t>Implementation</a:t>
-            </a:r>
-          </a:p>
-          <a:p>
-            <a:pPr lvl="1" algn="l" rtl="0">
-              <a:lnSpc>
-                <a:spcPct val="160000"/>
-              </a:lnSpc>
-            </a:pPr>
-            <a:r>
-              <a:rPr lang="en-GB" dirty="0"/>
-              <a:t>Creating coherent stable flow</a:t>
-            </a:r>
-          </a:p>
-          <a:p>
-            <a:pPr lvl="2" algn="l" rtl="0">
-              <a:lnSpc>
-                <a:spcPct val="160000"/>
-              </a:lnSpc>
-            </a:pPr>
-            <a:r>
-              <a:rPr lang="en-GB" dirty="0"/>
-              <a:t>That is group dependent (placebo, BMM, AFACT) </a:t>
-            </a:r>
-          </a:p>
-          <a:p>
-            <a:pPr lvl="2" algn="l" rtl="0">
-              <a:lnSpc>
-                <a:spcPct val="160000"/>
-              </a:lnSpc>
-            </a:pPr>
-            <a:r>
-              <a:rPr lang="en-GB" dirty="0"/>
-              <a:t>Implementation</a:t>
-            </a:r>
-          </a:p>
-          <a:p>
-            <a:pPr lvl="1" algn="l" rtl="0">
-              <a:lnSpc>
-                <a:spcPct val="160000"/>
-              </a:lnSpc>
-            </a:pPr>
-            <a:r>
-              <a:rPr lang="en-GB" dirty="0"/>
-              <a:t>Cross computers tests</a:t>
-            </a:r>
-          </a:p>
-          <a:p>
-            <a:pPr lvl="2" algn="l" rtl="0">
-              <a:lnSpc>
-                <a:spcPct val="160000"/>
-              </a:lnSpc>
-            </a:pPr>
-            <a:r>
-              <a:rPr lang="en-GB" dirty="0"/>
-              <a:t>Develop easy install process</a:t>
-            </a:r>
-          </a:p>
-          <a:p>
-            <a:pPr lvl="1" algn="l" rtl="0">
-              <a:lnSpc>
-                <a:spcPct val="160000"/>
-              </a:lnSpc>
-            </a:pPr>
-            <a:r>
-              <a:rPr lang="en-GB" dirty="0"/>
-              <a:t>Sentence recording – decision</a:t>
-            </a:r>
-          </a:p>
-          <a:p>
-            <a:pPr lvl="2" algn="l" rtl="0">
-              <a:lnSpc>
-                <a:spcPct val="160000"/>
-              </a:lnSpc>
-            </a:pPr>
-            <a:r>
-              <a:rPr lang="en-GB" dirty="0"/>
-              <a:t>Implement current </a:t>
-            </a:r>
-            <a:r>
-              <a:rPr lang="en-GB" dirty="0" err="1"/>
-              <a:t>iftach’s</a:t>
-            </a:r>
-            <a:r>
-              <a:rPr lang="en-GB" dirty="0"/>
-              <a:t> code for recording</a:t>
-            </a:r>
-          </a:p>
-          <a:p>
-            <a:pPr lvl="2" algn="l" rtl="0">
-              <a:lnSpc>
-                <a:spcPct val="160000"/>
-              </a:lnSpc>
-            </a:pPr>
-            <a:r>
-              <a:rPr lang="en-GB" dirty="0"/>
-              <a:t>Or – sync with website</a:t>
-            </a:r>
-          </a:p>
-          <a:p>
-            <a:pPr lvl="2" algn="l" rtl="0">
-              <a:lnSpc>
-                <a:spcPct val="160000"/>
-              </a:lnSpc>
-            </a:pPr>
-            <a:r>
-              <a:rPr lang="en-GB" dirty="0"/>
-              <a:t>Pay attention to amount of sampled negative and neutral sentences</a:t>
-            </a:r>
-          </a:p>
-          <a:p>
-            <a:pPr lvl="1" algn="l" rtl="0">
-              <a:lnSpc>
-                <a:spcPct val="160000"/>
-              </a:lnSpc>
-            </a:pPr>
-            <a:r>
-              <a:rPr lang="en-GB" dirty="0"/>
-              <a:t>Additional questionnaires - decision (A)</a:t>
-            </a:r>
-          </a:p>
-          <a:p>
-            <a:pPr lvl="2" algn="l" rtl="0">
-              <a:lnSpc>
-                <a:spcPct val="160000"/>
-              </a:lnSpc>
-            </a:pPr>
-            <a:r>
-              <a:rPr lang="en-GB" dirty="0"/>
-              <a:t>Implementation – in </a:t>
-            </a:r>
-            <a:r>
-              <a:rPr lang="en-GB" dirty="0" err="1"/>
-              <a:t>Qualtricks</a:t>
-            </a:r>
-            <a:endParaRPr lang="en-GB" dirty="0"/>
-          </a:p>
-          <a:p>
-            <a:pPr lvl="1" algn="l" rtl="0">
-              <a:lnSpc>
-                <a:spcPct val="160000"/>
-              </a:lnSpc>
-            </a:pPr>
-            <a:r>
-              <a:rPr lang="en-GB" dirty="0"/>
-              <a:t>Create a protocol</a:t>
-            </a:r>
-          </a:p>
-          <a:p>
-            <a:pPr lvl="1" algn="l" rtl="0">
-              <a:lnSpc>
-                <a:spcPct val="160000"/>
-              </a:lnSpc>
-            </a:pPr>
-            <a:endParaRPr lang="en-GB" dirty="0"/>
-          </a:p>
-          <a:p>
-            <a:pPr lvl="2" algn="l" rtl="0">
-              <a:lnSpc>
-                <a:spcPct val="160000"/>
-              </a:lnSpc>
-            </a:pPr>
-            <a:endParaRPr lang="en-GB" dirty="0"/>
-          </a:p>
-          <a:p>
-            <a:pPr lvl="2" algn="l" rtl="0">
-              <a:lnSpc>
-                <a:spcPct val="160000"/>
-              </a:lnSpc>
-            </a:pPr>
-            <a:endParaRPr lang="en-GB" dirty="0"/>
-          </a:p>
-          <a:p>
-            <a:pPr lvl="1" algn="l" rtl="0">
-              <a:lnSpc>
-                <a:spcPct val="160000"/>
-              </a:lnSpc>
-            </a:pPr>
-            <a:endParaRPr lang="en-GB" dirty="0"/>
+              <a:rPr lang="en-US" sz="4400" b="1" dirty="0">
+                <a:ln w="6600">
+                  <a:noFill/>
+                  <a:prstDash val="solid"/>
+                </a:ln>
+                <a:solidFill>
+                  <a:schemeClr val="bg1"/>
+                </a:solidFill>
+              </a:rPr>
+              <a:t>80 (+)</a:t>
+            </a:r>
+          </a:p>
+          <a:p>
+            <a:r>
+              <a:rPr lang="en-US" sz="4400" b="1" dirty="0">
+                <a:ln w="6600">
+                  <a:noFill/>
+                  <a:prstDash val="solid"/>
+                </a:ln>
+                <a:solidFill>
+                  <a:schemeClr val="bg1"/>
+                </a:solidFill>
+              </a:rPr>
+              <a:t>10 unique + 10 (form training) – 4 </a:t>
+            </a:r>
+          </a:p>
+          <a:p>
+            <a:r>
+              <a:rPr lang="en-US" sz="4400" b="1" dirty="0">
+                <a:ln w="6600">
+                  <a:noFill/>
+                  <a:prstDash val="solid"/>
+                </a:ln>
+                <a:solidFill>
+                  <a:schemeClr val="bg1"/>
+                </a:solidFill>
+              </a:rPr>
+              <a:t>repetition</a:t>
+            </a:r>
           </a:p>
         </p:txBody>
       </p:sp>
     </p:spTree>
     <p:extLst>
       <p:ext uri="{BB962C8B-B14F-4D97-AF65-F5344CB8AC3E}">
-        <p14:creationId xmlns:p14="http://schemas.microsoft.com/office/powerpoint/2010/main" val="3888027364"/>
+        <p14:creationId xmlns:p14="http://schemas.microsoft.com/office/powerpoint/2010/main" val="2553581719"/>
       </p:ext>
     </p:extLst>
   </p:cSld>
@@ -7514,10 +10804,10 @@
       </p:grpSpPr>
       <p:sp>
         <p:nvSpPr>
-          <p:cNvPr id="2" name="כותרת 1">
+          <p:cNvPr id="2" name="Title 1">
             <a:extLst>
               <a:ext uri="{FF2B5EF4-FFF2-40B4-BE49-F238E27FC236}">
-                <a16:creationId xmlns:a16="http://schemas.microsoft.com/office/drawing/2014/main" id="{7BED6D64-8BA8-4E2F-B6A4-A8C118761E9A}"/>
+                <a16:creationId xmlns:a16="http://schemas.microsoft.com/office/drawing/2014/main" id="{D0F41334-1BD6-4312-A9EA-922DA2BF740D}"/>
               </a:ext>
             </a:extLst>
           </p:cNvPr>
@@ -7533,16 +10823,20 @@
           <a:bodyPr/>
           <a:lstStyle/>
           <a:p>
-            <a:endParaRPr lang="he-IL"/>
-          </a:p>
-        </p:txBody>
-      </p:sp>
-      <p:sp>
-        <p:nvSpPr>
-          <p:cNvPr id="3" name="מציין מיקום תוכן 2">
+            <a:r>
+              <a:rPr lang="en-GB" dirty="0"/>
+              <a:t>Progress plan</a:t>
+            </a:r>
+            <a:endParaRPr lang="en-IL" dirty="0"/>
+          </a:p>
+        </p:txBody>
+      </p:sp>
+      <p:sp>
+        <p:nvSpPr>
+          <p:cNvPr id="3" name="Content Placeholder 2">
             <a:extLst>
               <a:ext uri="{FF2B5EF4-FFF2-40B4-BE49-F238E27FC236}">
-                <a16:creationId xmlns:a16="http://schemas.microsoft.com/office/drawing/2014/main" id="{064BDEB7-DFBA-4CFB-9AE2-D44FE6ADE814}"/>
+                <a16:creationId xmlns:a16="http://schemas.microsoft.com/office/drawing/2014/main" id="{6CB916DA-96AD-47BA-BFC3-A3D1DB8CFBF3}"/>
               </a:ext>
             </a:extLst>
           </p:cNvPr>
@@ -7553,178 +10847,416 @@
             <p:ph idx="1"/>
           </p:nvPr>
         </p:nvSpPr>
-        <p:spPr/>
-        <p:txBody>
-          <a:bodyPr>
-            <a:normAutofit fontScale="77500" lnSpcReduction="20000"/>
+        <p:spPr>
+          <a:xfrm>
+            <a:off x="891540" y="3571425"/>
+            <a:ext cx="30769560" cy="14282235"/>
+          </a:xfrm>
+        </p:spPr>
+        <p:txBody>
+          <a:bodyPr numCol="2">
+            <a:normAutofit fontScale="55000" lnSpcReduction="20000"/>
           </a:bodyPr>
           <a:lstStyle/>
           <a:p>
-            <a:r>
-              <a:rPr lang="he-IL" dirty="0"/>
-              <a:t>איזו מטלה מתאמנים עליה – הפחתת אינטראקציית נבדק-מטלה</a:t>
-            </a:r>
-          </a:p>
-          <a:p>
-            <a:pPr lvl="1"/>
-            <a:r>
-              <a:rPr lang="he-IL" dirty="0"/>
-              <a:t>מה עושים ל</a:t>
-            </a:r>
-            <a:r>
-              <a:rPr lang="en-US" dirty="0"/>
-              <a:t>design</a:t>
-            </a:r>
-            <a:r>
-              <a:rPr lang="he-IL" dirty="0"/>
-              <a:t>:</a:t>
-            </a:r>
-          </a:p>
-          <a:p>
-            <a:pPr lvl="2"/>
-            <a:r>
-              <a:rPr lang="he-IL" dirty="0"/>
-              <a:t>שינוי המטלה עליה מתאמנים</a:t>
-            </a:r>
-          </a:p>
-          <a:p>
-            <a:pPr lvl="3"/>
-            <a:r>
-              <a:rPr lang="he-IL" dirty="0"/>
-              <a:t>מוטורי</a:t>
-            </a:r>
-          </a:p>
-          <a:p>
-            <a:pPr lvl="3"/>
-            <a:r>
-              <a:rPr lang="he-IL" dirty="0"/>
-              <a:t>הגירוי שעליו עושים קטגוריזציה</a:t>
-            </a:r>
-          </a:p>
-          <a:p>
-            <a:pPr lvl="2"/>
-            <a:r>
-              <a:rPr lang="he-IL" dirty="0"/>
-              <a:t>להשתמש ב-</a:t>
-            </a:r>
-            <a:r>
-              <a:rPr lang="en-US" dirty="0" err="1"/>
-              <a:t>oneback</a:t>
-            </a:r>
-            <a:endParaRPr lang="he-IL" dirty="0"/>
-          </a:p>
-          <a:p>
-            <a:pPr lvl="2"/>
-            <a:r>
-              <a:rPr lang="he-IL" dirty="0"/>
-              <a:t>שינוי של להשתמש במטלה אחרת לגמרי- </a:t>
-            </a:r>
-            <a:r>
-              <a:rPr lang="en-US" dirty="0"/>
-              <a:t>go-</a:t>
-            </a:r>
-            <a:r>
-              <a:rPr lang="en-US" dirty="0" err="1"/>
-              <a:t>nogo</a:t>
-            </a:r>
-            <a:r>
-              <a:rPr lang="he-IL" dirty="0"/>
-              <a:t>.</a:t>
-            </a:r>
-          </a:p>
-          <a:p>
-            <a:pPr lvl="2"/>
-            <a:r>
-              <a:rPr lang="he-IL" dirty="0"/>
-              <a:t>אפשרות של שינוי – הגירוי</a:t>
-            </a:r>
-          </a:p>
-          <a:p>
-            <a:pPr lvl="3"/>
-            <a:r>
-              <a:rPr lang="he-IL" dirty="0"/>
-              <a:t>שינוי המטלה</a:t>
-            </a:r>
-          </a:p>
-          <a:p>
-            <a:pPr lvl="3"/>
-            <a:r>
-              <a:rPr lang="he-IL" dirty="0"/>
-              <a:t>שינוי מוטורי</a:t>
-            </a:r>
-            <a:endParaRPr lang="en-US" dirty="0"/>
-          </a:p>
-          <a:p>
-            <a:endParaRPr lang="en-US" dirty="0"/>
-          </a:p>
-          <a:p>
-            <a:r>
-              <a:rPr lang="he-IL" dirty="0" err="1"/>
-              <a:t>רנדומיזציה</a:t>
-            </a:r>
-            <a:r>
-              <a:rPr lang="he-IL" dirty="0"/>
-              <a:t>	</a:t>
-            </a:r>
-          </a:p>
-          <a:p>
-            <a:pPr lvl="1"/>
-            <a:r>
-              <a:rPr lang="he-IL" dirty="0"/>
-              <a:t>שהחלוקה ל</a:t>
-            </a:r>
-            <a:r>
-              <a:rPr lang="en-US" dirty="0"/>
-              <a:t>pre-post</a:t>
-            </a:r>
-            <a:r>
-              <a:rPr lang="he-IL" dirty="0"/>
-              <a:t> משפטים תהיה לפי גם:</a:t>
-            </a:r>
-          </a:p>
-          <a:p>
-            <a:pPr lvl="2"/>
-            <a:r>
-              <a:rPr lang="he-IL" dirty="0"/>
-              <a:t>ודומיין – </a:t>
-            </a:r>
-            <a:r>
-              <a:rPr lang="en-US" dirty="0"/>
-              <a:t>randomization by thought domain</a:t>
-            </a:r>
-            <a:r>
-              <a:rPr lang="he-IL" dirty="0"/>
-              <a:t>.</a:t>
-            </a:r>
-          </a:p>
-          <a:p>
-            <a:pPr lvl="2"/>
-            <a:r>
-              <a:rPr lang="he-IL" dirty="0"/>
-              <a:t>עוצמה – לראות שזה לא מתנגש עם דומיין.</a:t>
-            </a:r>
-            <a:endParaRPr lang="en-US" dirty="0"/>
-          </a:p>
-          <a:p>
-            <a:r>
-              <a:rPr lang="he-IL" b="1" u="sng" dirty="0"/>
-              <a:t>פגישה עם ליעד – איזו מטלה מחליפה את </a:t>
-            </a:r>
-            <a:r>
-              <a:rPr lang="en-US" b="1" u="sng" dirty="0" err="1"/>
-              <a:t>dct</a:t>
-            </a:r>
-            <a:r>
-              <a:rPr lang="he-IL" b="1" u="sng" dirty="0"/>
-              <a:t> בזמן האימון</a:t>
-            </a:r>
+            <a:pPr algn="l" rtl="0">
+              <a:lnSpc>
+                <a:spcPct val="160000"/>
+              </a:lnSpc>
+            </a:pPr>
+            <a:r>
+              <a:rPr lang="en-GB" b="1" dirty="0"/>
+              <a:t>Development</a:t>
+            </a:r>
+            <a:r>
+              <a:rPr lang="en-GB" dirty="0"/>
+              <a:t> </a:t>
+            </a:r>
+          </a:p>
+          <a:p>
+            <a:pPr lvl="1" algn="l" rtl="0">
+              <a:lnSpc>
+                <a:spcPct val="160000"/>
+              </a:lnSpc>
+            </a:pPr>
+            <a:r>
+              <a:rPr lang="en-GB" dirty="0"/>
+              <a:t>Trials-sentences repetition - decision</a:t>
+            </a:r>
+          </a:p>
+          <a:p>
+            <a:pPr lvl="2" algn="l" rtl="0">
+              <a:lnSpc>
+                <a:spcPct val="160000"/>
+              </a:lnSpc>
+            </a:pPr>
+            <a:r>
+              <a:rPr lang="en-GB" strike="sngStrike" dirty="0"/>
+              <a:t>Implementation </a:t>
+            </a:r>
+            <a:r>
+              <a:rPr lang="en-GB" dirty="0"/>
+              <a:t> </a:t>
+            </a:r>
+            <a:endParaRPr lang="en-GB" dirty="0">
+              <a:sym typeface="Wingdings" panose="05000000000000000000" pitchFamily="2" charset="2"/>
+            </a:endParaRPr>
+          </a:p>
+          <a:p>
+            <a:pPr lvl="2" algn="l" rtl="0">
+              <a:lnSpc>
+                <a:spcPct val="160000"/>
+              </a:lnSpc>
+            </a:pPr>
+            <a:r>
+              <a:rPr lang="en-GB" dirty="0">
+                <a:sym typeface="Wingdings" panose="05000000000000000000" pitchFamily="2" charset="2"/>
+              </a:rPr>
+              <a:t>decision is still needed but implementation is automatic</a:t>
+            </a:r>
+            <a:endParaRPr lang="en-GB" strike="sngStrike" dirty="0"/>
+          </a:p>
+          <a:p>
+            <a:pPr lvl="1" algn="l" rtl="0">
+              <a:lnSpc>
+                <a:spcPct val="160000"/>
+              </a:lnSpc>
+            </a:pPr>
+            <a:r>
+              <a:rPr lang="en-GB" dirty="0"/>
+              <a:t>Emotional reactivity development</a:t>
+            </a:r>
+          </a:p>
+          <a:p>
+            <a:pPr lvl="2" algn="l" rtl="0">
+              <a:lnSpc>
+                <a:spcPct val="160000"/>
+              </a:lnSpc>
+            </a:pPr>
+            <a:r>
+              <a:rPr lang="en-GB" dirty="0"/>
+              <a:t>Data saving</a:t>
+            </a:r>
+          </a:p>
+          <a:p>
+            <a:pPr lvl="1" algn="l" rtl="0">
+              <a:lnSpc>
+                <a:spcPct val="160000"/>
+              </a:lnSpc>
+            </a:pPr>
+            <a:r>
+              <a:rPr lang="en-GB" dirty="0" err="1"/>
+              <a:t>Dct</a:t>
+            </a:r>
+            <a:r>
+              <a:rPr lang="en-GB" dirty="0"/>
+              <a:t>-replacement task - decision</a:t>
+            </a:r>
+          </a:p>
+          <a:p>
+            <a:pPr lvl="2" algn="l" rtl="0">
+              <a:lnSpc>
+                <a:spcPct val="160000"/>
+              </a:lnSpc>
+            </a:pPr>
+            <a:r>
+              <a:rPr lang="en-GB" dirty="0"/>
+              <a:t>implementation</a:t>
+            </a:r>
+          </a:p>
+          <a:p>
+            <a:pPr lvl="1" algn="l" rtl="0">
+              <a:lnSpc>
+                <a:spcPct val="160000"/>
+              </a:lnSpc>
+            </a:pPr>
+            <a:r>
+              <a:rPr lang="en-GB" dirty="0"/>
+              <a:t>Tasks fine details, randomisation and sentence amount</a:t>
+            </a:r>
+          </a:p>
+          <a:p>
+            <a:pPr lvl="2" algn="l" rtl="0">
+              <a:lnSpc>
+                <a:spcPct val="160000"/>
+              </a:lnSpc>
+            </a:pPr>
+            <a:r>
+              <a:rPr lang="en-GB" dirty="0"/>
+              <a:t>Implementation</a:t>
+            </a:r>
+          </a:p>
+          <a:p>
+            <a:pPr lvl="2" algn="l" rtl="0">
+              <a:lnSpc>
+                <a:spcPct val="160000"/>
+              </a:lnSpc>
+            </a:pPr>
+            <a:r>
+              <a:rPr lang="en-GB" strike="sngStrike" dirty="0"/>
+              <a:t>Make code flexible to accepting varying amount of sentences, blocks, trials and repetition</a:t>
+            </a:r>
+          </a:p>
+          <a:p>
+            <a:pPr lvl="1" algn="l" rtl="0">
+              <a:lnSpc>
+                <a:spcPct val="160000"/>
+              </a:lnSpc>
+            </a:pPr>
+            <a:r>
+              <a:rPr lang="en-GB" dirty="0"/>
+              <a:t>MAB (Self-Caught) development</a:t>
+            </a:r>
+          </a:p>
+          <a:p>
+            <a:pPr lvl="2" algn="l" rtl="0">
+              <a:lnSpc>
+                <a:spcPct val="160000"/>
+              </a:lnSpc>
+            </a:pPr>
+            <a:r>
+              <a:rPr lang="en-GB" dirty="0"/>
+              <a:t>Implementation</a:t>
+            </a:r>
+          </a:p>
+          <a:p>
+            <a:pPr lvl="1" algn="l" rtl="0">
+              <a:lnSpc>
+                <a:spcPct val="160000"/>
+              </a:lnSpc>
+            </a:pPr>
+            <a:r>
+              <a:rPr lang="en-GB" dirty="0"/>
+              <a:t>One-back Dichotic development</a:t>
+            </a:r>
+          </a:p>
+          <a:p>
+            <a:pPr lvl="2" algn="l" rtl="0">
+              <a:lnSpc>
+                <a:spcPct val="160000"/>
+              </a:lnSpc>
+            </a:pPr>
+            <a:r>
+              <a:rPr lang="en-GB" dirty="0"/>
+              <a:t>Implementation</a:t>
+            </a:r>
+          </a:p>
+          <a:p>
+            <a:pPr lvl="1" algn="l" rtl="0">
+              <a:lnSpc>
+                <a:spcPct val="160000"/>
+              </a:lnSpc>
+            </a:pPr>
+            <a:r>
+              <a:rPr lang="en-GB" dirty="0"/>
+              <a:t>BMM measurement – brainstorming, decision (A,Y)</a:t>
+            </a:r>
+          </a:p>
+          <a:p>
+            <a:pPr lvl="2" algn="l" rtl="0">
+              <a:lnSpc>
+                <a:spcPct val="160000"/>
+              </a:lnSpc>
+            </a:pPr>
+            <a:r>
+              <a:rPr lang="en-GB" dirty="0"/>
+              <a:t>Present current ideas</a:t>
+            </a:r>
+          </a:p>
+          <a:p>
+            <a:pPr lvl="2" algn="l" rtl="0">
+              <a:lnSpc>
+                <a:spcPct val="160000"/>
+              </a:lnSpc>
+            </a:pPr>
+            <a:r>
+              <a:rPr lang="en-GB" dirty="0"/>
+              <a:t>Implementation</a:t>
+            </a:r>
+          </a:p>
+          <a:p>
+            <a:pPr lvl="1" algn="l" rtl="0">
+              <a:lnSpc>
+                <a:spcPct val="160000"/>
+              </a:lnSpc>
+            </a:pPr>
+            <a:r>
+              <a:rPr lang="en-GB" dirty="0"/>
+              <a:t>Creating coherent stable flow</a:t>
+            </a:r>
+          </a:p>
+          <a:p>
+            <a:pPr lvl="2" algn="l" rtl="0">
+              <a:lnSpc>
+                <a:spcPct val="160000"/>
+              </a:lnSpc>
+            </a:pPr>
+            <a:r>
+              <a:rPr lang="en-GB" dirty="0"/>
+              <a:t>That is group dependent (placebo, BMM, AFACT) </a:t>
+            </a:r>
+          </a:p>
+          <a:p>
+            <a:pPr lvl="2" algn="l" rtl="0">
+              <a:lnSpc>
+                <a:spcPct val="160000"/>
+              </a:lnSpc>
+            </a:pPr>
+            <a:r>
+              <a:rPr lang="en-GB" dirty="0"/>
+              <a:t>Implementation</a:t>
+            </a:r>
+          </a:p>
+          <a:p>
+            <a:pPr lvl="1" algn="l" rtl="0">
+              <a:lnSpc>
+                <a:spcPct val="160000"/>
+              </a:lnSpc>
+            </a:pPr>
+            <a:r>
+              <a:rPr lang="en-GB" dirty="0"/>
+              <a:t>Cross computers tests</a:t>
+            </a:r>
+          </a:p>
+          <a:p>
+            <a:pPr lvl="2" algn="l" rtl="0">
+              <a:lnSpc>
+                <a:spcPct val="160000"/>
+              </a:lnSpc>
+            </a:pPr>
+            <a:r>
+              <a:rPr lang="en-GB" dirty="0"/>
+              <a:t>Develop easy install process</a:t>
+            </a:r>
+          </a:p>
+          <a:p>
+            <a:pPr lvl="1" algn="l" rtl="0">
+              <a:lnSpc>
+                <a:spcPct val="160000"/>
+              </a:lnSpc>
+            </a:pPr>
+            <a:r>
+              <a:rPr lang="en-GB" dirty="0"/>
+              <a:t>Sentence recording – decision</a:t>
+            </a:r>
+          </a:p>
+          <a:p>
+            <a:pPr lvl="2" algn="l" rtl="0">
+              <a:lnSpc>
+                <a:spcPct val="160000"/>
+              </a:lnSpc>
+            </a:pPr>
+            <a:r>
+              <a:rPr lang="en-GB" dirty="0"/>
+              <a:t>Implement current </a:t>
+            </a:r>
+            <a:r>
+              <a:rPr lang="en-GB" dirty="0" err="1"/>
+              <a:t>iftach’s</a:t>
+            </a:r>
+            <a:r>
+              <a:rPr lang="en-GB" dirty="0"/>
+              <a:t> code for recording</a:t>
+            </a:r>
+          </a:p>
+          <a:p>
+            <a:pPr lvl="2" algn="l" rtl="0">
+              <a:lnSpc>
+                <a:spcPct val="160000"/>
+              </a:lnSpc>
+            </a:pPr>
+            <a:r>
+              <a:rPr lang="en-GB" dirty="0"/>
+              <a:t>Or – sync with website</a:t>
+            </a:r>
+          </a:p>
+          <a:p>
+            <a:pPr lvl="2" algn="l" rtl="0">
+              <a:lnSpc>
+                <a:spcPct val="160000"/>
+              </a:lnSpc>
+            </a:pPr>
+            <a:r>
+              <a:rPr lang="en-GB" dirty="0"/>
+              <a:t>Pay attention to amount of sampled negative and neutral sentences</a:t>
+            </a:r>
+          </a:p>
+          <a:p>
+            <a:pPr lvl="1" algn="l" rtl="0">
+              <a:lnSpc>
+                <a:spcPct val="160000"/>
+              </a:lnSpc>
+            </a:pPr>
+            <a:r>
+              <a:rPr lang="en-GB" dirty="0"/>
+              <a:t>Additional questionnaires - decision (A)</a:t>
+            </a:r>
+          </a:p>
+          <a:p>
+            <a:pPr lvl="2" algn="l" rtl="0">
+              <a:lnSpc>
+                <a:spcPct val="160000"/>
+              </a:lnSpc>
+            </a:pPr>
+            <a:r>
+              <a:rPr lang="en-GB" dirty="0"/>
+              <a:t>Implementation – in </a:t>
+            </a:r>
+            <a:r>
+              <a:rPr lang="en-GB" dirty="0" err="1"/>
+              <a:t>Qualtricks</a:t>
+            </a:r>
+            <a:endParaRPr lang="en-GB" dirty="0"/>
+          </a:p>
+          <a:p>
+            <a:pPr lvl="1" algn="l" rtl="0">
+              <a:lnSpc>
+                <a:spcPct val="160000"/>
+              </a:lnSpc>
+            </a:pPr>
+            <a:r>
+              <a:rPr lang="en-GB" dirty="0"/>
+              <a:t>Create a protocol</a:t>
+            </a:r>
+          </a:p>
+          <a:p>
+            <a:pPr lvl="1" algn="l" rtl="0">
+              <a:lnSpc>
+                <a:spcPct val="160000"/>
+              </a:lnSpc>
+            </a:pPr>
+            <a:endParaRPr lang="en-GB" dirty="0"/>
+          </a:p>
+          <a:p>
+            <a:pPr lvl="2" algn="l" rtl="0">
+              <a:lnSpc>
+                <a:spcPct val="160000"/>
+              </a:lnSpc>
+            </a:pPr>
+            <a:endParaRPr lang="en-GB" dirty="0"/>
+          </a:p>
+          <a:p>
+            <a:pPr lvl="2" algn="l" rtl="0">
+              <a:lnSpc>
+                <a:spcPct val="160000"/>
+              </a:lnSpc>
+            </a:pPr>
+            <a:endParaRPr lang="en-GB" dirty="0"/>
+          </a:p>
+          <a:p>
+            <a:pPr lvl="1" algn="l" rtl="0">
+              <a:lnSpc>
+                <a:spcPct val="160000"/>
+              </a:lnSpc>
+            </a:pPr>
+            <a:endParaRPr lang="en-GB" dirty="0"/>
           </a:p>
         </p:txBody>
       </p:sp>
     </p:spTree>
     <p:extLst>
       <p:ext uri="{BB962C8B-B14F-4D97-AF65-F5344CB8AC3E}">
-        <p14:creationId xmlns:p14="http://schemas.microsoft.com/office/powerpoint/2010/main" val="122274122"/>
+        <p14:creationId xmlns:p14="http://schemas.microsoft.com/office/powerpoint/2010/main" val="3888027364"/>
       </p:ext>
     </p:extLst>
   </p:cSld>
@@ -7756,6 +11288,245 @@
           <p:cNvPr id="2" name="כותרת 1">
             <a:extLst>
               <a:ext uri="{FF2B5EF4-FFF2-40B4-BE49-F238E27FC236}">
+                <a16:creationId xmlns:a16="http://schemas.microsoft.com/office/drawing/2014/main" id="{7BED6D64-8BA8-4E2F-B6A4-A8C118761E9A}"/>
+              </a:ext>
+            </a:extLst>
+          </p:cNvPr>
+          <p:cNvSpPr>
+            <a:spLocks noGrp="1"/>
+          </p:cNvSpPr>
+          <p:nvPr>
+            <p:ph type="title"/>
+          </p:nvPr>
+        </p:nvSpPr>
+        <p:spPr/>
+        <p:txBody>
+          <a:bodyPr/>
+          <a:lstStyle/>
+          <a:p>
+            <a:endParaRPr lang="he-IL"/>
+          </a:p>
+        </p:txBody>
+      </p:sp>
+      <p:sp>
+        <p:nvSpPr>
+          <p:cNvPr id="3" name="מציין מיקום תוכן 2">
+            <a:extLst>
+              <a:ext uri="{FF2B5EF4-FFF2-40B4-BE49-F238E27FC236}">
+                <a16:creationId xmlns:a16="http://schemas.microsoft.com/office/drawing/2014/main" id="{064BDEB7-DFBA-4CFB-9AE2-D44FE6ADE814}"/>
+              </a:ext>
+            </a:extLst>
+          </p:cNvPr>
+          <p:cNvSpPr>
+            <a:spLocks noGrp="1"/>
+          </p:cNvSpPr>
+          <p:nvPr>
+            <p:ph idx="1"/>
+          </p:nvPr>
+        </p:nvSpPr>
+        <p:spPr/>
+        <p:txBody>
+          <a:bodyPr>
+            <a:normAutofit fontScale="77500" lnSpcReduction="20000"/>
+          </a:bodyPr>
+          <a:lstStyle/>
+          <a:p>
+            <a:r>
+              <a:rPr lang="he-IL" dirty="0"/>
+              <a:t>איזו מטלה מתאמנים עליה – הפחתת אינטראקציית נבדק-מטלה</a:t>
+            </a:r>
+          </a:p>
+          <a:p>
+            <a:pPr lvl="1"/>
+            <a:r>
+              <a:rPr lang="he-IL" dirty="0"/>
+              <a:t>מה עושים ל</a:t>
+            </a:r>
+            <a:r>
+              <a:rPr lang="en-US" dirty="0"/>
+              <a:t>design</a:t>
+            </a:r>
+            <a:r>
+              <a:rPr lang="he-IL" dirty="0"/>
+              <a:t>:</a:t>
+            </a:r>
+          </a:p>
+          <a:p>
+            <a:pPr lvl="2"/>
+            <a:r>
+              <a:rPr lang="he-IL" dirty="0"/>
+              <a:t>שינוי המטלה עליה מתאמנים</a:t>
+            </a:r>
+          </a:p>
+          <a:p>
+            <a:pPr lvl="3"/>
+            <a:r>
+              <a:rPr lang="he-IL" dirty="0"/>
+              <a:t>מוטורי</a:t>
+            </a:r>
+          </a:p>
+          <a:p>
+            <a:pPr lvl="3"/>
+            <a:r>
+              <a:rPr lang="he-IL" dirty="0"/>
+              <a:t>הגירוי שעליו עושים קטגוריזציה</a:t>
+            </a:r>
+          </a:p>
+          <a:p>
+            <a:pPr lvl="2"/>
+            <a:r>
+              <a:rPr lang="he-IL" dirty="0"/>
+              <a:t>להשתמש ב-</a:t>
+            </a:r>
+            <a:r>
+              <a:rPr lang="en-US" dirty="0" err="1"/>
+              <a:t>oneback</a:t>
+            </a:r>
+            <a:endParaRPr lang="he-IL" dirty="0"/>
+          </a:p>
+          <a:p>
+            <a:pPr lvl="2"/>
+            <a:r>
+              <a:rPr lang="he-IL" dirty="0"/>
+              <a:t>שינוי של להשתמש במטלה אחרת לגמרי- </a:t>
+            </a:r>
+            <a:r>
+              <a:rPr lang="en-US" dirty="0"/>
+              <a:t>go-</a:t>
+            </a:r>
+            <a:r>
+              <a:rPr lang="en-US" dirty="0" err="1"/>
+              <a:t>nogo</a:t>
+            </a:r>
+            <a:r>
+              <a:rPr lang="he-IL" dirty="0"/>
+              <a:t>.</a:t>
+            </a:r>
+          </a:p>
+          <a:p>
+            <a:pPr lvl="2"/>
+            <a:r>
+              <a:rPr lang="he-IL" dirty="0"/>
+              <a:t>אפשרות של שינוי – הגירוי</a:t>
+            </a:r>
+          </a:p>
+          <a:p>
+            <a:pPr lvl="3"/>
+            <a:r>
+              <a:rPr lang="he-IL" dirty="0"/>
+              <a:t>שינוי המטלה</a:t>
+            </a:r>
+          </a:p>
+          <a:p>
+            <a:pPr lvl="3"/>
+            <a:r>
+              <a:rPr lang="he-IL" dirty="0"/>
+              <a:t>שינוי מוטורי</a:t>
+            </a:r>
+            <a:endParaRPr lang="en-US" dirty="0"/>
+          </a:p>
+          <a:p>
+            <a:endParaRPr lang="en-US" dirty="0"/>
+          </a:p>
+          <a:p>
+            <a:r>
+              <a:rPr lang="he-IL" dirty="0" err="1"/>
+              <a:t>רנדומיזציה</a:t>
+            </a:r>
+            <a:r>
+              <a:rPr lang="he-IL" dirty="0"/>
+              <a:t>	</a:t>
+            </a:r>
+          </a:p>
+          <a:p>
+            <a:pPr lvl="1"/>
+            <a:r>
+              <a:rPr lang="he-IL" dirty="0"/>
+              <a:t>שהחלוקה ל</a:t>
+            </a:r>
+            <a:r>
+              <a:rPr lang="en-US" dirty="0"/>
+              <a:t>pre-post</a:t>
+            </a:r>
+            <a:r>
+              <a:rPr lang="he-IL" dirty="0"/>
+              <a:t> משפטים תהיה לפי גם:</a:t>
+            </a:r>
+          </a:p>
+          <a:p>
+            <a:pPr lvl="2"/>
+            <a:r>
+              <a:rPr lang="he-IL" dirty="0"/>
+              <a:t>ודומיין – </a:t>
+            </a:r>
+            <a:r>
+              <a:rPr lang="en-US" dirty="0"/>
+              <a:t>randomization by thought domain</a:t>
+            </a:r>
+            <a:r>
+              <a:rPr lang="he-IL" dirty="0"/>
+              <a:t>.</a:t>
+            </a:r>
+          </a:p>
+          <a:p>
+            <a:pPr lvl="2"/>
+            <a:r>
+              <a:rPr lang="he-IL" dirty="0"/>
+              <a:t>עוצמה – לראות שזה לא מתנגש עם דומיין.</a:t>
+            </a:r>
+            <a:endParaRPr lang="en-US" dirty="0"/>
+          </a:p>
+          <a:p>
+            <a:r>
+              <a:rPr lang="he-IL" b="1" u="sng" dirty="0"/>
+              <a:t>פגישה עם ליעד – איזו מטלה מחליפה את </a:t>
+            </a:r>
+            <a:r>
+              <a:rPr lang="en-US" b="1" u="sng" dirty="0" err="1"/>
+              <a:t>dct</a:t>
+            </a:r>
+            <a:r>
+              <a:rPr lang="he-IL" b="1" u="sng" dirty="0"/>
+              <a:t> בזמן האימון</a:t>
+            </a:r>
+          </a:p>
+        </p:txBody>
+      </p:sp>
+    </p:spTree>
+    <p:extLst>
+      <p:ext uri="{BB962C8B-B14F-4D97-AF65-F5344CB8AC3E}">
+        <p14:creationId xmlns:p14="http://schemas.microsoft.com/office/powerpoint/2010/main" val="122274122"/>
+      </p:ext>
+    </p:extLst>
+  </p:cSld>
+  <p:clrMapOvr>
+    <a:masterClrMapping/>
+  </p:clrMapOvr>
+</p:sld>
+</file>
+
+<file path=ppt/slides/slide8.xml><?xml version="1.0" encoding="utf-8"?>
+<p:sld xmlns:a="http://schemas.openxmlformats.org/drawingml/2006/main" xmlns:r="http://schemas.openxmlformats.org/officeDocument/2006/relationships" xmlns:p="http://schemas.openxmlformats.org/presentationml/2006/main">
+  <p:cSld>
+    <p:spTree>
+      <p:nvGrpSpPr>
+        <p:cNvPr id="1" name=""/>
+        <p:cNvGrpSpPr/>
+        <p:nvPr/>
+      </p:nvGrpSpPr>
+      <p:grpSpPr>
+        <a:xfrm>
+          <a:off x="0" y="0"/>
+          <a:ext cx="0" cy="0"/>
+          <a:chOff x="0" y="0"/>
+          <a:chExt cx="0" cy="0"/>
+        </a:xfrm>
+      </p:grpSpPr>
+      <p:sp>
+        <p:nvSpPr>
+          <p:cNvPr id="2" name="כותרת 1">
+            <a:extLst>
+              <a:ext uri="{FF2B5EF4-FFF2-40B4-BE49-F238E27FC236}">
                 <a16:creationId xmlns:a16="http://schemas.microsoft.com/office/drawing/2014/main" id="{E72356D8-3290-45E1-B5D8-84C84CBB428C}"/>
               </a:ext>
             </a:extLst>
@@ -7899,48 +11670,36 @@
             <a:pPr lvl="1" algn="l" rtl="0"/>
             <a:r>
               <a:rPr lang="en-US" b="1" dirty="0"/>
-              <a:t>Following each feedback a random number of 1 or 2 neutral executive </a:t>
-            </a:r>
-            <a:r>
-              <a:rPr lang="en-US" b="1" dirty="0" smtClean="0"/>
-              <a:t>trials </a:t>
-            </a:r>
-            <a:r>
-              <a:rPr lang="en-US" b="1" dirty="0" smtClean="0">
+              <a:t>Following each feedback a random number of 1 or 2 neutral executive trials </a:t>
+            </a:r>
+            <a:r>
+              <a:rPr lang="en-US" b="1" dirty="0">
                 <a:solidFill>
                   <a:srgbClr val="FF0000"/>
                 </a:solidFill>
               </a:rPr>
-              <a:t>--- I Don’t get it how many neutral trials and how many negatives? Now if u ask 160 u </a:t>
-            </a:r>
-            <a:r>
-              <a:rPr lang="en-US" b="1" smtClean="0">
+              <a:t>--- I Don’t get it how many neutral trials and how many negatives? Now if u ask 160 u get 208 </a:t>
+            </a:r>
+            <a:r>
+              <a:rPr lang="en-US" b="1" dirty="0">
                 <a:solidFill>
                   <a:srgbClr val="FF0000"/>
                 </a:solidFill>
-              </a:rPr>
-              <a:t>get 208 </a:t>
-            </a:r>
-            <a:r>
-              <a:rPr lang="en-US" b="1" dirty="0" smtClean="0">
+                <a:sym typeface="Wingdings" panose="05000000000000000000" pitchFamily="2" charset="2"/>
+              </a:rPr>
+              <a:t> </a:t>
+            </a:r>
+            <a:r>
+              <a:rPr lang="en-US" b="1" dirty="0" err="1">
                 <a:solidFill>
                   <a:srgbClr val="FF0000"/>
                 </a:solidFill>
                 <a:sym typeface="Wingdings" panose="05000000000000000000" pitchFamily="2" charset="2"/>
               </a:rPr>
-              <a:t> </a:t>
-            </a:r>
-            <a:r>
-              <a:rPr lang="en-US" b="1" dirty="0" err="1" smtClean="0">
-                <a:solidFill>
-                  <a:srgbClr val="FF0000"/>
-                </a:solidFill>
-                <a:sym typeface="Wingdings" panose="05000000000000000000" pitchFamily="2" charset="2"/>
-              </a:rPr>
               <a:t>neutrasl</a:t>
             </a:r>
             <a:r>
-              <a:rPr lang="en-US" b="1" dirty="0" smtClean="0">
+              <a:rPr lang="en-US" b="1" dirty="0">
                 <a:solidFill>
                   <a:srgbClr val="FF0000"/>
                 </a:solidFill>
@@ -7958,22 +11717,14 @@
             <a:pPr lvl="1" algn="l" rtl="0"/>
             <a:r>
               <a:rPr lang="en-US" b="1" strike="sngStrike" dirty="0"/>
-              <a:t>Bias is calculated out of a maximum of 3 </a:t>
-            </a:r>
-            <a:r>
-              <a:rPr lang="en-US" b="1" strike="sngStrike" dirty="0" smtClean="0"/>
-              <a:t>STDs</a:t>
+              <a:t>Bias is calculated out of a maximum of 3 STDs</a:t>
             </a:r>
           </a:p>
           <a:p>
             <a:pPr lvl="1" algn="l" rtl="0"/>
             <a:r>
-              <a:rPr lang="en-US" b="1" strike="sngStrike" dirty="0" smtClean="0"/>
-              <a:t>Facilitation </a:t>
-            </a:r>
-            <a:r>
               <a:rPr lang="en-US" b="1" strike="sngStrike" dirty="0"/>
-              <a:t>counts as no bias</a:t>
+              <a:t>Facilitation counts as no bias</a:t>
             </a:r>
           </a:p>
           <a:p>
@@ -8115,7 +11866,7 @@
 </p:sld>
 </file>
 
-<file path=ppt/slides/slide8.xml><?xml version="1.0" encoding="utf-8"?>
+<file path=ppt/slides/slide9.xml><?xml version="1.0" encoding="utf-8"?>
 <p:sld xmlns:a="http://schemas.openxmlformats.org/drawingml/2006/main" xmlns:r="http://schemas.openxmlformats.org/officeDocument/2006/relationships" xmlns:p="http://schemas.openxmlformats.org/presentationml/2006/main">
   <p:cSld>
     <p:spTree>
@@ -8477,4 +12228,299 @@
     </a:ext>
   </a:extLst>
 </a:theme>
+</file>
+
+<file path=ppt/theme/theme2.xml><?xml version="1.0" encoding="utf-8"?>
+<a:theme xmlns:a="http://schemas.openxmlformats.org/drawingml/2006/main" name="Office Theme">
+  <a:themeElements>
+    <a:clrScheme name="Office">
+      <a:dk1>
+        <a:sysClr val="windowText" lastClr="000000"/>
+      </a:dk1>
+      <a:lt1>
+        <a:sysClr val="window" lastClr="FFFFFF"/>
+      </a:lt1>
+      <a:dk2>
+        <a:srgbClr val="44546A"/>
+      </a:dk2>
+      <a:lt2>
+        <a:srgbClr val="E7E6E6"/>
+      </a:lt2>
+      <a:accent1>
+        <a:srgbClr val="4472C4"/>
+      </a:accent1>
+      <a:accent2>
+        <a:srgbClr val="ED7D31"/>
+      </a:accent2>
+      <a:accent3>
+        <a:srgbClr val="A5A5A5"/>
+      </a:accent3>
+      <a:accent4>
+        <a:srgbClr val="FFC000"/>
+      </a:accent4>
+      <a:accent5>
+        <a:srgbClr val="5B9BD5"/>
+      </a:accent5>
+      <a:accent6>
+        <a:srgbClr val="70AD47"/>
+      </a:accent6>
+      <a:hlink>
+        <a:srgbClr val="0563C1"/>
+      </a:hlink>
+      <a:folHlink>
+        <a:srgbClr val="954F72"/>
+      </a:folHlink>
+    </a:clrScheme>
+    <a:fontScheme name="Office">
+      <a:majorFont>
+        <a:latin typeface="Calibri Light" panose="020F0302020204030204"/>
+        <a:ea typeface=""/>
+        <a:cs typeface=""/>
+        <a:font script="Jpan" typeface="游ゴシック Light"/>
+        <a:font script="Hang" typeface="맑은 고딕"/>
+        <a:font script="Hans" typeface="等线 Light"/>
+        <a:font script="Hant" typeface="新細明體"/>
+        <a:font script="Arab" typeface="Times New Roman"/>
+        <a:font script="Hebr" typeface="Times New Roman"/>
+        <a:font script="Thai" typeface="Angsana New"/>
+        <a:font script="Ethi" typeface="Nyala"/>
+        <a:font script="Beng" typeface="Vrinda"/>
+        <a:font script="Gujr" typeface="Shruti"/>
+        <a:font script="Khmr" typeface="MoolBoran"/>
+        <a:font script="Knda" typeface="Tunga"/>
+        <a:font script="Guru" typeface="Raavi"/>
+        <a:font script="Cans" typeface="Euphemia"/>
+        <a:font script="Cher" typeface="Plantagenet Cherokee"/>
+        <a:font script="Yiii" typeface="Microsoft Yi Baiti"/>
+        <a:font script="Tibt" typeface="Microsoft Himalaya"/>
+        <a:font script="Thaa" typeface="MV Boli"/>
+        <a:font script="Deva" typeface="Mangal"/>
+        <a:font script="Telu" typeface="Gautami"/>
+        <a:font script="Taml" typeface="Latha"/>
+        <a:font script="Syrc" typeface="Estrangelo Edessa"/>
+        <a:font script="Orya" typeface="Kalinga"/>
+        <a:font script="Mlym" typeface="Kartika"/>
+        <a:font script="Laoo" typeface="DokChampa"/>
+        <a:font script="Sinh" typeface="Iskoola Pota"/>
+        <a:font script="Mong" typeface="Mongolian Baiti"/>
+        <a:font script="Viet" typeface="Times New Roman"/>
+        <a:font script="Uigh" typeface="Microsoft Uighur"/>
+        <a:font script="Geor" typeface="Sylfaen"/>
+        <a:font script="Armn" typeface="Arial"/>
+        <a:font script="Bugi" typeface="Leelawadee UI"/>
+        <a:font script="Bopo" typeface="Microsoft JhengHei"/>
+        <a:font script="Java" typeface="Javanese Text"/>
+        <a:font script="Lisu" typeface="Segoe UI"/>
+        <a:font script="Mymr" typeface="Myanmar Text"/>
+        <a:font script="Nkoo" typeface="Ebrima"/>
+        <a:font script="Olck" typeface="Nirmala UI"/>
+        <a:font script="Osma" typeface="Ebrima"/>
+        <a:font script="Phag" typeface="Phagspa"/>
+        <a:font script="Syrn" typeface="Estrangelo Edessa"/>
+        <a:font script="Syrj" typeface="Estrangelo Edessa"/>
+        <a:font script="Syre" typeface="Estrangelo Edessa"/>
+        <a:font script="Sora" typeface="Nirmala UI"/>
+        <a:font script="Tale" typeface="Microsoft Tai Le"/>
+        <a:font script="Talu" typeface="Microsoft New Tai Lue"/>
+        <a:font script="Tfng" typeface="Ebrima"/>
+      </a:majorFont>
+      <a:minorFont>
+        <a:latin typeface="Calibri" panose="020F0502020204030204"/>
+        <a:ea typeface=""/>
+        <a:cs typeface=""/>
+        <a:font script="Jpan" typeface="游ゴシック"/>
+        <a:font script="Hang" typeface="맑은 고딕"/>
+        <a:font script="Hans" typeface="等线"/>
+        <a:font script="Hant" typeface="新細明體"/>
+        <a:font script="Arab" typeface="Arial"/>
+        <a:font script="Hebr" typeface="Arial"/>
+        <a:font script="Thai" typeface="Cordia New"/>
+        <a:font script="Ethi" typeface="Nyala"/>
+        <a:font script="Beng" typeface="Vrinda"/>
+        <a:font script="Gujr" typeface="Shruti"/>
+        <a:font script="Khmr" typeface="DaunPenh"/>
+        <a:font script="Knda" typeface="Tunga"/>
+        <a:font script="Guru" typeface="Raavi"/>
+        <a:font script="Cans" typeface="Euphemia"/>
+        <a:font script="Cher" typeface="Plantagenet Cherokee"/>
+        <a:font script="Yiii" typeface="Microsoft Yi Baiti"/>
+        <a:font script="Tibt" typeface="Microsoft Himalaya"/>
+        <a:font script="Thaa" typeface="MV Boli"/>
+        <a:font script="Deva" typeface="Mangal"/>
+        <a:font script="Telu" typeface="Gautami"/>
+        <a:font script="Taml" typeface="Latha"/>
+        <a:font script="Syrc" typeface="Estrangelo Edessa"/>
+        <a:font script="Orya" typeface="Kalinga"/>
+        <a:font script="Mlym" typeface="Kartika"/>
+        <a:font script="Laoo" typeface="DokChampa"/>
+        <a:font script="Sinh" typeface="Iskoola Pota"/>
+        <a:font script="Mong" typeface="Mongolian Baiti"/>
+        <a:font script="Viet" typeface="Arial"/>
+        <a:font script="Uigh" typeface="Microsoft Uighur"/>
+        <a:font script="Geor" typeface="Sylfaen"/>
+        <a:font script="Armn" typeface="Arial"/>
+        <a:font script="Bugi" typeface="Leelawadee UI"/>
+        <a:font script="Bopo" typeface="Microsoft JhengHei"/>
+        <a:font script="Java" typeface="Javanese Text"/>
+        <a:font script="Lisu" typeface="Segoe UI"/>
+        <a:font script="Mymr" typeface="Myanmar Text"/>
+        <a:font script="Nkoo" typeface="Ebrima"/>
+        <a:font script="Olck" typeface="Nirmala UI"/>
+        <a:font script="Osma" typeface="Ebrima"/>
+        <a:font script="Phag" typeface="Phagspa"/>
+        <a:font script="Syrn" typeface="Estrangelo Edessa"/>
+        <a:font script="Syrj" typeface="Estrangelo Edessa"/>
+        <a:font script="Syre" typeface="Estrangelo Edessa"/>
+        <a:font script="Sora" typeface="Nirmala UI"/>
+        <a:font script="Tale" typeface="Microsoft Tai Le"/>
+        <a:font script="Talu" typeface="Microsoft New Tai Lue"/>
+        <a:font script="Tfng" typeface="Ebrima"/>
+      </a:minorFont>
+    </a:fontScheme>
+    <a:fmtScheme name="Office">
+      <a:fillStyleLst>
+        <a:solidFill>
+          <a:schemeClr val="phClr"/>
+        </a:solidFill>
+        <a:gradFill rotWithShape="1">
+          <a:gsLst>
+            <a:gs pos="0">
+              <a:schemeClr val="phClr">
+                <a:lumMod val="110000"/>
+                <a:satMod val="105000"/>
+                <a:tint val="67000"/>
+              </a:schemeClr>
+            </a:gs>
+            <a:gs pos="50000">
+              <a:schemeClr val="phClr">
+                <a:lumMod val="105000"/>
+                <a:satMod val="103000"/>
+                <a:tint val="73000"/>
+              </a:schemeClr>
+            </a:gs>
+            <a:gs pos="100000">
+              <a:schemeClr val="phClr">
+                <a:lumMod val="105000"/>
+                <a:satMod val="109000"/>
+                <a:tint val="81000"/>
+              </a:schemeClr>
+            </a:gs>
+          </a:gsLst>
+          <a:lin ang="5400000" scaled="0"/>
+        </a:gradFill>
+        <a:gradFill rotWithShape="1">
+          <a:gsLst>
+            <a:gs pos="0">
+              <a:schemeClr val="phClr">
+                <a:satMod val="103000"/>
+                <a:lumMod val="102000"/>
+                <a:tint val="94000"/>
+              </a:schemeClr>
+            </a:gs>
+            <a:gs pos="50000">
+              <a:schemeClr val="phClr">
+                <a:satMod val="110000"/>
+                <a:lumMod val="100000"/>
+                <a:shade val="100000"/>
+              </a:schemeClr>
+            </a:gs>
+            <a:gs pos="100000">
+              <a:schemeClr val="phClr">
+                <a:lumMod val="99000"/>
+                <a:satMod val="120000"/>
+                <a:shade val="78000"/>
+              </a:schemeClr>
+            </a:gs>
+          </a:gsLst>
+          <a:lin ang="5400000" scaled="0"/>
+        </a:gradFill>
+      </a:fillStyleLst>
+      <a:lnStyleLst>
+        <a:ln w="6350" cap="flat" cmpd="sng" algn="ctr">
+          <a:solidFill>
+            <a:schemeClr val="phClr"/>
+          </a:solidFill>
+          <a:prstDash val="solid"/>
+          <a:miter lim="800000"/>
+        </a:ln>
+        <a:ln w="12700" cap="flat" cmpd="sng" algn="ctr">
+          <a:solidFill>
+            <a:schemeClr val="phClr"/>
+          </a:solidFill>
+          <a:prstDash val="solid"/>
+          <a:miter lim="800000"/>
+        </a:ln>
+        <a:ln w="19050" cap="flat" cmpd="sng" algn="ctr">
+          <a:solidFill>
+            <a:schemeClr val="phClr"/>
+          </a:solidFill>
+          <a:prstDash val="solid"/>
+          <a:miter lim="800000"/>
+        </a:ln>
+      </a:lnStyleLst>
+      <a:effectStyleLst>
+        <a:effectStyle>
+          <a:effectLst/>
+        </a:effectStyle>
+        <a:effectStyle>
+          <a:effectLst/>
+        </a:effectStyle>
+        <a:effectStyle>
+          <a:effectLst>
+            <a:outerShdw blurRad="57150" dist="19050" dir="5400000" algn="ctr" rotWithShape="0">
+              <a:srgbClr val="000000">
+                <a:alpha val="63000"/>
+              </a:srgbClr>
+            </a:outerShdw>
+          </a:effectLst>
+        </a:effectStyle>
+      </a:effectStyleLst>
+      <a:bgFillStyleLst>
+        <a:solidFill>
+          <a:schemeClr val="phClr"/>
+        </a:solidFill>
+        <a:solidFill>
+          <a:schemeClr val="phClr">
+            <a:tint val="95000"/>
+            <a:satMod val="170000"/>
+          </a:schemeClr>
+        </a:solidFill>
+        <a:gradFill rotWithShape="1">
+          <a:gsLst>
+            <a:gs pos="0">
+              <a:schemeClr val="phClr">
+                <a:tint val="93000"/>
+                <a:satMod val="150000"/>
+                <a:shade val="98000"/>
+                <a:lumMod val="102000"/>
+              </a:schemeClr>
+            </a:gs>
+            <a:gs pos="50000">
+              <a:schemeClr val="phClr">
+                <a:tint val="98000"/>
+                <a:satMod val="130000"/>
+                <a:shade val="90000"/>
+                <a:lumMod val="103000"/>
+              </a:schemeClr>
+            </a:gs>
+            <a:gs pos="100000">
+              <a:schemeClr val="phClr">
+                <a:shade val="63000"/>
+                <a:satMod val="120000"/>
+              </a:schemeClr>
+            </a:gs>
+          </a:gsLst>
+          <a:lin ang="5400000" scaled="0"/>
+        </a:gradFill>
+      </a:bgFillStyleLst>
+    </a:fmtScheme>
+  </a:themeElements>
+  <a:objectDefaults/>
+  <a:extraClrSchemeLst/>
+  <a:extLst>
+    <a:ext uri="{05A4C25C-085E-4340-85A3-A5531E510DB2}">
+      <thm15:themeFamily xmlns:thm15="http://schemas.microsoft.com/office/thememl/2012/main" name="Office Theme" id="{62F939B6-93AF-4DB8-9C6B-D6C7DFDC589F}" vid="{4A3C46E8-61CC-4603-A589-7422A47A8E4A}"/>
+    </a:ext>
+  </a:extLst>
+</a:theme>
 </file>
--- a/project/Design.pptx
+++ b/project/Design.pptx
@@ -205,7 +205,7 @@
           <a:p>
             <a:fld id="{E04E5C99-8ED6-4B4B-9559-9E93F6E86A3C}" type="datetimeFigureOut">
               <a:rPr lang="LID4096" smtClean="0"/>
-              <a:t>05/31/2020</a:t>
+              <a:t>07/20/2020</a:t>
             </a:fld>
             <a:endParaRPr lang="LID4096"/>
           </a:p>
@@ -709,7 +709,7 @@
           <a:p>
             <a:fld id="{77257F9A-95E0-45A8-A66F-07C2ED2FD12A}" type="datetimeFigureOut">
               <a:rPr lang="he-IL" smtClean="0"/>
-              <a:t>ח'/סיון/תש"ף</a:t>
+              <a:t>כ"ח/תמוז/תש"ף</a:t>
             </a:fld>
             <a:endParaRPr lang="he-IL"/>
           </a:p>
@@ -879,7 +879,7 @@
           <a:p>
             <a:fld id="{77257F9A-95E0-45A8-A66F-07C2ED2FD12A}" type="datetimeFigureOut">
               <a:rPr lang="he-IL" smtClean="0"/>
-              <a:t>ח'/סיון/תש"ף</a:t>
+              <a:t>כ"ח/תמוז/תש"ף</a:t>
             </a:fld>
             <a:endParaRPr lang="he-IL"/>
           </a:p>
@@ -1059,7 +1059,7 @@
           <a:p>
             <a:fld id="{77257F9A-95E0-45A8-A66F-07C2ED2FD12A}" type="datetimeFigureOut">
               <a:rPr lang="he-IL" smtClean="0"/>
-              <a:t>ח'/סיון/תש"ף</a:t>
+              <a:t>כ"ח/תמוז/תש"ף</a:t>
             </a:fld>
             <a:endParaRPr lang="he-IL"/>
           </a:p>
@@ -1229,7 +1229,7 @@
           <a:p>
             <a:fld id="{77257F9A-95E0-45A8-A66F-07C2ED2FD12A}" type="datetimeFigureOut">
               <a:rPr lang="he-IL" smtClean="0"/>
-              <a:t>ח'/סיון/תש"ף</a:t>
+              <a:t>כ"ח/תמוז/תש"ף</a:t>
             </a:fld>
             <a:endParaRPr lang="he-IL"/>
           </a:p>
@@ -1475,7 +1475,7 @@
           <a:p>
             <a:fld id="{77257F9A-95E0-45A8-A66F-07C2ED2FD12A}" type="datetimeFigureOut">
               <a:rPr lang="he-IL" smtClean="0"/>
-              <a:t>ח'/סיון/תש"ף</a:t>
+              <a:t>כ"ח/תמוז/תש"ף</a:t>
             </a:fld>
             <a:endParaRPr lang="he-IL"/>
           </a:p>
@@ -1707,7 +1707,7 @@
           <a:p>
             <a:fld id="{77257F9A-95E0-45A8-A66F-07C2ED2FD12A}" type="datetimeFigureOut">
               <a:rPr lang="he-IL" smtClean="0"/>
-              <a:t>ח'/סיון/תש"ף</a:t>
+              <a:t>כ"ח/תמוז/תש"ף</a:t>
             </a:fld>
             <a:endParaRPr lang="he-IL"/>
           </a:p>
@@ -2074,7 +2074,7 @@
           <a:p>
             <a:fld id="{77257F9A-95E0-45A8-A66F-07C2ED2FD12A}" type="datetimeFigureOut">
               <a:rPr lang="he-IL" smtClean="0"/>
-              <a:t>ח'/סיון/תש"ף</a:t>
+              <a:t>כ"ח/תמוז/תש"ף</a:t>
             </a:fld>
             <a:endParaRPr lang="he-IL"/>
           </a:p>
@@ -2192,7 +2192,7 @@
           <a:p>
             <a:fld id="{77257F9A-95E0-45A8-A66F-07C2ED2FD12A}" type="datetimeFigureOut">
               <a:rPr lang="he-IL" smtClean="0"/>
-              <a:t>ח'/סיון/תש"ף</a:t>
+              <a:t>כ"ח/תמוז/תש"ף</a:t>
             </a:fld>
             <a:endParaRPr lang="he-IL"/>
           </a:p>
@@ -2287,7 +2287,7 @@
           <a:p>
             <a:fld id="{77257F9A-95E0-45A8-A66F-07C2ED2FD12A}" type="datetimeFigureOut">
               <a:rPr lang="he-IL" smtClean="0"/>
-              <a:t>ח'/סיון/תש"ף</a:t>
+              <a:t>כ"ח/תמוז/תש"ף</a:t>
             </a:fld>
             <a:endParaRPr lang="he-IL"/>
           </a:p>
@@ -2564,7 +2564,7 @@
           <a:p>
             <a:fld id="{77257F9A-95E0-45A8-A66F-07C2ED2FD12A}" type="datetimeFigureOut">
               <a:rPr lang="he-IL" smtClean="0"/>
-              <a:t>ח'/סיון/תש"ף</a:t>
+              <a:t>כ"ח/תמוז/תש"ף</a:t>
             </a:fld>
             <a:endParaRPr lang="he-IL"/>
           </a:p>
@@ -2821,7 +2821,7 @@
           <a:p>
             <a:fld id="{77257F9A-95E0-45A8-A66F-07C2ED2FD12A}" type="datetimeFigureOut">
               <a:rPr lang="he-IL" smtClean="0"/>
-              <a:t>ח'/סיון/תש"ף</a:t>
+              <a:t>כ"ח/תמוז/תש"ף</a:t>
             </a:fld>
             <a:endParaRPr lang="he-IL"/>
           </a:p>
@@ -3034,7 +3034,7 @@
           <a:p>
             <a:fld id="{77257F9A-95E0-45A8-A66F-07C2ED2FD12A}" type="datetimeFigureOut">
               <a:rPr lang="he-IL" smtClean="0"/>
-              <a:t>ח'/סיון/תש"ף</a:t>
+              <a:t>כ"ח/תמוז/תש"ף</a:t>
             </a:fld>
             <a:endParaRPr lang="he-IL"/>
           </a:p>
@@ -10296,8 +10296,8 @@
         </p:nvSpPr>
         <p:spPr>
           <a:xfrm>
-            <a:off x="10287185" y="2275742"/>
-            <a:ext cx="4751427" cy="5124581"/>
+            <a:off x="10287185" y="1426402"/>
+            <a:ext cx="4751427" cy="5973921"/>
           </a:xfrm>
           <a:prstGeom prst="rect">
             <a:avLst/>
@@ -10368,7 +10368,7 @@
                   <a:schemeClr val="bg1"/>
                 </a:solidFill>
               </a:rPr>
-              <a:t>20 (-)</a:t>
+              <a:t>40 (-)</a:t>
             </a:r>
           </a:p>
           <a:p>
@@ -10386,7 +10386,7 @@
                   <a:schemeClr val="bg1"/>
                 </a:solidFill>
               </a:rPr>
-              <a:t>20 (~)</a:t>
+              <a:t>40 (~)</a:t>
             </a:r>
           </a:p>
           <a:p>
@@ -10400,7 +10400,7 @@
                   <a:schemeClr val="bg1"/>
                 </a:solidFill>
               </a:rPr>
-              <a:t>15 unique + 5 from pre - 2 repetition</a:t>
+              <a:t>15 unique + 5 from DCT pre - 2 repetition</a:t>
             </a:r>
           </a:p>
           <a:p>
@@ -10530,7 +10530,7 @@
                   <a:schemeClr val="bg1"/>
                 </a:solidFill>
               </a:rPr>
-              <a:t>10 (-)</a:t>
+              <a:t>15 (-)</a:t>
             </a:r>
           </a:p>
           <a:p>
@@ -10548,7 +10548,7 @@
                   <a:schemeClr val="bg1"/>
                 </a:solidFill>
               </a:rPr>
-              <a:t>10 (+)</a:t>
+              <a:t>15 (+)</a:t>
             </a:r>
           </a:p>
           <a:p>
@@ -10576,7 +10576,7 @@
                   <a:schemeClr val="bg1"/>
                 </a:solidFill>
               </a:rPr>
-              <a:t>5 post</a:t>
+              <a:t>5 DCT post</a:t>
             </a:r>
           </a:p>
           <a:p>

--- a/project/Design.pptx
+++ b/project/Design.pptx
@@ -5,7 +5,7 @@
     <p:sldMasterId id="2147483684" r:id="rId1"/>
   </p:sldMasterIdLst>
   <p:notesMasterIdLst>
-    <p:notesMasterId r:id="rId11"/>
+    <p:notesMasterId r:id="rId12"/>
   </p:notesMasterIdLst>
   <p:sldIdLst>
     <p:sldId id="256" r:id="rId2"/>
@@ -17,6 +17,7 @@
     <p:sldId id="265" r:id="rId8"/>
     <p:sldId id="266" r:id="rId9"/>
     <p:sldId id="267" r:id="rId10"/>
+    <p:sldId id="270" r:id="rId11"/>
   </p:sldIdLst>
   <p:sldSz cx="32032575" cy="18018125"/>
   <p:notesSz cx="6858000" cy="9144000"/>
@@ -205,7 +206,7 @@
           <a:p>
             <a:fld id="{E04E5C99-8ED6-4B4B-9559-9E93F6E86A3C}" type="datetimeFigureOut">
               <a:rPr lang="LID4096" smtClean="0"/>
-              <a:t>07/20/2020</a:t>
+              <a:t>08/27/2020</a:t>
             </a:fld>
             <a:endParaRPr lang="LID4096"/>
           </a:p>
@@ -578,6 +579,90 @@
 </p:notes>
 </file>
 
+<file path=ppt/notesSlides/notesSlide2.xml><?xml version="1.0" encoding="utf-8"?>
+<p:notes xmlns:a="http://schemas.openxmlformats.org/drawingml/2006/main" xmlns:r="http://schemas.openxmlformats.org/officeDocument/2006/relationships" xmlns:p="http://schemas.openxmlformats.org/presentationml/2006/main">
+  <p:cSld>
+    <p:spTree>
+      <p:nvGrpSpPr>
+        <p:cNvPr id="1" name=""/>
+        <p:cNvGrpSpPr/>
+        <p:nvPr/>
+      </p:nvGrpSpPr>
+      <p:grpSpPr>
+        <a:xfrm>
+          <a:off x="0" y="0"/>
+          <a:ext cx="0" cy="0"/>
+          <a:chOff x="0" y="0"/>
+          <a:chExt cx="0" cy="0"/>
+        </a:xfrm>
+      </p:grpSpPr>
+      <p:sp>
+        <p:nvSpPr>
+          <p:cNvPr id="2" name="Slide Image Placeholder 1"/>
+          <p:cNvSpPr>
+            <a:spLocks noGrp="1" noRot="1" noChangeAspect="1"/>
+          </p:cNvSpPr>
+          <p:nvPr>
+            <p:ph type="sldImg"/>
+          </p:nvPr>
+        </p:nvSpPr>
+        <p:spPr/>
+      </p:sp>
+      <p:sp>
+        <p:nvSpPr>
+          <p:cNvPr id="3" name="Notes Placeholder 2"/>
+          <p:cNvSpPr>
+            <a:spLocks noGrp="1"/>
+          </p:cNvSpPr>
+          <p:nvPr>
+            <p:ph type="body" idx="1"/>
+          </p:nvPr>
+        </p:nvSpPr>
+        <p:spPr/>
+        <p:txBody>
+          <a:bodyPr/>
+          <a:lstStyle/>
+          <a:p>
+            <a:endParaRPr lang="LID4096" dirty="0"/>
+          </a:p>
+        </p:txBody>
+      </p:sp>
+      <p:sp>
+        <p:nvSpPr>
+          <p:cNvPr id="4" name="Slide Number Placeholder 3"/>
+          <p:cNvSpPr>
+            <a:spLocks noGrp="1"/>
+          </p:cNvSpPr>
+          <p:nvPr>
+            <p:ph type="sldNum" sz="quarter" idx="5"/>
+          </p:nvPr>
+        </p:nvSpPr>
+        <p:spPr/>
+        <p:txBody>
+          <a:bodyPr/>
+          <a:lstStyle/>
+          <a:p>
+            <a:fld id="{0572427E-2A1C-411D-9284-D1C05777BD39}" type="slidenum">
+              <a:rPr lang="LID4096" smtClean="0"/>
+              <a:t>9</a:t>
+            </a:fld>
+            <a:endParaRPr lang="LID4096"/>
+          </a:p>
+        </p:txBody>
+      </p:sp>
+    </p:spTree>
+    <p:extLst>
+      <p:ext uri="{BB962C8B-B14F-4D97-AF65-F5344CB8AC3E}">
+        <p14:creationId xmlns:p14="http://schemas.microsoft.com/office/powerpoint/2010/main" val="3527492514"/>
+      </p:ext>
+    </p:extLst>
+  </p:cSld>
+  <p:clrMapOvr>
+    <a:masterClrMapping/>
+  </p:clrMapOvr>
+</p:notes>
+</file>
+
 <file path=ppt/slideLayouts/slideLayout1.xml><?xml version="1.0" encoding="utf-8"?>
 <p:sldLayout xmlns:a="http://schemas.openxmlformats.org/drawingml/2006/main" xmlns:r="http://schemas.openxmlformats.org/officeDocument/2006/relationships" xmlns:p="http://schemas.openxmlformats.org/presentationml/2006/main" type="title" preserve="1">
   <p:cSld name="שקופית כותרת">
@@ -709,7 +794,7 @@
           <a:p>
             <a:fld id="{77257F9A-95E0-45A8-A66F-07C2ED2FD12A}" type="datetimeFigureOut">
               <a:rPr lang="he-IL" smtClean="0"/>
-              <a:t>כ"ח/תמוז/תש"ף</a:t>
+              <a:t>ז'/אלול/תש"ף</a:t>
             </a:fld>
             <a:endParaRPr lang="he-IL"/>
           </a:p>
@@ -879,7 +964,7 @@
           <a:p>
             <a:fld id="{77257F9A-95E0-45A8-A66F-07C2ED2FD12A}" type="datetimeFigureOut">
               <a:rPr lang="he-IL" smtClean="0"/>
-              <a:t>כ"ח/תמוז/תש"ף</a:t>
+              <a:t>ז'/אלול/תש"ף</a:t>
             </a:fld>
             <a:endParaRPr lang="he-IL"/>
           </a:p>
@@ -1059,7 +1144,7 @@
           <a:p>
             <a:fld id="{77257F9A-95E0-45A8-A66F-07C2ED2FD12A}" type="datetimeFigureOut">
               <a:rPr lang="he-IL" smtClean="0"/>
-              <a:t>כ"ח/תמוז/תש"ף</a:t>
+              <a:t>ז'/אלול/תש"ף</a:t>
             </a:fld>
             <a:endParaRPr lang="he-IL"/>
           </a:p>
@@ -1229,7 +1314,7 @@
           <a:p>
             <a:fld id="{77257F9A-95E0-45A8-A66F-07C2ED2FD12A}" type="datetimeFigureOut">
               <a:rPr lang="he-IL" smtClean="0"/>
-              <a:t>כ"ח/תמוז/תש"ף</a:t>
+              <a:t>ז'/אלול/תש"ף</a:t>
             </a:fld>
             <a:endParaRPr lang="he-IL"/>
           </a:p>
@@ -1475,7 +1560,7 @@
           <a:p>
             <a:fld id="{77257F9A-95E0-45A8-A66F-07C2ED2FD12A}" type="datetimeFigureOut">
               <a:rPr lang="he-IL" smtClean="0"/>
-              <a:t>כ"ח/תמוז/תש"ף</a:t>
+              <a:t>ז'/אלול/תש"ף</a:t>
             </a:fld>
             <a:endParaRPr lang="he-IL"/>
           </a:p>
@@ -1707,7 +1792,7 @@
           <a:p>
             <a:fld id="{77257F9A-95E0-45A8-A66F-07C2ED2FD12A}" type="datetimeFigureOut">
               <a:rPr lang="he-IL" smtClean="0"/>
-              <a:t>כ"ח/תמוז/תש"ף</a:t>
+              <a:t>ז'/אלול/תש"ף</a:t>
             </a:fld>
             <a:endParaRPr lang="he-IL"/>
           </a:p>
@@ -2074,7 +2159,7 @@
           <a:p>
             <a:fld id="{77257F9A-95E0-45A8-A66F-07C2ED2FD12A}" type="datetimeFigureOut">
               <a:rPr lang="he-IL" smtClean="0"/>
-              <a:t>כ"ח/תמוז/תש"ף</a:t>
+              <a:t>ז'/אלול/תש"ף</a:t>
             </a:fld>
             <a:endParaRPr lang="he-IL"/>
           </a:p>
@@ -2192,7 +2277,7 @@
           <a:p>
             <a:fld id="{77257F9A-95E0-45A8-A66F-07C2ED2FD12A}" type="datetimeFigureOut">
               <a:rPr lang="he-IL" smtClean="0"/>
-              <a:t>כ"ח/תמוז/תש"ף</a:t>
+              <a:t>ז'/אלול/תש"ף</a:t>
             </a:fld>
             <a:endParaRPr lang="he-IL"/>
           </a:p>
@@ -2287,7 +2372,7 @@
           <a:p>
             <a:fld id="{77257F9A-95E0-45A8-A66F-07C2ED2FD12A}" type="datetimeFigureOut">
               <a:rPr lang="he-IL" smtClean="0"/>
-              <a:t>כ"ח/תמוז/תש"ף</a:t>
+              <a:t>ז'/אלול/תש"ף</a:t>
             </a:fld>
             <a:endParaRPr lang="he-IL"/>
           </a:p>
@@ -2564,7 +2649,7 @@
           <a:p>
             <a:fld id="{77257F9A-95E0-45A8-A66F-07C2ED2FD12A}" type="datetimeFigureOut">
               <a:rPr lang="he-IL" smtClean="0"/>
-              <a:t>כ"ח/תמוז/תש"ף</a:t>
+              <a:t>ז'/אלול/תש"ף</a:t>
             </a:fld>
             <a:endParaRPr lang="he-IL"/>
           </a:p>
@@ -2821,7 +2906,7 @@
           <a:p>
             <a:fld id="{77257F9A-95E0-45A8-A66F-07C2ED2FD12A}" type="datetimeFigureOut">
               <a:rPr lang="he-IL" smtClean="0"/>
-              <a:t>כ"ח/תמוז/תש"ף</a:t>
+              <a:t>ז'/אלול/תש"ף</a:t>
             </a:fld>
             <a:endParaRPr lang="he-IL"/>
           </a:p>
@@ -3034,7 +3119,7 @@
           <a:p>
             <a:fld id="{77257F9A-95E0-45A8-A66F-07C2ED2FD12A}" type="datetimeFigureOut">
               <a:rPr lang="he-IL" smtClean="0"/>
-              <a:t>כ"ח/תמוז/תש"ף</a:t>
+              <a:t>ז'/אלול/תש"ף</a:t>
             </a:fld>
             <a:endParaRPr lang="he-IL"/>
           </a:p>
@@ -3472,6 +3557,123 @@
     <p:extLst>
       <p:ext uri="{BB962C8B-B14F-4D97-AF65-F5344CB8AC3E}">
         <p14:creationId xmlns:p14="http://schemas.microsoft.com/office/powerpoint/2010/main" val="2417601332"/>
+      </p:ext>
+    </p:extLst>
+  </p:cSld>
+  <p:clrMapOvr>
+    <a:masterClrMapping/>
+  </p:clrMapOvr>
+</p:sld>
+</file>
+
+<file path=ppt/slides/slide10.xml><?xml version="1.0" encoding="utf-8"?>
+<p:sld xmlns:a="http://schemas.openxmlformats.org/drawingml/2006/main" xmlns:r="http://schemas.openxmlformats.org/officeDocument/2006/relationships" xmlns:p="http://schemas.openxmlformats.org/presentationml/2006/main">
+  <p:cSld>
+    <p:spTree>
+      <p:nvGrpSpPr>
+        <p:cNvPr id="1" name=""/>
+        <p:cNvGrpSpPr/>
+        <p:nvPr/>
+      </p:nvGrpSpPr>
+      <p:grpSpPr>
+        <a:xfrm>
+          <a:off x="0" y="0"/>
+          <a:ext cx="0" cy="0"/>
+          <a:chOff x="0" y="0"/>
+          <a:chExt cx="0" cy="0"/>
+        </a:xfrm>
+      </p:grpSpPr>
+      <p:sp>
+        <p:nvSpPr>
+          <p:cNvPr id="2" name="Title 1">
+            <a:extLst>
+              <a:ext uri="{FF2B5EF4-FFF2-40B4-BE49-F238E27FC236}">
+                <a16:creationId xmlns:a16="http://schemas.microsoft.com/office/drawing/2014/main" id="{CF674C62-307A-4836-9D5A-26C42B1D8E0F}"/>
+              </a:ext>
+            </a:extLst>
+          </p:cNvPr>
+          <p:cNvSpPr>
+            <a:spLocks noGrp="1"/>
+          </p:cNvSpPr>
+          <p:nvPr>
+            <p:ph type="title"/>
+          </p:nvPr>
+        </p:nvSpPr>
+        <p:spPr/>
+        <p:txBody>
+          <a:bodyPr/>
+          <a:lstStyle/>
+          <a:p>
+            <a:r>
+              <a:rPr lang="en-US" dirty="0"/>
+              <a:t>Alternative Training Tasks</a:t>
+            </a:r>
+            <a:endParaRPr lang="LID4096" dirty="0"/>
+          </a:p>
+        </p:txBody>
+      </p:sp>
+      <p:sp>
+        <p:nvSpPr>
+          <p:cNvPr id="3" name="Content Placeholder 2">
+            <a:extLst>
+              <a:ext uri="{FF2B5EF4-FFF2-40B4-BE49-F238E27FC236}">
+                <a16:creationId xmlns:a16="http://schemas.microsoft.com/office/drawing/2014/main" id="{13219D77-F722-4B7A-A655-93498005851C}"/>
+              </a:ext>
+            </a:extLst>
+          </p:cNvPr>
+          <p:cNvSpPr>
+            <a:spLocks noGrp="1"/>
+          </p:cNvSpPr>
+          <p:nvPr>
+            <p:ph idx="1"/>
+          </p:nvPr>
+        </p:nvSpPr>
+        <p:spPr/>
+        <p:txBody>
+          <a:bodyPr/>
+          <a:lstStyle/>
+          <a:p>
+            <a:r>
+              <a:rPr lang="he-IL" dirty="0"/>
+              <a:t>חי דומם</a:t>
+            </a:r>
+          </a:p>
+          <a:p>
+            <a:endParaRPr lang="he-IL" dirty="0"/>
+          </a:p>
+          <a:p>
+            <a:r>
+              <a:rPr lang="he-IL" dirty="0"/>
+              <a:t>גדול מ-</a:t>
+            </a:r>
+            <a:r>
+              <a:rPr lang="en-US" dirty="0"/>
+              <a:t>X</a:t>
+            </a:r>
+            <a:endParaRPr lang="he-IL" dirty="0"/>
+          </a:p>
+          <a:p>
+            <a:pPr lvl="1"/>
+            <a:r>
+              <a:rPr lang="he-IL"/>
+              <a:t>צורות</a:t>
+            </a:r>
+            <a:endParaRPr lang="he-IL" dirty="0"/>
+          </a:p>
+          <a:p>
+            <a:pPr lvl="1"/>
+            <a:r>
+              <a:rPr lang="he-IL" dirty="0"/>
+              <a:t>מספרי</a:t>
+            </a:r>
+            <a:endParaRPr lang="LID4096" dirty="0"/>
+          </a:p>
+        </p:txBody>
+      </p:sp>
+    </p:spTree>
+    <p:extLst>
+      <p:ext uri="{BB962C8B-B14F-4D97-AF65-F5344CB8AC3E}">
+        <p14:creationId xmlns:p14="http://schemas.microsoft.com/office/powerpoint/2010/main" val="3203008573"/>
       </p:ext>
     </p:extLst>
   </p:cSld>
